--- a/slide.pptx
+++ b/slide.pptx
@@ -14,9 +14,9 @@
     <p:sldId id="272" r:id="rId5"/>
     <p:sldId id="258" r:id="rId6"/>
     <p:sldId id="269" r:id="rId7"/>
-    <p:sldId id="270" r:id="rId8"/>
+    <p:sldId id="362" r:id="rId8"/>
     <p:sldId id="271" r:id="rId9"/>
-    <p:sldId id="279" r:id="rId10"/>
+    <p:sldId id="361" r:id="rId10"/>
     <p:sldId id="264" r:id="rId11"/>
     <p:sldId id="275" r:id="rId12"/>
     <p:sldId id="265" r:id="rId13"/>
@@ -225,7 +225,7 @@
           <a:p>
             <a:fld id="{6CE49EAE-48BD-44AB-A2A9-B222743AF9DB}" type="datetimeFigureOut">
               <a:rPr lang="zh-TW" altLang="en-US" smtClean="0"/>
-              <a:t>2022/1/20</a:t>
+              <a:t>2022/1/21</a:t>
             </a:fld>
             <a:endParaRPr lang="zh-TW" altLang="en-US"/>
           </a:p>
@@ -511,7 +511,7 @@
       </p:grpSpPr>
       <p:sp>
         <p:nvSpPr>
-          <p:cNvPr id="2" name="投影片影像版面配置區 1"/>
+          <p:cNvPr id="2" name="幻灯片图像占位符 1"/>
           <p:cNvSpPr>
             <a:spLocks noGrp="1" noRot="1" noChangeAspect="1"/>
           </p:cNvSpPr>
@@ -523,7 +523,7 @@
       </p:sp>
       <p:sp>
         <p:nvSpPr>
-          <p:cNvPr id="3" name="備忘稿版面配置區 2"/>
+          <p:cNvPr id="3" name="备注占位符 2"/>
           <p:cNvSpPr>
             <a:spLocks noGrp="1"/>
           </p:cNvSpPr>
@@ -536,61 +536,18 @@
           <a:bodyPr/>
           <a:lstStyle/>
           <a:p>
-            <a:r>
-              <a:rPr lang="zh-TW" altLang="en-US" dirty="0"/>
-              <a:t>採用</a:t>
-            </a:r>
-            <a:r>
-              <a:rPr lang="en-US" altLang="zh-TW" dirty="0" err="1"/>
-              <a:t>dt_all</a:t>
-            </a:r>
-            <a:r>
-              <a:rPr lang="zh-TW" altLang="en-US" dirty="0"/>
-              <a:t>的</a:t>
-            </a:r>
-            <a:r>
-              <a:rPr lang="en-US" altLang="zh-TW" dirty="0"/>
-              <a:t>1~10</a:t>
-            </a:r>
-            <a:r>
-              <a:rPr lang="zh-TW" altLang="en-US" dirty="0"/>
-              <a:t>做</a:t>
-            </a:r>
-            <a:r>
-              <a:rPr lang="en-US" altLang="zh-TW" dirty="0"/>
-              <a:t>training</a:t>
-            </a:r>
-            <a:r>
-              <a:rPr lang="zh-TW" altLang="en-US" dirty="0"/>
-              <a:t>，</a:t>
-            </a:r>
-            <a:r>
-              <a:rPr lang="en-US" altLang="zh-TW" dirty="0"/>
-              <a:t>11</a:t>
-            </a:r>
-            <a:r>
-              <a:rPr lang="zh-TW" altLang="en-US" dirty="0"/>
-              <a:t>做</a:t>
-            </a:r>
-            <a:r>
-              <a:rPr lang="en-US" altLang="zh-TW" dirty="0"/>
-              <a:t>label</a:t>
-            </a:r>
-            <a:r>
-              <a:rPr lang="zh-TW" altLang="en-US" dirty="0"/>
-              <a:t>，因此可以做改進</a:t>
-            </a:r>
+            <a:endParaRPr lang="zh-CN" altLang="en-US" dirty="0"/>
           </a:p>
         </p:txBody>
       </p:sp>
       <p:sp>
         <p:nvSpPr>
-          <p:cNvPr id="4" name="投影片編號版面配置區 3"/>
+          <p:cNvPr id="4" name="页眉占位符 3"/>
           <p:cNvSpPr>
             <a:spLocks noGrp="1"/>
           </p:cNvSpPr>
           <p:nvPr>
-            <p:ph type="sldNum" sz="quarter" idx="5"/>
+            <p:ph type="hdr" sz="quarter" idx="10"/>
           </p:nvPr>
         </p:nvSpPr>
         <p:spPr/>
@@ -598,18 +555,18 @@
           <a:bodyPr/>
           <a:lstStyle/>
           <a:p>
-            <a:fld id="{9581D120-8873-422E-9607-E78CCADF5AAF}" type="slidenum">
-              <a:rPr lang="zh-TW" altLang="en-US" smtClean="0"/>
-              <a:t>14</a:t>
-            </a:fld>
-            <a:endParaRPr lang="zh-TW" altLang="en-US"/>
+            <a:r>
+              <a:rPr lang="en-US"/>
+              <a:t>My First Template</a:t>
+            </a:r>
+            <a:endParaRPr lang="en-US" dirty="0"/>
           </a:p>
         </p:txBody>
       </p:sp>
     </p:spTree>
     <p:extLst>
       <p:ext uri="{BB962C8B-B14F-4D97-AF65-F5344CB8AC3E}">
-        <p14:creationId xmlns:p14="http://schemas.microsoft.com/office/powerpoint/2010/main" val="150502845"/>
+        <p14:creationId xmlns:p14="http://schemas.microsoft.com/office/powerpoint/2010/main" val="2337487179"/>
       </p:ext>
     </p:extLst>
   </p:cSld>
@@ -727,6 +684,133 @@
           <a:p>
             <a:fld id="{9581D120-8873-422E-9607-E78CCADF5AAF}" type="slidenum">
               <a:rPr lang="zh-TW" altLang="en-US" smtClean="0"/>
+              <a:t>14</a:t>
+            </a:fld>
+            <a:endParaRPr lang="zh-TW" altLang="en-US"/>
+          </a:p>
+        </p:txBody>
+      </p:sp>
+    </p:spTree>
+    <p:extLst>
+      <p:ext uri="{BB962C8B-B14F-4D97-AF65-F5344CB8AC3E}">
+        <p14:creationId xmlns:p14="http://schemas.microsoft.com/office/powerpoint/2010/main" val="150502845"/>
+      </p:ext>
+    </p:extLst>
+  </p:cSld>
+  <p:clrMapOvr>
+    <a:masterClrMapping/>
+  </p:clrMapOvr>
+</p:notes>
+</file>
+
+<file path=ppt/notesSlides/notesSlide3.xml><?xml version="1.0" encoding="utf-8"?>
+<p:notes xmlns:a="http://schemas.openxmlformats.org/drawingml/2006/main" xmlns:r="http://schemas.openxmlformats.org/officeDocument/2006/relationships" xmlns:p="http://schemas.openxmlformats.org/presentationml/2006/main">
+  <p:cSld>
+    <p:spTree>
+      <p:nvGrpSpPr>
+        <p:cNvPr id="1" name=""/>
+        <p:cNvGrpSpPr/>
+        <p:nvPr/>
+      </p:nvGrpSpPr>
+      <p:grpSpPr>
+        <a:xfrm>
+          <a:off x="0" y="0"/>
+          <a:ext cx="0" cy="0"/>
+          <a:chOff x="0" y="0"/>
+          <a:chExt cx="0" cy="0"/>
+        </a:xfrm>
+      </p:grpSpPr>
+      <p:sp>
+        <p:nvSpPr>
+          <p:cNvPr id="2" name="投影片影像版面配置區 1"/>
+          <p:cNvSpPr>
+            <a:spLocks noGrp="1" noRot="1" noChangeAspect="1"/>
+          </p:cNvSpPr>
+          <p:nvPr>
+            <p:ph type="sldImg"/>
+          </p:nvPr>
+        </p:nvSpPr>
+        <p:spPr/>
+      </p:sp>
+      <p:sp>
+        <p:nvSpPr>
+          <p:cNvPr id="3" name="備忘稿版面配置區 2"/>
+          <p:cNvSpPr>
+            <a:spLocks noGrp="1"/>
+          </p:cNvSpPr>
+          <p:nvPr>
+            <p:ph type="body" idx="1"/>
+          </p:nvPr>
+        </p:nvSpPr>
+        <p:spPr/>
+        <p:txBody>
+          <a:bodyPr/>
+          <a:lstStyle/>
+          <a:p>
+            <a:r>
+              <a:rPr lang="zh-TW" altLang="en-US" dirty="0"/>
+              <a:t>採用</a:t>
+            </a:r>
+            <a:r>
+              <a:rPr lang="en-US" altLang="zh-TW" dirty="0" err="1"/>
+              <a:t>dt_all</a:t>
+            </a:r>
+            <a:r>
+              <a:rPr lang="zh-TW" altLang="en-US" dirty="0"/>
+              <a:t>的</a:t>
+            </a:r>
+            <a:r>
+              <a:rPr lang="en-US" altLang="zh-TW" dirty="0"/>
+              <a:t>1~10</a:t>
+            </a:r>
+            <a:r>
+              <a:rPr lang="zh-TW" altLang="en-US" dirty="0"/>
+              <a:t>做</a:t>
+            </a:r>
+            <a:r>
+              <a:rPr lang="en-US" altLang="zh-TW" dirty="0"/>
+              <a:t>training</a:t>
+            </a:r>
+            <a:r>
+              <a:rPr lang="zh-TW" altLang="en-US" dirty="0"/>
+              <a:t>，</a:t>
+            </a:r>
+            <a:r>
+              <a:rPr lang="en-US" altLang="zh-TW" dirty="0"/>
+              <a:t>11</a:t>
+            </a:r>
+            <a:r>
+              <a:rPr lang="zh-TW" altLang="en-US" dirty="0"/>
+              <a:t>做</a:t>
+            </a:r>
+            <a:r>
+              <a:rPr lang="en-US" altLang="zh-TW" dirty="0"/>
+              <a:t>label</a:t>
+            </a:r>
+            <a:r>
+              <a:rPr lang="zh-TW" altLang="en-US" dirty="0"/>
+              <a:t>，因此可以做改進</a:t>
+            </a:r>
+          </a:p>
+        </p:txBody>
+      </p:sp>
+      <p:sp>
+        <p:nvSpPr>
+          <p:cNvPr id="4" name="投影片編號版面配置區 3"/>
+          <p:cNvSpPr>
+            <a:spLocks noGrp="1"/>
+          </p:cNvSpPr>
+          <p:nvPr>
+            <p:ph type="sldNum" sz="quarter" idx="5"/>
+          </p:nvPr>
+        </p:nvSpPr>
+        <p:spPr/>
+        <p:txBody>
+          <a:bodyPr/>
+          <a:lstStyle/>
+          <a:p>
+            <a:fld id="{9581D120-8873-422E-9607-E78CCADF5AAF}" type="slidenum">
+              <a:rPr lang="zh-TW" altLang="en-US" smtClean="0"/>
               <a:t>15</a:t>
             </a:fld>
             <a:endParaRPr lang="zh-TW" altLang="en-US"/>
@@ -746,7 +830,7 @@
 </p:notes>
 </file>
 
-<file path=ppt/notesSlides/notesSlide3.xml><?xml version="1.0" encoding="utf-8"?>
+<file path=ppt/notesSlides/notesSlide4.xml><?xml version="1.0" encoding="utf-8"?>
 <p:notes xmlns:a="http://schemas.openxmlformats.org/drawingml/2006/main" xmlns:r="http://schemas.openxmlformats.org/officeDocument/2006/relationships" xmlns:p="http://schemas.openxmlformats.org/presentationml/2006/main">
   <p:cSld>
     <p:spTree>
@@ -1024,7 +1108,7 @@
           <a:p>
             <a:fld id="{EFD35AF5-F42E-4410-BF61-F82262803FDE}" type="datetimeFigureOut">
               <a:rPr lang="zh-TW" altLang="en-US" smtClean="0"/>
-              <a:t>2022/1/20</a:t>
+              <a:t>2022/1/21</a:t>
             </a:fld>
             <a:endParaRPr lang="zh-TW" altLang="en-US"/>
           </a:p>
@@ -1222,7 +1306,7 @@
           <a:p>
             <a:fld id="{EFD35AF5-F42E-4410-BF61-F82262803FDE}" type="datetimeFigureOut">
               <a:rPr lang="zh-TW" altLang="en-US" smtClean="0"/>
-              <a:t>2022/1/20</a:t>
+              <a:t>2022/1/21</a:t>
             </a:fld>
             <a:endParaRPr lang="zh-TW" altLang="en-US"/>
           </a:p>
@@ -1430,7 +1514,7 @@
           <a:p>
             <a:fld id="{EFD35AF5-F42E-4410-BF61-F82262803FDE}" type="datetimeFigureOut">
               <a:rPr lang="zh-TW" altLang="en-US" smtClean="0"/>
-              <a:t>2022/1/20</a:t>
+              <a:t>2022/1/21</a:t>
             </a:fld>
             <a:endParaRPr lang="zh-TW" altLang="en-US"/>
           </a:p>
@@ -1628,7 +1712,7 @@
           <a:p>
             <a:fld id="{EFD35AF5-F42E-4410-BF61-F82262803FDE}" type="datetimeFigureOut">
               <a:rPr lang="zh-TW" altLang="en-US" smtClean="0"/>
-              <a:t>2022/1/20</a:t>
+              <a:t>2022/1/21</a:t>
             </a:fld>
             <a:endParaRPr lang="zh-TW" altLang="en-US"/>
           </a:p>
@@ -1903,7 +1987,7 @@
           <a:p>
             <a:fld id="{EFD35AF5-F42E-4410-BF61-F82262803FDE}" type="datetimeFigureOut">
               <a:rPr lang="zh-TW" altLang="en-US" smtClean="0"/>
-              <a:t>2022/1/20</a:t>
+              <a:t>2022/1/21</a:t>
             </a:fld>
             <a:endParaRPr lang="zh-TW" altLang="en-US"/>
           </a:p>
@@ -2168,7 +2252,7 @@
           <a:p>
             <a:fld id="{EFD35AF5-F42E-4410-BF61-F82262803FDE}" type="datetimeFigureOut">
               <a:rPr lang="zh-TW" altLang="en-US" smtClean="0"/>
-              <a:t>2022/1/20</a:t>
+              <a:t>2022/1/21</a:t>
             </a:fld>
             <a:endParaRPr lang="zh-TW" altLang="en-US"/>
           </a:p>
@@ -2580,7 +2664,7 @@
           <a:p>
             <a:fld id="{EFD35AF5-F42E-4410-BF61-F82262803FDE}" type="datetimeFigureOut">
               <a:rPr lang="zh-TW" altLang="en-US" smtClean="0"/>
-              <a:t>2022/1/20</a:t>
+              <a:t>2022/1/21</a:t>
             </a:fld>
             <a:endParaRPr lang="zh-TW" altLang="en-US"/>
           </a:p>
@@ -2721,7 +2805,7 @@
           <a:p>
             <a:fld id="{EFD35AF5-F42E-4410-BF61-F82262803FDE}" type="datetimeFigureOut">
               <a:rPr lang="zh-TW" altLang="en-US" smtClean="0"/>
-              <a:t>2022/1/20</a:t>
+              <a:t>2022/1/21</a:t>
             </a:fld>
             <a:endParaRPr lang="zh-TW" altLang="en-US"/>
           </a:p>
@@ -2834,7 +2918,7 @@
           <a:p>
             <a:fld id="{EFD35AF5-F42E-4410-BF61-F82262803FDE}" type="datetimeFigureOut">
               <a:rPr lang="zh-TW" altLang="en-US" smtClean="0"/>
-              <a:t>2022/1/20</a:t>
+              <a:t>2022/1/21</a:t>
             </a:fld>
             <a:endParaRPr lang="zh-TW" altLang="en-US"/>
           </a:p>
@@ -3145,7 +3229,7 @@
           <a:p>
             <a:fld id="{EFD35AF5-F42E-4410-BF61-F82262803FDE}" type="datetimeFigureOut">
               <a:rPr lang="zh-TW" altLang="en-US" smtClean="0"/>
-              <a:t>2022/1/20</a:t>
+              <a:t>2022/1/21</a:t>
             </a:fld>
             <a:endParaRPr lang="zh-TW" altLang="en-US"/>
           </a:p>
@@ -3433,7 +3517,7 @@
           <a:p>
             <a:fld id="{EFD35AF5-F42E-4410-BF61-F82262803FDE}" type="datetimeFigureOut">
               <a:rPr lang="zh-TW" altLang="en-US" smtClean="0"/>
-              <a:t>2022/1/20</a:t>
+              <a:t>2022/1/21</a:t>
             </a:fld>
             <a:endParaRPr lang="zh-TW" altLang="en-US"/>
           </a:p>
@@ -3674,7 +3758,7 @@
           <a:p>
             <a:fld id="{EFD35AF5-F42E-4410-BF61-F82262803FDE}" type="datetimeFigureOut">
               <a:rPr lang="zh-TW" altLang="en-US" smtClean="0"/>
-              <a:t>2022/1/20</a:t>
+              <a:t>2022/1/21</a:t>
             </a:fld>
             <a:endParaRPr lang="zh-TW" altLang="en-US"/>
           </a:p>
@@ -17581,8 +17665,8 @@
           </a:p>
         </p:txBody>
       </p:sp>
-      <mc:AlternateContent xmlns:mc="http://schemas.openxmlformats.org/markup-compatibility/2006">
-        <mc:Choice xmlns:a14="http://schemas.microsoft.com/office/drawing/2010/main" Requires="a14">
+      <mc:AlternateContent xmlns:mc="http://schemas.openxmlformats.org/markup-compatibility/2006" xmlns:a14="http://schemas.microsoft.com/office/drawing/2010/main">
+        <mc:Choice Requires="a14">
           <p:sp>
             <p:nvSpPr>
               <p:cNvPr id="3" name="內容版面配置區 2">
@@ -17770,7 +17854,7 @@
             </p:txBody>
           </p:sp>
         </mc:Choice>
-        <mc:Fallback>
+        <mc:Fallback xmlns="">
           <p:sp>
             <p:nvSpPr>
               <p:cNvPr id="3" name="內容版面配置區 2">
@@ -25183,7 +25267,7 @@
                 <a:latin typeface="微軟正黑體" panose="020B0604030504040204" pitchFamily="34" charset="-120"/>
                 <a:ea typeface="微軟正黑體" panose="020B0604030504040204" pitchFamily="34" charset="-120"/>
               </a:rPr>
-              <a:t>總合做計算，回傳前三高值</a:t>
+              <a:t>總和做計算，回傳前三高值</a:t>
             </a:r>
             <a:endParaRPr lang="en-US" altLang="zh-TW" sz="2800" dirty="0">
               <a:latin typeface="微軟正黑體" panose="020B0604030504040204" pitchFamily="34" charset="-120"/>
@@ -27142,304 +27226,6 @@
           </a:p>
         </p:txBody>
       </p:sp>
-      <p:sp>
-        <p:nvSpPr>
-          <p:cNvPr id="3" name="內容版面配置區 2">
-            <a:extLst>
-              <a:ext uri="{FF2B5EF4-FFF2-40B4-BE49-F238E27FC236}">
-                <a16:creationId xmlns:a16="http://schemas.microsoft.com/office/drawing/2014/main" id="{F1F73060-F620-4245-841F-E20F4793698B}"/>
-              </a:ext>
-            </a:extLst>
-          </p:cNvPr>
-          <p:cNvSpPr>
-            <a:spLocks noGrp="1"/>
-          </p:cNvSpPr>
-          <p:nvPr>
-            <p:ph idx="1"/>
-          </p:nvPr>
-        </p:nvSpPr>
-        <p:spPr>
-          <a:xfrm>
-            <a:off x="838200" y="1969808"/>
-            <a:ext cx="10515600" cy="4523067"/>
-          </a:xfrm>
-        </p:spPr>
-        <p:txBody>
-          <a:bodyPr>
-            <a:normAutofit/>
-          </a:bodyPr>
-          <a:lstStyle/>
-          <a:p>
-            <a:r>
-              <a:rPr lang="en-US" altLang="zh-TW" sz="3200" dirty="0">
-                <a:latin typeface="微軟正黑體" panose="020B0604030504040204" pitchFamily="34" charset="-120"/>
-                <a:ea typeface="微軟正黑體" panose="020B0604030504040204" pitchFamily="34" charset="-120"/>
-              </a:rPr>
-              <a:t>2.</a:t>
-            </a:r>
-            <a:r>
-              <a:rPr lang="zh-TW" altLang="en-US" sz="3200" dirty="0">
-                <a:latin typeface="微軟正黑體" panose="020B0604030504040204" pitchFamily="34" charset="-120"/>
-                <a:ea typeface="微軟正黑體" panose="020B0604030504040204" pitchFamily="34" charset="-120"/>
-              </a:rPr>
-              <a:t> 對資料重新整理與排序</a:t>
-            </a:r>
-            <a:endParaRPr lang="en-US" altLang="zh-TW" sz="3200" dirty="0">
-              <a:latin typeface="微軟正黑體" panose="020B0604030504040204" pitchFamily="34" charset="-120"/>
-              <a:ea typeface="微軟正黑體" panose="020B0604030504040204" pitchFamily="34" charset="-120"/>
-            </a:endParaRPr>
-          </a:p>
-          <a:p>
-            <a:pPr lvl="1"/>
-            <a:r>
-              <a:rPr lang="zh-TW" altLang="en-US" sz="2800" dirty="0">
-                <a:latin typeface="微軟正黑體" panose="020B0604030504040204" pitchFamily="34" charset="-120"/>
-                <a:ea typeface="微軟正黑體" panose="020B0604030504040204" pitchFamily="34" charset="-120"/>
-              </a:rPr>
-              <a:t>將某一顧客的</a:t>
-            </a:r>
-            <a:endParaRPr lang="en-US" altLang="zh-TW" sz="2800" dirty="0">
-              <a:latin typeface="微軟正黑體" panose="020B0604030504040204" pitchFamily="34" charset="-120"/>
-              <a:ea typeface="微軟正黑體" panose="020B0604030504040204" pitchFamily="34" charset="-120"/>
-            </a:endParaRPr>
-          </a:p>
-          <a:p>
-            <a:pPr lvl="2"/>
-            <a:r>
-              <a:rPr lang="en-US" altLang="zh-TW" sz="2400" dirty="0">
-                <a:latin typeface="微軟正黑體" panose="020B0604030504040204" pitchFamily="34" charset="-120"/>
-                <a:ea typeface="微軟正黑體" panose="020B0604030504040204" pitchFamily="34" charset="-120"/>
-              </a:rPr>
-              <a:t>”</a:t>
-            </a:r>
-            <a:r>
-              <a:rPr lang="zh-TW" altLang="en-US" sz="2400" dirty="0">
-                <a:latin typeface="微軟正黑體" panose="020B0604030504040204" pitchFamily="34" charset="-120"/>
-                <a:ea typeface="微軟正黑體" panose="020B0604030504040204" pitchFamily="34" charset="-120"/>
-              </a:rPr>
-              <a:t>消費類別</a:t>
-            </a:r>
-            <a:r>
-              <a:rPr lang="en-US" altLang="zh-TW" sz="2400" dirty="0">
-                <a:latin typeface="微軟正黑體" panose="020B0604030504040204" pitchFamily="34" charset="-120"/>
-                <a:ea typeface="微軟正黑體" panose="020B0604030504040204" pitchFamily="34" charset="-120"/>
-              </a:rPr>
-              <a:t>(</a:t>
-            </a:r>
-            <a:r>
-              <a:rPr lang="en-US" altLang="zh-TW" sz="2400" dirty="0" err="1">
-                <a:latin typeface="微軟正黑體" panose="020B0604030504040204" pitchFamily="34" charset="-120"/>
-                <a:ea typeface="微軟正黑體" panose="020B0604030504040204" pitchFamily="34" charset="-120"/>
-              </a:rPr>
-              <a:t>shop_tag</a:t>
-            </a:r>
-            <a:r>
-              <a:rPr lang="en-US" altLang="zh-TW" sz="2400" dirty="0">
-                <a:latin typeface="微軟正黑體" panose="020B0604030504040204" pitchFamily="34" charset="-120"/>
-                <a:ea typeface="微軟正黑體" panose="020B0604030504040204" pitchFamily="34" charset="-120"/>
-              </a:rPr>
-              <a:t>)“</a:t>
-            </a:r>
-            <a:r>
-              <a:rPr lang="zh-TW" altLang="en-US" sz="2400" dirty="0">
-                <a:latin typeface="微軟正黑體" panose="020B0604030504040204" pitchFamily="34" charset="-120"/>
-                <a:ea typeface="微軟正黑體" panose="020B0604030504040204" pitchFamily="34" charset="-120"/>
-              </a:rPr>
-              <a:t>與</a:t>
-            </a:r>
-            <a:r>
-              <a:rPr lang="en-US" altLang="zh-TW" sz="2400" dirty="0">
-                <a:latin typeface="微軟正黑體" panose="020B0604030504040204" pitchFamily="34" charset="-120"/>
-                <a:ea typeface="微軟正黑體" panose="020B0604030504040204" pitchFamily="34" charset="-120"/>
-              </a:rPr>
-              <a:t>”</a:t>
-            </a:r>
-            <a:r>
-              <a:rPr lang="zh-TW" altLang="en-US" sz="2400" dirty="0">
-                <a:latin typeface="微軟正黑體" panose="020B0604030504040204" pitchFamily="34" charset="-120"/>
-                <a:ea typeface="微軟正黑體" panose="020B0604030504040204" pitchFamily="34" charset="-120"/>
-              </a:rPr>
-              <a:t>消費金額</a:t>
-            </a:r>
-            <a:r>
-              <a:rPr lang="en-US" altLang="zh-TW" sz="2400" dirty="0">
-                <a:latin typeface="微軟正黑體" panose="020B0604030504040204" pitchFamily="34" charset="-120"/>
-                <a:ea typeface="微軟正黑體" panose="020B0604030504040204" pitchFamily="34" charset="-120"/>
-              </a:rPr>
-              <a:t>(</a:t>
-            </a:r>
-            <a:r>
-              <a:rPr lang="en-US" altLang="zh-TW" sz="2400" dirty="0" err="1">
-                <a:latin typeface="微軟正黑體" panose="020B0604030504040204" pitchFamily="34" charset="-120"/>
-                <a:ea typeface="微軟正黑體" panose="020B0604030504040204" pitchFamily="34" charset="-120"/>
-              </a:rPr>
-              <a:t>txn_amt</a:t>
-            </a:r>
-            <a:r>
-              <a:rPr lang="en-US" altLang="zh-TW" sz="2400" dirty="0">
-                <a:latin typeface="微軟正黑體" panose="020B0604030504040204" pitchFamily="34" charset="-120"/>
-                <a:ea typeface="微軟正黑體" panose="020B0604030504040204" pitchFamily="34" charset="-120"/>
-              </a:rPr>
-              <a:t>)”</a:t>
-            </a:r>
-            <a:r>
-              <a:rPr lang="zh-TW" altLang="en-US" sz="2400" dirty="0">
-                <a:latin typeface="微軟正黑體" panose="020B0604030504040204" pitchFamily="34" charset="-120"/>
-                <a:ea typeface="微軟正黑體" panose="020B0604030504040204" pitchFamily="34" charset="-120"/>
-              </a:rPr>
-              <a:t>做對應</a:t>
-            </a:r>
-            <a:r>
-              <a:rPr lang="en-US" altLang="zh-TW" sz="2400" dirty="0">
-                <a:latin typeface="微軟正黑體" panose="020B0604030504040204" pitchFamily="34" charset="-120"/>
-                <a:ea typeface="微軟正黑體" panose="020B0604030504040204" pitchFamily="34" charset="-120"/>
-              </a:rPr>
-              <a:t>(tuple)</a:t>
-            </a:r>
-            <a:r>
-              <a:rPr lang="zh-TW" altLang="en-US" sz="2400" dirty="0">
-                <a:latin typeface="微軟正黑體" panose="020B0604030504040204" pitchFamily="34" charset="-120"/>
-                <a:ea typeface="微軟正黑體" panose="020B0604030504040204" pitchFamily="34" charset="-120"/>
-              </a:rPr>
-              <a:t>，並以 </a:t>
-            </a:r>
-            <a:r>
-              <a:rPr lang="en-US" altLang="zh-TW" sz="2400" dirty="0">
-                <a:latin typeface="微軟正黑體" panose="020B0604030504040204" pitchFamily="34" charset="-120"/>
-                <a:ea typeface="微軟正黑體" panose="020B0604030504040204" pitchFamily="34" charset="-120"/>
-              </a:rPr>
-              <a:t>list </a:t>
-            </a:r>
-            <a:r>
-              <a:rPr lang="zh-TW" altLang="en-US" sz="2400" dirty="0">
-                <a:latin typeface="微軟正黑體" panose="020B0604030504040204" pitchFamily="34" charset="-120"/>
-                <a:ea typeface="微軟正黑體" panose="020B0604030504040204" pitchFamily="34" charset="-120"/>
-              </a:rPr>
-              <a:t>進行儲存</a:t>
-            </a:r>
-            <a:endParaRPr lang="en-US" altLang="zh-TW" sz="2400" dirty="0">
-              <a:latin typeface="微軟正黑體" panose="020B0604030504040204" pitchFamily="34" charset="-120"/>
-              <a:ea typeface="微軟正黑體" panose="020B0604030504040204" pitchFamily="34" charset="-120"/>
-            </a:endParaRPr>
-          </a:p>
-          <a:p>
-            <a:pPr lvl="2"/>
-            <a:r>
-              <a:rPr lang="zh-TW" altLang="en-US" sz="2400" dirty="0">
-                <a:latin typeface="微軟正黑體" panose="020B0604030504040204" pitchFamily="34" charset="-120"/>
-                <a:ea typeface="微軟正黑體" panose="020B0604030504040204" pitchFamily="34" charset="-120"/>
-              </a:rPr>
-              <a:t>加總某一種類下的消費金額</a:t>
-            </a:r>
-            <a:endParaRPr lang="en-US" altLang="zh-TW" sz="2400" dirty="0">
-              <a:latin typeface="微軟正黑體" panose="020B0604030504040204" pitchFamily="34" charset="-120"/>
-              <a:ea typeface="微軟正黑體" panose="020B0604030504040204" pitchFamily="34" charset="-120"/>
-            </a:endParaRPr>
-          </a:p>
-          <a:p>
-            <a:pPr lvl="2"/>
-            <a:r>
-              <a:rPr lang="zh-TW" altLang="en-US" sz="2400" dirty="0">
-                <a:latin typeface="微軟正黑體" panose="020B0604030504040204" pitchFamily="34" charset="-120"/>
-                <a:ea typeface="微軟正黑體" panose="020B0604030504040204" pitchFamily="34" charset="-120"/>
-              </a:rPr>
-              <a:t>對消費總金額做標準化，得單一月分消費金額比例</a:t>
-            </a:r>
-            <a:endParaRPr lang="en-US" altLang="zh-TW" sz="2400" dirty="0">
-              <a:latin typeface="微軟正黑體" panose="020B0604030504040204" pitchFamily="34" charset="-120"/>
-              <a:ea typeface="微軟正黑體" panose="020B0604030504040204" pitchFamily="34" charset="-120"/>
-            </a:endParaRPr>
-          </a:p>
-          <a:p>
-            <a:pPr lvl="3"/>
-            <a:r>
-              <a:rPr lang="zh-TW" altLang="en-US" sz="2000" dirty="0">
-                <a:latin typeface="微軟正黑體" panose="020B0604030504040204" pitchFamily="34" charset="-120"/>
-                <a:ea typeface="微軟正黑體" panose="020B0604030504040204" pitchFamily="34" charset="-120"/>
-              </a:rPr>
-              <a:t>丟失同一個人不同消費時間的序列順序</a:t>
-            </a:r>
-            <a:endParaRPr lang="en-US" altLang="zh-TW" sz="2000" dirty="0">
-              <a:latin typeface="微軟正黑體" panose="020B0604030504040204" pitchFamily="34" charset="-120"/>
-              <a:ea typeface="微軟正黑體" panose="020B0604030504040204" pitchFamily="34" charset="-120"/>
-            </a:endParaRPr>
-          </a:p>
-          <a:p>
-            <a:pPr lvl="3"/>
-            <a:r>
-              <a:rPr lang="zh-TW" altLang="en-US" sz="2000" dirty="0">
-                <a:latin typeface="微軟正黑體" panose="020B0604030504040204" pitchFamily="34" charset="-120"/>
-                <a:ea typeface="微軟正黑體" panose="020B0604030504040204" pitchFamily="34" charset="-120"/>
-              </a:rPr>
-              <a:t>利用標準化使資料量減少與容易排序</a:t>
-            </a:r>
-            <a:endParaRPr lang="en-US" altLang="zh-TW" sz="2000" dirty="0">
-              <a:latin typeface="微軟正黑體" panose="020B0604030504040204" pitchFamily="34" charset="-120"/>
-              <a:ea typeface="微軟正黑體" panose="020B0604030504040204" pitchFamily="34" charset="-120"/>
-            </a:endParaRPr>
-          </a:p>
-          <a:p>
-            <a:pPr marL="914400" lvl="2" indent="0">
-              <a:buNone/>
-            </a:pPr>
-            <a:endParaRPr lang="en-US" altLang="zh-TW" sz="2400" dirty="0">
-              <a:latin typeface="微軟正黑體" panose="020B0604030504040204" pitchFamily="34" charset="-120"/>
-              <a:ea typeface="微軟正黑體" panose="020B0604030504040204" pitchFamily="34" charset="-120"/>
-            </a:endParaRPr>
-          </a:p>
-          <a:p>
-            <a:pPr marL="457200" lvl="1" indent="0">
-              <a:buNone/>
-            </a:pPr>
-            <a:endParaRPr lang="en-US" altLang="zh-TW" sz="2800" dirty="0">
-              <a:latin typeface="微軟正黑體" panose="020B0604030504040204" pitchFamily="34" charset="-120"/>
-              <a:ea typeface="微軟正黑體" panose="020B0604030504040204" pitchFamily="34" charset="-120"/>
-            </a:endParaRPr>
-          </a:p>
-          <a:p>
-            <a:pPr lvl="1"/>
-            <a:r>
-              <a:rPr lang="zh-TW" altLang="en-US" sz="2800" dirty="0">
-                <a:latin typeface="微軟正黑體" panose="020B0604030504040204" pitchFamily="34" charset="-120"/>
-                <a:ea typeface="微軟正黑體" panose="020B0604030504040204" pitchFamily="34" charset="-120"/>
-              </a:rPr>
-              <a:t>依照顧客序號進行排序</a:t>
-            </a:r>
-            <a:r>
-              <a:rPr lang="en-US" altLang="zh-TW" sz="2800" dirty="0">
-                <a:latin typeface="微軟正黑體" panose="020B0604030504040204" pitchFamily="34" charset="-120"/>
-                <a:ea typeface="微軟正黑體" panose="020B0604030504040204" pitchFamily="34" charset="-120"/>
-              </a:rPr>
-              <a:t>-&gt;</a:t>
-            </a:r>
-            <a:r>
-              <a:rPr lang="zh-TW" altLang="en-US" sz="2800" dirty="0">
-                <a:latin typeface="微軟正黑體" panose="020B0604030504040204" pitchFamily="34" charset="-120"/>
-                <a:ea typeface="微軟正黑體" panose="020B0604030504040204" pitchFamily="34" charset="-120"/>
-              </a:rPr>
-              <a:t>輸出檔案，共 </a:t>
-            </a:r>
-            <a:r>
-              <a:rPr lang="en-US" altLang="zh-TW" sz="2800" dirty="0">
-                <a:latin typeface="微軟正黑體" panose="020B0604030504040204" pitchFamily="34" charset="-120"/>
-                <a:ea typeface="微軟正黑體" panose="020B0604030504040204" pitchFamily="34" charset="-120"/>
-              </a:rPr>
-              <a:t>23 </a:t>
-            </a:r>
-            <a:r>
-              <a:rPr lang="zh-TW" altLang="en-US" sz="2800" dirty="0">
-                <a:latin typeface="微軟正黑體" panose="020B0604030504040204" pitchFamily="34" charset="-120"/>
-                <a:ea typeface="微軟正黑體" panose="020B0604030504040204" pitchFamily="34" charset="-120"/>
-              </a:rPr>
-              <a:t>個檔案</a:t>
-            </a:r>
-            <a:endParaRPr lang="en-US" altLang="zh-TW" sz="2800" dirty="0">
-              <a:latin typeface="微軟正黑體" panose="020B0604030504040204" pitchFamily="34" charset="-120"/>
-              <a:ea typeface="微軟正黑體" panose="020B0604030504040204" pitchFamily="34" charset="-120"/>
-            </a:endParaRPr>
-          </a:p>
-        </p:txBody>
-      </p:sp>
       <p:grpSp>
         <p:nvGrpSpPr>
           <p:cNvPr id="4" name="群組 3">
@@ -28025,12 +27811,911 @@
           </p:txBody>
         </p:sp>
       </p:grpSp>
+      <p:sp>
+        <p:nvSpPr>
+          <p:cNvPr id="21" name="U-Turn Arrow 39">
+            <a:extLst>
+              <a:ext uri="{FF2B5EF4-FFF2-40B4-BE49-F238E27FC236}">
+                <a16:creationId xmlns:a16="http://schemas.microsoft.com/office/drawing/2014/main" id="{5AC113E9-B414-4859-A78C-042681C314DD}"/>
+              </a:ext>
+            </a:extLst>
+          </p:cNvPr>
+          <p:cNvSpPr/>
+          <p:nvPr/>
+        </p:nvSpPr>
+        <p:spPr>
+          <a:xfrm>
+            <a:off x="7538798" y="2470636"/>
+            <a:ext cx="3819600" cy="1882800"/>
+          </a:xfrm>
+          <a:prstGeom prst="uturnArrow">
+            <a:avLst>
+              <a:gd name="adj1" fmla="val 20076"/>
+              <a:gd name="adj2" fmla="val 19764"/>
+              <a:gd name="adj3" fmla="val 23347"/>
+              <a:gd name="adj4" fmla="val 49304"/>
+              <a:gd name="adj5" fmla="val 99251"/>
+            </a:avLst>
+          </a:prstGeom>
+          <a:solidFill>
+            <a:schemeClr val="accent2"/>
+          </a:solidFill>
+          <a:ln>
+            <a:solidFill>
+              <a:schemeClr val="bg1"/>
+            </a:solidFill>
+          </a:ln>
+        </p:spPr>
+        <p:style>
+          <a:lnRef idx="2">
+            <a:schemeClr val="accent1">
+              <a:shade val="50000"/>
+            </a:schemeClr>
+          </a:lnRef>
+          <a:fillRef idx="1">
+            <a:schemeClr val="accent1"/>
+          </a:fillRef>
+          <a:effectRef idx="0">
+            <a:schemeClr val="accent1"/>
+          </a:effectRef>
+          <a:fontRef idx="minor">
+            <a:schemeClr val="lt1"/>
+          </a:fontRef>
+        </p:style>
+        <p:txBody>
+          <a:bodyPr rtlCol="0" anchor="ctr"/>
+          <a:lstStyle/>
+          <a:p>
+            <a:pPr algn="ctr"/>
+            <a:endParaRPr lang="en-US" sz="2400" dirty="0">
+              <a:solidFill>
+                <a:schemeClr val="tx1"/>
+              </a:solidFill>
+              <a:latin typeface="Microsoft JhengHei" panose="020B0604030504040204" pitchFamily="34" charset="-120"/>
+              <a:ea typeface="Microsoft JhengHei" panose="020B0604030504040204" pitchFamily="34" charset="-120"/>
+            </a:endParaRPr>
+          </a:p>
+        </p:txBody>
+      </p:sp>
+      <p:sp>
+        <p:nvSpPr>
+          <p:cNvPr id="22" name="U-Turn Arrow 38">
+            <a:extLst>
+              <a:ext uri="{FF2B5EF4-FFF2-40B4-BE49-F238E27FC236}">
+                <a16:creationId xmlns:a16="http://schemas.microsoft.com/office/drawing/2014/main" id="{E0E50009-BDC9-4D86-8CCA-F940C49A4B2A}"/>
+              </a:ext>
+            </a:extLst>
+          </p:cNvPr>
+          <p:cNvSpPr/>
+          <p:nvPr/>
+        </p:nvSpPr>
+        <p:spPr>
+          <a:xfrm rot="10800000" flipH="1">
+            <a:off x="3944066" y="3990618"/>
+            <a:ext cx="4161247" cy="1882800"/>
+          </a:xfrm>
+          <a:prstGeom prst="uturnArrow">
+            <a:avLst>
+              <a:gd name="adj1" fmla="val 20076"/>
+              <a:gd name="adj2" fmla="val 19764"/>
+              <a:gd name="adj3" fmla="val 23347"/>
+              <a:gd name="adj4" fmla="val 49304"/>
+              <a:gd name="adj5" fmla="val 99251"/>
+            </a:avLst>
+          </a:prstGeom>
+          <a:solidFill>
+            <a:srgbClr val="00B050"/>
+          </a:solidFill>
+          <a:ln>
+            <a:solidFill>
+              <a:schemeClr val="bg1"/>
+            </a:solidFill>
+          </a:ln>
+        </p:spPr>
+        <p:style>
+          <a:lnRef idx="2">
+            <a:schemeClr val="accent1">
+              <a:shade val="50000"/>
+            </a:schemeClr>
+          </a:lnRef>
+          <a:fillRef idx="1">
+            <a:schemeClr val="accent1"/>
+          </a:fillRef>
+          <a:effectRef idx="0">
+            <a:schemeClr val="accent1"/>
+          </a:effectRef>
+          <a:fontRef idx="minor">
+            <a:schemeClr val="lt1"/>
+          </a:fontRef>
+        </p:style>
+        <p:txBody>
+          <a:bodyPr rtlCol="0" anchor="ctr"/>
+          <a:lstStyle/>
+          <a:p>
+            <a:pPr algn="ctr"/>
+            <a:endParaRPr lang="en-US" sz="2400" dirty="0">
+              <a:solidFill>
+                <a:srgbClr val="00B050"/>
+              </a:solidFill>
+              <a:latin typeface="Microsoft JhengHei" panose="020B0604030504040204" pitchFamily="34" charset="-120"/>
+              <a:ea typeface="Microsoft JhengHei" panose="020B0604030504040204" pitchFamily="34" charset="-120"/>
+            </a:endParaRPr>
+          </a:p>
+        </p:txBody>
+      </p:sp>
+      <p:sp>
+        <p:nvSpPr>
+          <p:cNvPr id="23" name="U-Turn Arrow 34">
+            <a:extLst>
+              <a:ext uri="{FF2B5EF4-FFF2-40B4-BE49-F238E27FC236}">
+                <a16:creationId xmlns:a16="http://schemas.microsoft.com/office/drawing/2014/main" id="{83E3343A-5364-4481-9C94-704BDF4E610F}"/>
+              </a:ext>
+            </a:extLst>
+          </p:cNvPr>
+          <p:cNvSpPr/>
+          <p:nvPr/>
+        </p:nvSpPr>
+        <p:spPr>
+          <a:xfrm>
+            <a:off x="670536" y="2471813"/>
+            <a:ext cx="3820985" cy="1884291"/>
+          </a:xfrm>
+          <a:prstGeom prst="uturnArrow">
+            <a:avLst>
+              <a:gd name="adj1" fmla="val 20076"/>
+              <a:gd name="adj2" fmla="val 19764"/>
+              <a:gd name="adj3" fmla="val 23347"/>
+              <a:gd name="adj4" fmla="val 49304"/>
+              <a:gd name="adj5" fmla="val 99251"/>
+            </a:avLst>
+          </a:prstGeom>
+          <a:solidFill>
+            <a:schemeClr val="accent1"/>
+          </a:solidFill>
+          <a:ln>
+            <a:solidFill>
+              <a:schemeClr val="bg1"/>
+            </a:solidFill>
+          </a:ln>
+        </p:spPr>
+        <p:style>
+          <a:lnRef idx="2">
+            <a:schemeClr val="accent1">
+              <a:shade val="50000"/>
+            </a:schemeClr>
+          </a:lnRef>
+          <a:fillRef idx="1">
+            <a:schemeClr val="accent1"/>
+          </a:fillRef>
+          <a:effectRef idx="0">
+            <a:schemeClr val="accent1"/>
+          </a:effectRef>
+          <a:fontRef idx="minor">
+            <a:schemeClr val="lt1"/>
+          </a:fontRef>
+        </p:style>
+        <p:txBody>
+          <a:bodyPr rtlCol="0" anchor="ctr"/>
+          <a:lstStyle/>
+          <a:p>
+            <a:pPr algn="ctr"/>
+            <a:endParaRPr lang="en-US" sz="2400" dirty="0">
+              <a:solidFill>
+                <a:schemeClr val="tx1"/>
+              </a:solidFill>
+              <a:latin typeface="Microsoft JhengHei" panose="020B0604030504040204" pitchFamily="34" charset="-120"/>
+              <a:ea typeface="Microsoft JhengHei" panose="020B0604030504040204" pitchFamily="34" charset="-120"/>
+            </a:endParaRPr>
+          </a:p>
+        </p:txBody>
+      </p:sp>
+      <p:sp>
+        <p:nvSpPr>
+          <p:cNvPr id="24" name="Freeform 41">
+            <a:extLst>
+              <a:ext uri="{FF2B5EF4-FFF2-40B4-BE49-F238E27FC236}">
+                <a16:creationId xmlns:a16="http://schemas.microsoft.com/office/drawing/2014/main" id="{52C8AD87-C8BE-4D61-A89C-2D06C2ED1089}"/>
+              </a:ext>
+            </a:extLst>
+          </p:cNvPr>
+          <p:cNvSpPr/>
+          <p:nvPr/>
+        </p:nvSpPr>
+        <p:spPr>
+          <a:xfrm>
+            <a:off x="1302707" y="2908992"/>
+            <a:ext cx="2360023" cy="1288704"/>
+          </a:xfrm>
+          <a:custGeom>
+            <a:avLst/>
+            <a:gdLst>
+              <a:gd name="connsiteX0" fmla="*/ 0 w 905504"/>
+              <a:gd name="connsiteY0" fmla="*/ 452752 h 905504"/>
+              <a:gd name="connsiteX1" fmla="*/ 132608 w 905504"/>
+              <a:gd name="connsiteY1" fmla="*/ 132608 h 905504"/>
+              <a:gd name="connsiteX2" fmla="*/ 452752 w 905504"/>
+              <a:gd name="connsiteY2" fmla="*/ 0 h 905504"/>
+              <a:gd name="connsiteX3" fmla="*/ 772896 w 905504"/>
+              <a:gd name="connsiteY3" fmla="*/ 132608 h 905504"/>
+              <a:gd name="connsiteX4" fmla="*/ 905504 w 905504"/>
+              <a:gd name="connsiteY4" fmla="*/ 452752 h 905504"/>
+              <a:gd name="connsiteX5" fmla="*/ 772896 w 905504"/>
+              <a:gd name="connsiteY5" fmla="*/ 772896 h 905504"/>
+              <a:gd name="connsiteX6" fmla="*/ 452752 w 905504"/>
+              <a:gd name="connsiteY6" fmla="*/ 905504 h 905504"/>
+              <a:gd name="connsiteX7" fmla="*/ 132608 w 905504"/>
+              <a:gd name="connsiteY7" fmla="*/ 772896 h 905504"/>
+              <a:gd name="connsiteX8" fmla="*/ 0 w 905504"/>
+              <a:gd name="connsiteY8" fmla="*/ 452752 h 905504"/>
+            </a:gdLst>
+            <a:ahLst/>
+            <a:cxnLst>
+              <a:cxn ang="0">
+                <a:pos x="connsiteX0" y="connsiteY0"/>
+              </a:cxn>
+              <a:cxn ang="0">
+                <a:pos x="connsiteX1" y="connsiteY1"/>
+              </a:cxn>
+              <a:cxn ang="0">
+                <a:pos x="connsiteX2" y="connsiteY2"/>
+              </a:cxn>
+              <a:cxn ang="0">
+                <a:pos x="connsiteX3" y="connsiteY3"/>
+              </a:cxn>
+              <a:cxn ang="0">
+                <a:pos x="connsiteX4" y="connsiteY4"/>
+              </a:cxn>
+              <a:cxn ang="0">
+                <a:pos x="connsiteX5" y="connsiteY5"/>
+              </a:cxn>
+              <a:cxn ang="0">
+                <a:pos x="connsiteX6" y="connsiteY6"/>
+              </a:cxn>
+              <a:cxn ang="0">
+                <a:pos x="connsiteX7" y="connsiteY7"/>
+              </a:cxn>
+              <a:cxn ang="0">
+                <a:pos x="connsiteX8" y="connsiteY8"/>
+              </a:cxn>
+            </a:cxnLst>
+            <a:rect l="l" t="t" r="r" b="b"/>
+            <a:pathLst>
+              <a:path w="905504" h="905504">
+                <a:moveTo>
+                  <a:pt x="0" y="452752"/>
+                </a:moveTo>
+                <a:cubicBezTo>
+                  <a:pt x="0" y="332675"/>
+                  <a:pt x="47701" y="217515"/>
+                  <a:pt x="132608" y="132608"/>
+                </a:cubicBezTo>
+                <a:cubicBezTo>
+                  <a:pt x="217516" y="47701"/>
+                  <a:pt x="332675" y="0"/>
+                  <a:pt x="452752" y="0"/>
+                </a:cubicBezTo>
+                <a:cubicBezTo>
+                  <a:pt x="572829" y="0"/>
+                  <a:pt x="687989" y="47701"/>
+                  <a:pt x="772896" y="132608"/>
+                </a:cubicBezTo>
+                <a:cubicBezTo>
+                  <a:pt x="857803" y="217516"/>
+                  <a:pt x="905504" y="332675"/>
+                  <a:pt x="905504" y="452752"/>
+                </a:cubicBezTo>
+                <a:cubicBezTo>
+                  <a:pt x="905504" y="572829"/>
+                  <a:pt x="857803" y="687989"/>
+                  <a:pt x="772896" y="772896"/>
+                </a:cubicBezTo>
+                <a:cubicBezTo>
+                  <a:pt x="687988" y="857803"/>
+                  <a:pt x="572829" y="905504"/>
+                  <a:pt x="452752" y="905504"/>
+                </a:cubicBezTo>
+                <a:cubicBezTo>
+                  <a:pt x="332675" y="905504"/>
+                  <a:pt x="217515" y="857803"/>
+                  <a:pt x="132608" y="772896"/>
+                </a:cubicBezTo>
+                <a:cubicBezTo>
+                  <a:pt x="47701" y="687988"/>
+                  <a:pt x="0" y="572829"/>
+                  <a:pt x="0" y="452752"/>
+                </a:cubicBezTo>
+                <a:close/>
+              </a:path>
+            </a:pathLst>
+          </a:custGeom>
+          <a:noFill/>
+          <a:ln w="19050">
+            <a:solidFill>
+              <a:schemeClr val="accent1"/>
+            </a:solidFill>
+            <a:prstDash val="sysDot"/>
+          </a:ln>
+        </p:spPr>
+        <p:style>
+          <a:lnRef idx="2">
+            <a:schemeClr val="lt1">
+              <a:hueOff val="0"/>
+              <a:satOff val="0"/>
+              <a:lumOff val="0"/>
+              <a:alphaOff val="0"/>
+            </a:schemeClr>
+          </a:lnRef>
+          <a:fillRef idx="1">
+            <a:schemeClr val="accent1">
+              <a:hueOff val="0"/>
+              <a:satOff val="0"/>
+              <a:lumOff val="0"/>
+              <a:alphaOff val="0"/>
+            </a:schemeClr>
+          </a:fillRef>
+          <a:effectRef idx="0">
+            <a:schemeClr val="accent1">
+              <a:hueOff val="0"/>
+              <a:satOff val="0"/>
+              <a:lumOff val="0"/>
+              <a:alphaOff val="0"/>
+            </a:schemeClr>
+          </a:effectRef>
+          <a:fontRef idx="minor">
+            <a:schemeClr val="lt1"/>
+          </a:fontRef>
+        </p:style>
+        <p:txBody>
+          <a:bodyPr spcFirstLastPara="0" vert="horz" wrap="square" lIns="243840" tIns="243840" rIns="210677" bIns="210677" numCol="1" spcCol="1270" anchor="ctr" anchorCtr="0">
+            <a:noAutofit/>
+          </a:bodyPr>
+          <a:lstStyle/>
+          <a:p>
+            <a:pPr algn="ctr" defTabSz="1185304">
+              <a:lnSpc>
+                <a:spcPct val="90000"/>
+              </a:lnSpc>
+              <a:spcBef>
+                <a:spcPct val="0"/>
+              </a:spcBef>
+              <a:spcAft>
+                <a:spcPct val="35000"/>
+              </a:spcAft>
+            </a:pPr>
+            <a:endParaRPr lang="en-US" sz="4800" dirty="0">
+              <a:solidFill>
+                <a:schemeClr val="accent1"/>
+              </a:solidFill>
+              <a:latin typeface="Microsoft JhengHei" panose="020B0604030504040204" pitchFamily="34" charset="-120"/>
+              <a:ea typeface="Microsoft JhengHei" panose="020B0604030504040204" pitchFamily="34" charset="-120"/>
+            </a:endParaRPr>
+          </a:p>
+        </p:txBody>
+      </p:sp>
+      <p:sp>
+        <p:nvSpPr>
+          <p:cNvPr id="25" name="Freeform 45">
+            <a:extLst>
+              <a:ext uri="{FF2B5EF4-FFF2-40B4-BE49-F238E27FC236}">
+                <a16:creationId xmlns:a16="http://schemas.microsoft.com/office/drawing/2014/main" id="{356FEB19-EA70-41E0-93AF-5D30D8229C9C}"/>
+              </a:ext>
+            </a:extLst>
+          </p:cNvPr>
+          <p:cNvSpPr/>
+          <p:nvPr/>
+        </p:nvSpPr>
+        <p:spPr>
+          <a:xfrm>
+            <a:off x="8206760" y="2899000"/>
+            <a:ext cx="2230739" cy="1288704"/>
+          </a:xfrm>
+          <a:custGeom>
+            <a:avLst/>
+            <a:gdLst>
+              <a:gd name="connsiteX0" fmla="*/ 0 w 905504"/>
+              <a:gd name="connsiteY0" fmla="*/ 452752 h 905504"/>
+              <a:gd name="connsiteX1" fmla="*/ 132608 w 905504"/>
+              <a:gd name="connsiteY1" fmla="*/ 132608 h 905504"/>
+              <a:gd name="connsiteX2" fmla="*/ 452752 w 905504"/>
+              <a:gd name="connsiteY2" fmla="*/ 0 h 905504"/>
+              <a:gd name="connsiteX3" fmla="*/ 772896 w 905504"/>
+              <a:gd name="connsiteY3" fmla="*/ 132608 h 905504"/>
+              <a:gd name="connsiteX4" fmla="*/ 905504 w 905504"/>
+              <a:gd name="connsiteY4" fmla="*/ 452752 h 905504"/>
+              <a:gd name="connsiteX5" fmla="*/ 772896 w 905504"/>
+              <a:gd name="connsiteY5" fmla="*/ 772896 h 905504"/>
+              <a:gd name="connsiteX6" fmla="*/ 452752 w 905504"/>
+              <a:gd name="connsiteY6" fmla="*/ 905504 h 905504"/>
+              <a:gd name="connsiteX7" fmla="*/ 132608 w 905504"/>
+              <a:gd name="connsiteY7" fmla="*/ 772896 h 905504"/>
+              <a:gd name="connsiteX8" fmla="*/ 0 w 905504"/>
+              <a:gd name="connsiteY8" fmla="*/ 452752 h 905504"/>
+            </a:gdLst>
+            <a:ahLst/>
+            <a:cxnLst>
+              <a:cxn ang="0">
+                <a:pos x="connsiteX0" y="connsiteY0"/>
+              </a:cxn>
+              <a:cxn ang="0">
+                <a:pos x="connsiteX1" y="connsiteY1"/>
+              </a:cxn>
+              <a:cxn ang="0">
+                <a:pos x="connsiteX2" y="connsiteY2"/>
+              </a:cxn>
+              <a:cxn ang="0">
+                <a:pos x="connsiteX3" y="connsiteY3"/>
+              </a:cxn>
+              <a:cxn ang="0">
+                <a:pos x="connsiteX4" y="connsiteY4"/>
+              </a:cxn>
+              <a:cxn ang="0">
+                <a:pos x="connsiteX5" y="connsiteY5"/>
+              </a:cxn>
+              <a:cxn ang="0">
+                <a:pos x="connsiteX6" y="connsiteY6"/>
+              </a:cxn>
+              <a:cxn ang="0">
+                <a:pos x="connsiteX7" y="connsiteY7"/>
+              </a:cxn>
+              <a:cxn ang="0">
+                <a:pos x="connsiteX8" y="connsiteY8"/>
+              </a:cxn>
+            </a:cxnLst>
+            <a:rect l="l" t="t" r="r" b="b"/>
+            <a:pathLst>
+              <a:path w="905504" h="905504">
+                <a:moveTo>
+                  <a:pt x="0" y="452752"/>
+                </a:moveTo>
+                <a:cubicBezTo>
+                  <a:pt x="0" y="332675"/>
+                  <a:pt x="47701" y="217515"/>
+                  <a:pt x="132608" y="132608"/>
+                </a:cubicBezTo>
+                <a:cubicBezTo>
+                  <a:pt x="217516" y="47701"/>
+                  <a:pt x="332675" y="0"/>
+                  <a:pt x="452752" y="0"/>
+                </a:cubicBezTo>
+                <a:cubicBezTo>
+                  <a:pt x="572829" y="0"/>
+                  <a:pt x="687989" y="47701"/>
+                  <a:pt x="772896" y="132608"/>
+                </a:cubicBezTo>
+                <a:cubicBezTo>
+                  <a:pt x="857803" y="217516"/>
+                  <a:pt x="905504" y="332675"/>
+                  <a:pt x="905504" y="452752"/>
+                </a:cubicBezTo>
+                <a:cubicBezTo>
+                  <a:pt x="905504" y="572829"/>
+                  <a:pt x="857803" y="687989"/>
+                  <a:pt x="772896" y="772896"/>
+                </a:cubicBezTo>
+                <a:cubicBezTo>
+                  <a:pt x="687988" y="857803"/>
+                  <a:pt x="572829" y="905504"/>
+                  <a:pt x="452752" y="905504"/>
+                </a:cubicBezTo>
+                <a:cubicBezTo>
+                  <a:pt x="332675" y="905504"/>
+                  <a:pt x="217515" y="857803"/>
+                  <a:pt x="132608" y="772896"/>
+                </a:cubicBezTo>
+                <a:cubicBezTo>
+                  <a:pt x="47701" y="687988"/>
+                  <a:pt x="0" y="572829"/>
+                  <a:pt x="0" y="452752"/>
+                </a:cubicBezTo>
+                <a:close/>
+              </a:path>
+            </a:pathLst>
+          </a:custGeom>
+          <a:noFill/>
+          <a:ln w="19050">
+            <a:solidFill>
+              <a:schemeClr val="accent2"/>
+            </a:solidFill>
+            <a:prstDash val="sysDot"/>
+          </a:ln>
+        </p:spPr>
+        <p:style>
+          <a:lnRef idx="2">
+            <a:schemeClr val="lt1">
+              <a:hueOff val="0"/>
+              <a:satOff val="0"/>
+              <a:lumOff val="0"/>
+              <a:alphaOff val="0"/>
+            </a:schemeClr>
+          </a:lnRef>
+          <a:fillRef idx="1">
+            <a:schemeClr val="accent1">
+              <a:hueOff val="0"/>
+              <a:satOff val="0"/>
+              <a:lumOff val="0"/>
+              <a:alphaOff val="0"/>
+            </a:schemeClr>
+          </a:fillRef>
+          <a:effectRef idx="0">
+            <a:schemeClr val="accent1">
+              <a:hueOff val="0"/>
+              <a:satOff val="0"/>
+              <a:lumOff val="0"/>
+              <a:alphaOff val="0"/>
+            </a:schemeClr>
+          </a:effectRef>
+          <a:fontRef idx="minor">
+            <a:schemeClr val="lt1"/>
+          </a:fontRef>
+        </p:style>
+        <p:txBody>
+          <a:bodyPr spcFirstLastPara="0" vert="horz" wrap="square" lIns="243840" tIns="243840" rIns="210677" bIns="210677" numCol="1" spcCol="1270" anchor="ctr" anchorCtr="0">
+            <a:noAutofit/>
+          </a:bodyPr>
+          <a:lstStyle/>
+          <a:p>
+            <a:pPr algn="ctr" defTabSz="1185304">
+              <a:lnSpc>
+                <a:spcPct val="90000"/>
+              </a:lnSpc>
+              <a:spcBef>
+                <a:spcPct val="0"/>
+              </a:spcBef>
+              <a:spcAft>
+                <a:spcPct val="35000"/>
+              </a:spcAft>
+            </a:pPr>
+            <a:endParaRPr lang="en-US" sz="4800" dirty="0">
+              <a:solidFill>
+                <a:schemeClr val="accent5"/>
+              </a:solidFill>
+              <a:latin typeface="Microsoft JhengHei" panose="020B0604030504040204" pitchFamily="34" charset="-120"/>
+              <a:ea typeface="Microsoft JhengHei" panose="020B0604030504040204" pitchFamily="34" charset="-120"/>
+            </a:endParaRPr>
+          </a:p>
+        </p:txBody>
+      </p:sp>
+      <p:sp>
+        <p:nvSpPr>
+          <p:cNvPr id="26" name="TextBox 46">
+            <a:extLst>
+              <a:ext uri="{FF2B5EF4-FFF2-40B4-BE49-F238E27FC236}">
+                <a16:creationId xmlns:a16="http://schemas.microsoft.com/office/drawing/2014/main" id="{BBC32183-1616-45E6-97C2-D9301C9010C1}"/>
+              </a:ext>
+            </a:extLst>
+          </p:cNvPr>
+          <p:cNvSpPr txBox="1"/>
+          <p:nvPr/>
+        </p:nvSpPr>
+        <p:spPr>
+          <a:xfrm>
+            <a:off x="805940" y="3375807"/>
+            <a:ext cx="3401136" cy="276999"/>
+          </a:xfrm>
+          <a:prstGeom prst="rect">
+            <a:avLst/>
+          </a:prstGeom>
+          <a:noFill/>
+        </p:spPr>
+        <p:txBody>
+          <a:bodyPr wrap="square" lIns="0" tIns="0" rIns="0" bIns="0" rtlCol="0" anchor="ctr">
+            <a:spAutoFit/>
+          </a:bodyPr>
+          <a:lstStyle/>
+          <a:p>
+            <a:pPr algn="ctr" defTabSz="1219170">
+              <a:spcBef>
+                <a:spcPct val="20000"/>
+              </a:spcBef>
+              <a:defRPr/>
+            </a:pPr>
+            <a:r>
+              <a:rPr lang="en-US" b="1" dirty="0">
+                <a:solidFill>
+                  <a:schemeClr val="accent1"/>
+                </a:solidFill>
+                <a:latin typeface="Microsoft JhengHei" panose="020B0604030504040204" pitchFamily="34" charset="-120"/>
+                <a:ea typeface="Microsoft JhengHei" panose="020B0604030504040204" pitchFamily="34" charset="-120"/>
+              </a:rPr>
+              <a:t>(</a:t>
+            </a:r>
+            <a:r>
+              <a:rPr lang="en-US" b="1" dirty="0" err="1">
+                <a:solidFill>
+                  <a:schemeClr val="accent1"/>
+                </a:solidFill>
+                <a:latin typeface="Microsoft JhengHei" panose="020B0604030504040204" pitchFamily="34" charset="-120"/>
+                <a:ea typeface="Microsoft JhengHei" panose="020B0604030504040204" pitchFamily="34" charset="-120"/>
+              </a:rPr>
+              <a:t>shop_tag</a:t>
+            </a:r>
+            <a:r>
+              <a:rPr lang="en-US" b="1" dirty="0">
+                <a:solidFill>
+                  <a:schemeClr val="accent1"/>
+                </a:solidFill>
+                <a:latin typeface="Microsoft JhengHei" panose="020B0604030504040204" pitchFamily="34" charset="-120"/>
+                <a:ea typeface="Microsoft JhengHei" panose="020B0604030504040204" pitchFamily="34" charset="-120"/>
+              </a:rPr>
+              <a:t>, </a:t>
+            </a:r>
+            <a:r>
+              <a:rPr lang="en-US" b="1" dirty="0" err="1">
+                <a:solidFill>
+                  <a:schemeClr val="accent1"/>
+                </a:solidFill>
+                <a:latin typeface="Microsoft JhengHei" panose="020B0604030504040204" pitchFamily="34" charset="-120"/>
+                <a:ea typeface="Microsoft JhengHei" panose="020B0604030504040204" pitchFamily="34" charset="-120"/>
+              </a:rPr>
+              <a:t>txn_amt</a:t>
+            </a:r>
+            <a:r>
+              <a:rPr lang="en-US" b="1" dirty="0">
+                <a:solidFill>
+                  <a:schemeClr val="accent1"/>
+                </a:solidFill>
+                <a:latin typeface="Microsoft JhengHei" panose="020B0604030504040204" pitchFamily="34" charset="-120"/>
+                <a:ea typeface="Microsoft JhengHei" panose="020B0604030504040204" pitchFamily="34" charset="-120"/>
+              </a:rPr>
+              <a:t>)</a:t>
+            </a:r>
+            <a:endParaRPr lang="en-US" dirty="0">
+              <a:solidFill>
+                <a:schemeClr val="accent1"/>
+              </a:solidFill>
+              <a:latin typeface="Microsoft JhengHei" panose="020B0604030504040204" pitchFamily="34" charset="-120"/>
+              <a:ea typeface="Microsoft JhengHei" panose="020B0604030504040204" pitchFamily="34" charset="-120"/>
+            </a:endParaRPr>
+          </a:p>
+        </p:txBody>
+      </p:sp>
+      <p:sp>
+        <p:nvSpPr>
+          <p:cNvPr id="27" name="TextBox 50">
+            <a:extLst>
+              <a:ext uri="{FF2B5EF4-FFF2-40B4-BE49-F238E27FC236}">
+                <a16:creationId xmlns:a16="http://schemas.microsoft.com/office/drawing/2014/main" id="{907664B3-99B3-47B5-9423-C1E05D3DFBA3}"/>
+              </a:ext>
+            </a:extLst>
+          </p:cNvPr>
+          <p:cNvSpPr txBox="1"/>
+          <p:nvPr/>
+        </p:nvSpPr>
+        <p:spPr>
+          <a:xfrm>
+            <a:off x="8890129" y="4187568"/>
+            <a:ext cx="919739" cy="369332"/>
+          </a:xfrm>
+          <a:prstGeom prst="rect">
+            <a:avLst/>
+          </a:prstGeom>
+          <a:noFill/>
+        </p:spPr>
+        <p:txBody>
+          <a:bodyPr wrap="none" lIns="0" tIns="0" rIns="0" bIns="0" rtlCol="0" anchor="ctr">
+            <a:spAutoFit/>
+          </a:bodyPr>
+          <a:lstStyle/>
+          <a:p>
+            <a:pPr algn="ctr" defTabSz="1219170">
+              <a:spcBef>
+                <a:spcPct val="20000"/>
+              </a:spcBef>
+              <a:defRPr/>
+            </a:pPr>
+            <a:r>
+              <a:rPr lang="en-US" sz="2400" b="1" dirty="0">
+                <a:solidFill>
+                  <a:schemeClr val="accent2"/>
+                </a:solidFill>
+                <a:latin typeface="Microsoft JhengHei" panose="020B0604030504040204" pitchFamily="34" charset="-120"/>
+                <a:ea typeface="Microsoft JhengHei" panose="020B0604030504040204" pitchFamily="34" charset="-120"/>
+              </a:rPr>
+              <a:t>Step 3</a:t>
+            </a:r>
+            <a:endParaRPr lang="en-US" sz="2400" dirty="0">
+              <a:solidFill>
+                <a:schemeClr val="accent2"/>
+              </a:solidFill>
+              <a:latin typeface="Microsoft JhengHei" panose="020B0604030504040204" pitchFamily="34" charset="-120"/>
+              <a:ea typeface="Microsoft JhengHei" panose="020B0604030504040204" pitchFamily="34" charset="-120"/>
+            </a:endParaRPr>
+          </a:p>
+        </p:txBody>
+      </p:sp>
+      <p:sp>
+        <p:nvSpPr>
+          <p:cNvPr id="28" name="TextBox 59">
+            <a:extLst>
+              <a:ext uri="{FF2B5EF4-FFF2-40B4-BE49-F238E27FC236}">
+                <a16:creationId xmlns:a16="http://schemas.microsoft.com/office/drawing/2014/main" id="{524B0C2C-6CAC-4DFD-92B9-EF3FCBD153C4}"/>
+              </a:ext>
+            </a:extLst>
+          </p:cNvPr>
+          <p:cNvSpPr txBox="1"/>
+          <p:nvPr/>
+        </p:nvSpPr>
+        <p:spPr>
+          <a:xfrm>
+            <a:off x="1112286" y="2173589"/>
+            <a:ext cx="2751508" cy="246221"/>
+          </a:xfrm>
+          <a:prstGeom prst="rect">
+            <a:avLst/>
+          </a:prstGeom>
+          <a:noFill/>
+        </p:spPr>
+        <p:txBody>
+          <a:bodyPr wrap="square" lIns="0" tIns="0" rIns="0" bIns="0" rtlCol="0" anchor="ctr">
+            <a:spAutoFit/>
+          </a:bodyPr>
+          <a:lstStyle/>
+          <a:p>
+            <a:pPr algn="ctr"/>
+            <a:r>
+              <a:rPr lang="zh-TW" altLang="en-US" sz="1600" b="1" dirty="0">
+                <a:solidFill>
+                  <a:schemeClr val="accent1"/>
+                </a:solidFill>
+                <a:latin typeface="Microsoft JhengHei" panose="020B0604030504040204" pitchFamily="34" charset="-120"/>
+                <a:ea typeface="Microsoft JhengHei" panose="020B0604030504040204" pitchFamily="34" charset="-120"/>
+              </a:rPr>
+              <a:t>將消費類別與金額一對一對應</a:t>
+            </a:r>
+            <a:endParaRPr lang="en-US" sz="1600" b="1" dirty="0">
+              <a:solidFill>
+                <a:schemeClr val="accent1"/>
+              </a:solidFill>
+              <a:latin typeface="Microsoft JhengHei" panose="020B0604030504040204" pitchFamily="34" charset="-120"/>
+              <a:ea typeface="Microsoft JhengHei" panose="020B0604030504040204" pitchFamily="34" charset="-120"/>
+            </a:endParaRPr>
+          </a:p>
+        </p:txBody>
+      </p:sp>
+      <p:sp>
+        <p:nvSpPr>
+          <p:cNvPr id="29" name="TextBox 61">
+            <a:extLst>
+              <a:ext uri="{FF2B5EF4-FFF2-40B4-BE49-F238E27FC236}">
+                <a16:creationId xmlns:a16="http://schemas.microsoft.com/office/drawing/2014/main" id="{25CEE1CA-9B10-4FB8-91E4-15CEF29E932B}"/>
+              </a:ext>
+            </a:extLst>
+          </p:cNvPr>
+          <p:cNvSpPr txBox="1"/>
+          <p:nvPr/>
+        </p:nvSpPr>
+        <p:spPr>
+          <a:xfrm>
+            <a:off x="7538798" y="2179832"/>
+            <a:ext cx="3469804" cy="246221"/>
+          </a:xfrm>
+          <a:prstGeom prst="rect">
+            <a:avLst/>
+          </a:prstGeom>
+          <a:noFill/>
+        </p:spPr>
+        <p:txBody>
+          <a:bodyPr wrap="square" lIns="0" tIns="0" rIns="0" bIns="0" rtlCol="0" anchor="ctr">
+            <a:spAutoFit/>
+          </a:bodyPr>
+          <a:lstStyle/>
+          <a:p>
+            <a:pPr algn="ctr"/>
+            <a:r>
+              <a:rPr lang="zh-TW" altLang="en-US" sz="1600" b="1" dirty="0">
+                <a:solidFill>
+                  <a:schemeClr val="accent2"/>
+                </a:solidFill>
+                <a:latin typeface="Microsoft JhengHei" panose="020B0604030504040204" pitchFamily="34" charset="-120"/>
+                <a:ea typeface="Microsoft JhengHei" panose="020B0604030504040204" pitchFamily="34" charset="-120"/>
+              </a:rPr>
+              <a:t>依據顧客 </a:t>
+            </a:r>
+            <a:r>
+              <a:rPr lang="en-US" altLang="zh-TW" sz="1600" b="1" dirty="0" err="1">
+                <a:solidFill>
+                  <a:schemeClr val="accent2"/>
+                </a:solidFill>
+                <a:latin typeface="Microsoft JhengHei" panose="020B0604030504040204" pitchFamily="34" charset="-120"/>
+                <a:ea typeface="Microsoft JhengHei" panose="020B0604030504040204" pitchFamily="34" charset="-120"/>
+              </a:rPr>
+              <a:t>chid</a:t>
+            </a:r>
+            <a:r>
+              <a:rPr lang="zh-TW" altLang="en-US" sz="1600" b="1" dirty="0">
+                <a:solidFill>
+                  <a:schemeClr val="accent2"/>
+                </a:solidFill>
+                <a:latin typeface="Microsoft JhengHei" panose="020B0604030504040204" pitchFamily="34" charset="-120"/>
+                <a:ea typeface="Microsoft JhengHei" panose="020B0604030504040204" pitchFamily="34" charset="-120"/>
+              </a:rPr>
+              <a:t> 排序，輸出 </a:t>
+            </a:r>
+            <a:r>
+              <a:rPr lang="en-US" altLang="zh-TW" sz="1600" b="1" dirty="0">
+                <a:solidFill>
+                  <a:schemeClr val="accent2"/>
+                </a:solidFill>
+                <a:latin typeface="Microsoft JhengHei" panose="020B0604030504040204" pitchFamily="34" charset="-120"/>
+                <a:ea typeface="Microsoft JhengHei" panose="020B0604030504040204" pitchFamily="34" charset="-120"/>
+              </a:rPr>
+              <a:t>23</a:t>
+            </a:r>
+            <a:r>
+              <a:rPr lang="zh-TW" altLang="en-US" sz="1600" b="1" dirty="0">
+                <a:solidFill>
+                  <a:schemeClr val="accent2"/>
+                </a:solidFill>
+                <a:latin typeface="Microsoft JhengHei" panose="020B0604030504040204" pitchFamily="34" charset="-120"/>
+                <a:ea typeface="Microsoft JhengHei" panose="020B0604030504040204" pitchFamily="34" charset="-120"/>
+              </a:rPr>
+              <a:t> 個檔案</a:t>
+            </a:r>
+            <a:endParaRPr lang="en-US" sz="1600" b="1" dirty="0">
+              <a:solidFill>
+                <a:schemeClr val="accent2"/>
+              </a:solidFill>
+              <a:latin typeface="Microsoft JhengHei" panose="020B0604030504040204" pitchFamily="34" charset="-120"/>
+              <a:ea typeface="Microsoft JhengHei" panose="020B0604030504040204" pitchFamily="34" charset="-120"/>
+            </a:endParaRPr>
+          </a:p>
+        </p:txBody>
+      </p:sp>
+      <p:sp>
+        <p:nvSpPr>
+          <p:cNvPr id="30" name="TextBox 68">
+            <a:extLst>
+              <a:ext uri="{FF2B5EF4-FFF2-40B4-BE49-F238E27FC236}">
+                <a16:creationId xmlns:a16="http://schemas.microsoft.com/office/drawing/2014/main" id="{B2ADB8FC-3869-4145-998B-ACFD9246BA49}"/>
+              </a:ext>
+            </a:extLst>
+          </p:cNvPr>
+          <p:cNvSpPr txBox="1"/>
+          <p:nvPr/>
+        </p:nvSpPr>
+        <p:spPr>
+          <a:xfrm>
+            <a:off x="3650043" y="5978507"/>
+            <a:ext cx="4745019" cy="246221"/>
+          </a:xfrm>
+          <a:prstGeom prst="rect">
+            <a:avLst/>
+          </a:prstGeom>
+          <a:noFill/>
+        </p:spPr>
+        <p:txBody>
+          <a:bodyPr wrap="square" lIns="0" tIns="0" rIns="0" bIns="0" rtlCol="0" anchor="ctr">
+            <a:spAutoFit/>
+          </a:bodyPr>
+          <a:lstStyle/>
+          <a:p>
+            <a:pPr algn="ctr"/>
+            <a:r>
+              <a:rPr lang="zh-TW" altLang="en-US" sz="1600" b="1" dirty="0">
+                <a:solidFill>
+                  <a:srgbClr val="00B050"/>
+                </a:solidFill>
+                <a:latin typeface="Microsoft JhengHei" panose="020B0604030504040204" pitchFamily="34" charset="-120"/>
+                <a:ea typeface="Microsoft JhengHei" panose="020B0604030504040204" pitchFamily="34" charset="-120"/>
+              </a:rPr>
+              <a:t>獲得金額總和、標準化資料，產生單一月份消費比例</a:t>
+            </a:r>
+            <a:endParaRPr lang="en-US" sz="1600" b="1" dirty="0">
+              <a:solidFill>
+                <a:srgbClr val="00B050"/>
+              </a:solidFill>
+              <a:latin typeface="Microsoft JhengHei" panose="020B0604030504040204" pitchFamily="34" charset="-120"/>
+              <a:ea typeface="Microsoft JhengHei" panose="020B0604030504040204" pitchFamily="34" charset="-120"/>
+            </a:endParaRPr>
+          </a:p>
+        </p:txBody>
+      </p:sp>
       <p:pic>
         <p:nvPicPr>
-          <p:cNvPr id="16" name="圖片 15">
+          <p:cNvPr id="31" name="圖片 30">
             <a:extLst>
               <a:ext uri="{FF2B5EF4-FFF2-40B4-BE49-F238E27FC236}">
-                <a16:creationId xmlns:a16="http://schemas.microsoft.com/office/drawing/2014/main" id="{3D207904-F444-4605-8C89-03300545B682}"/>
+                <a16:creationId xmlns:a16="http://schemas.microsoft.com/office/drawing/2014/main" id="{C1F8CC86-CD1E-4224-B6F0-61E6CBC45044}"/>
               </a:ext>
             </a:extLst>
           </p:cNvPr>
@@ -28047,8 +28732,8 @@
         </p:blipFill>
         <p:spPr>
           <a:xfrm>
-            <a:off x="1478118" y="5136819"/>
-            <a:ext cx="5505450" cy="285750"/>
+            <a:off x="75112" y="1748244"/>
+            <a:ext cx="5246631" cy="272316"/>
           </a:xfrm>
           <a:prstGeom prst="rect">
             <a:avLst/>
@@ -28057,10 +28742,39 @@
       </p:pic>
       <p:pic>
         <p:nvPicPr>
-          <p:cNvPr id="17" name="圖片 16">
+          <p:cNvPr id="32" name="圖片 31">
             <a:extLst>
               <a:ext uri="{FF2B5EF4-FFF2-40B4-BE49-F238E27FC236}">
-                <a16:creationId xmlns:a16="http://schemas.microsoft.com/office/drawing/2014/main" id="{73FC8DF3-A7EC-481E-8AC4-7DF744EBFD2E}"/>
+                <a16:creationId xmlns:a16="http://schemas.microsoft.com/office/drawing/2014/main" id="{C9E2EF19-55CD-443A-B973-0F8BDB9FA7BA}"/>
+              </a:ext>
+            </a:extLst>
+          </p:cNvPr>
+          <p:cNvPicPr>
+            <a:picLocks noChangeAspect="1"/>
+          </p:cNvPicPr>
+          <p:nvPr/>
+        </p:nvPicPr>
+        <p:blipFill rotWithShape="1">
+          <a:blip r:embed="rId3"/>
+          <a:srcRect b="57284"/>
+          <a:stretch/>
+        </p:blipFill>
+        <p:spPr>
+          <a:xfrm>
+            <a:off x="1795462" y="6310213"/>
+            <a:ext cx="8601075" cy="183092"/>
+          </a:xfrm>
+          <a:prstGeom prst="rect">
+            <a:avLst/>
+          </a:prstGeom>
+        </p:spPr>
+      </p:pic>
+      <p:pic>
+        <p:nvPicPr>
+          <p:cNvPr id="33" name="圖片 32">
+            <a:extLst>
+              <a:ext uri="{FF2B5EF4-FFF2-40B4-BE49-F238E27FC236}">
+                <a16:creationId xmlns:a16="http://schemas.microsoft.com/office/drawing/2014/main" id="{88EC2F65-4F4F-44F5-9DF1-206D555C0563}"/>
               </a:ext>
             </a:extLst>
           </p:cNvPr>
@@ -28070,15 +28784,488 @@
           <p:nvPr/>
         </p:nvPicPr>
         <p:blipFill>
-          <a:blip r:embed="rId3"/>
+          <a:blip r:embed="rId4">
+            <a:extLst>
+              <a:ext uri="{28A0092B-C50C-407E-A947-70E740481C1C}">
+                <a14:useLocalDpi xmlns:a14="http://schemas.microsoft.com/office/drawing/2010/main" val="0"/>
+              </a:ext>
+            </a:extLst>
+          </a:blip>
           <a:stretch>
             <a:fillRect/>
           </a:stretch>
         </p:blipFill>
         <p:spPr>
           <a:xfrm>
-            <a:off x="1478118" y="5430779"/>
-            <a:ext cx="8601075" cy="428625"/>
+            <a:off x="8890129" y="3028724"/>
+            <a:ext cx="864000" cy="928532"/>
+          </a:xfrm>
+          <a:prstGeom prst="rect">
+            <a:avLst/>
+          </a:prstGeom>
+        </p:spPr>
+      </p:pic>
+      <p:sp>
+        <p:nvSpPr>
+          <p:cNvPr id="34" name="TextBox 50">
+            <a:extLst>
+              <a:ext uri="{FF2B5EF4-FFF2-40B4-BE49-F238E27FC236}">
+                <a16:creationId xmlns:a16="http://schemas.microsoft.com/office/drawing/2014/main" id="{6E52E7D8-0DAA-4AB6-A854-3F0D40D3482B}"/>
+              </a:ext>
+            </a:extLst>
+          </p:cNvPr>
+          <p:cNvSpPr txBox="1"/>
+          <p:nvPr/>
+        </p:nvSpPr>
+        <p:spPr>
+          <a:xfrm>
+            <a:off x="1998976" y="4225635"/>
+            <a:ext cx="919739" cy="369332"/>
+          </a:xfrm>
+          <a:prstGeom prst="rect">
+            <a:avLst/>
+          </a:prstGeom>
+          <a:noFill/>
+        </p:spPr>
+        <p:txBody>
+          <a:bodyPr wrap="none" lIns="0" tIns="0" rIns="0" bIns="0" rtlCol="0" anchor="ctr">
+            <a:spAutoFit/>
+          </a:bodyPr>
+          <a:lstStyle/>
+          <a:p>
+            <a:pPr algn="ctr" defTabSz="1219170">
+              <a:spcBef>
+                <a:spcPct val="20000"/>
+              </a:spcBef>
+              <a:defRPr/>
+            </a:pPr>
+            <a:r>
+              <a:rPr lang="en-US" sz="2400" b="1" dirty="0">
+                <a:solidFill>
+                  <a:srgbClr val="0070C0"/>
+                </a:solidFill>
+                <a:latin typeface="Microsoft JhengHei" panose="020B0604030504040204" pitchFamily="34" charset="-120"/>
+                <a:ea typeface="Microsoft JhengHei" panose="020B0604030504040204" pitchFamily="34" charset="-120"/>
+              </a:rPr>
+              <a:t>Step 1</a:t>
+            </a:r>
+            <a:endParaRPr lang="en-US" sz="2400" dirty="0">
+              <a:solidFill>
+                <a:srgbClr val="0070C0"/>
+              </a:solidFill>
+              <a:latin typeface="Microsoft JhengHei" panose="020B0604030504040204" pitchFamily="34" charset="-120"/>
+              <a:ea typeface="Microsoft JhengHei" panose="020B0604030504040204" pitchFamily="34" charset="-120"/>
+            </a:endParaRPr>
+          </a:p>
+        </p:txBody>
+      </p:sp>
+      <p:pic>
+        <p:nvPicPr>
+          <p:cNvPr id="35" name="圖片 34">
+            <a:extLst>
+              <a:ext uri="{FF2B5EF4-FFF2-40B4-BE49-F238E27FC236}">
+                <a16:creationId xmlns:a16="http://schemas.microsoft.com/office/drawing/2014/main" id="{400A61C7-9F2A-4779-9AB2-ACE892C26664}"/>
+              </a:ext>
+            </a:extLst>
+          </p:cNvPr>
+          <p:cNvPicPr>
+            <a:picLocks noChangeAspect="1"/>
+          </p:cNvPicPr>
+          <p:nvPr/>
+        </p:nvPicPr>
+        <p:blipFill>
+          <a:blip r:embed="rId5">
+            <a:extLst>
+              <a:ext uri="{28A0092B-C50C-407E-A947-70E740481C1C}">
+                <a14:useLocalDpi xmlns:a14="http://schemas.microsoft.com/office/drawing/2010/main" val="0"/>
+              </a:ext>
+            </a:extLst>
+          </a:blip>
+          <a:stretch>
+            <a:fillRect/>
+          </a:stretch>
+        </p:blipFill>
+        <p:spPr>
+          <a:xfrm>
+            <a:off x="5364006" y="4253407"/>
+            <a:ext cx="1140231" cy="1140231"/>
+          </a:xfrm>
+          <a:prstGeom prst="rect">
+            <a:avLst/>
+          </a:prstGeom>
+        </p:spPr>
+      </p:pic>
+      <p:sp>
+        <p:nvSpPr>
+          <p:cNvPr id="36" name="Freeform 41">
+            <a:extLst>
+              <a:ext uri="{FF2B5EF4-FFF2-40B4-BE49-F238E27FC236}">
+                <a16:creationId xmlns:a16="http://schemas.microsoft.com/office/drawing/2014/main" id="{4A996F14-BB7C-401E-97DB-04E5814BFE27}"/>
+              </a:ext>
+            </a:extLst>
+          </p:cNvPr>
+          <p:cNvSpPr/>
+          <p:nvPr/>
+        </p:nvSpPr>
+        <p:spPr>
+          <a:xfrm>
+            <a:off x="4796728" y="4179171"/>
+            <a:ext cx="2360023" cy="1288704"/>
+          </a:xfrm>
+          <a:custGeom>
+            <a:avLst/>
+            <a:gdLst>
+              <a:gd name="connsiteX0" fmla="*/ 0 w 905504"/>
+              <a:gd name="connsiteY0" fmla="*/ 452752 h 905504"/>
+              <a:gd name="connsiteX1" fmla="*/ 132608 w 905504"/>
+              <a:gd name="connsiteY1" fmla="*/ 132608 h 905504"/>
+              <a:gd name="connsiteX2" fmla="*/ 452752 w 905504"/>
+              <a:gd name="connsiteY2" fmla="*/ 0 h 905504"/>
+              <a:gd name="connsiteX3" fmla="*/ 772896 w 905504"/>
+              <a:gd name="connsiteY3" fmla="*/ 132608 h 905504"/>
+              <a:gd name="connsiteX4" fmla="*/ 905504 w 905504"/>
+              <a:gd name="connsiteY4" fmla="*/ 452752 h 905504"/>
+              <a:gd name="connsiteX5" fmla="*/ 772896 w 905504"/>
+              <a:gd name="connsiteY5" fmla="*/ 772896 h 905504"/>
+              <a:gd name="connsiteX6" fmla="*/ 452752 w 905504"/>
+              <a:gd name="connsiteY6" fmla="*/ 905504 h 905504"/>
+              <a:gd name="connsiteX7" fmla="*/ 132608 w 905504"/>
+              <a:gd name="connsiteY7" fmla="*/ 772896 h 905504"/>
+              <a:gd name="connsiteX8" fmla="*/ 0 w 905504"/>
+              <a:gd name="connsiteY8" fmla="*/ 452752 h 905504"/>
+            </a:gdLst>
+            <a:ahLst/>
+            <a:cxnLst>
+              <a:cxn ang="0">
+                <a:pos x="connsiteX0" y="connsiteY0"/>
+              </a:cxn>
+              <a:cxn ang="0">
+                <a:pos x="connsiteX1" y="connsiteY1"/>
+              </a:cxn>
+              <a:cxn ang="0">
+                <a:pos x="connsiteX2" y="connsiteY2"/>
+              </a:cxn>
+              <a:cxn ang="0">
+                <a:pos x="connsiteX3" y="connsiteY3"/>
+              </a:cxn>
+              <a:cxn ang="0">
+                <a:pos x="connsiteX4" y="connsiteY4"/>
+              </a:cxn>
+              <a:cxn ang="0">
+                <a:pos x="connsiteX5" y="connsiteY5"/>
+              </a:cxn>
+              <a:cxn ang="0">
+                <a:pos x="connsiteX6" y="connsiteY6"/>
+              </a:cxn>
+              <a:cxn ang="0">
+                <a:pos x="connsiteX7" y="connsiteY7"/>
+              </a:cxn>
+              <a:cxn ang="0">
+                <a:pos x="connsiteX8" y="connsiteY8"/>
+              </a:cxn>
+            </a:cxnLst>
+            <a:rect l="l" t="t" r="r" b="b"/>
+            <a:pathLst>
+              <a:path w="905504" h="905504">
+                <a:moveTo>
+                  <a:pt x="0" y="452752"/>
+                </a:moveTo>
+                <a:cubicBezTo>
+                  <a:pt x="0" y="332675"/>
+                  <a:pt x="47701" y="217515"/>
+                  <a:pt x="132608" y="132608"/>
+                </a:cubicBezTo>
+                <a:cubicBezTo>
+                  <a:pt x="217516" y="47701"/>
+                  <a:pt x="332675" y="0"/>
+                  <a:pt x="452752" y="0"/>
+                </a:cubicBezTo>
+                <a:cubicBezTo>
+                  <a:pt x="572829" y="0"/>
+                  <a:pt x="687989" y="47701"/>
+                  <a:pt x="772896" y="132608"/>
+                </a:cubicBezTo>
+                <a:cubicBezTo>
+                  <a:pt x="857803" y="217516"/>
+                  <a:pt x="905504" y="332675"/>
+                  <a:pt x="905504" y="452752"/>
+                </a:cubicBezTo>
+                <a:cubicBezTo>
+                  <a:pt x="905504" y="572829"/>
+                  <a:pt x="857803" y="687989"/>
+                  <a:pt x="772896" y="772896"/>
+                </a:cubicBezTo>
+                <a:cubicBezTo>
+                  <a:pt x="687988" y="857803"/>
+                  <a:pt x="572829" y="905504"/>
+                  <a:pt x="452752" y="905504"/>
+                </a:cubicBezTo>
+                <a:cubicBezTo>
+                  <a:pt x="332675" y="905504"/>
+                  <a:pt x="217515" y="857803"/>
+                  <a:pt x="132608" y="772896"/>
+                </a:cubicBezTo>
+                <a:cubicBezTo>
+                  <a:pt x="47701" y="687988"/>
+                  <a:pt x="0" y="572829"/>
+                  <a:pt x="0" y="452752"/>
+                </a:cubicBezTo>
+                <a:close/>
+              </a:path>
+            </a:pathLst>
+          </a:custGeom>
+          <a:noFill/>
+          <a:ln w="19050">
+            <a:solidFill>
+              <a:srgbClr val="00B050"/>
+            </a:solidFill>
+            <a:prstDash val="sysDot"/>
+          </a:ln>
+        </p:spPr>
+        <p:style>
+          <a:lnRef idx="2">
+            <a:schemeClr val="lt1">
+              <a:hueOff val="0"/>
+              <a:satOff val="0"/>
+              <a:lumOff val="0"/>
+              <a:alphaOff val="0"/>
+            </a:schemeClr>
+          </a:lnRef>
+          <a:fillRef idx="1">
+            <a:schemeClr val="accent1">
+              <a:hueOff val="0"/>
+              <a:satOff val="0"/>
+              <a:lumOff val="0"/>
+              <a:alphaOff val="0"/>
+            </a:schemeClr>
+          </a:fillRef>
+          <a:effectRef idx="0">
+            <a:schemeClr val="accent1">
+              <a:hueOff val="0"/>
+              <a:satOff val="0"/>
+              <a:lumOff val="0"/>
+              <a:alphaOff val="0"/>
+            </a:schemeClr>
+          </a:effectRef>
+          <a:fontRef idx="minor">
+            <a:schemeClr val="lt1"/>
+          </a:fontRef>
+        </p:style>
+        <p:txBody>
+          <a:bodyPr spcFirstLastPara="0" vert="horz" wrap="square" lIns="243840" tIns="243840" rIns="210677" bIns="210677" numCol="1" spcCol="1270" anchor="ctr" anchorCtr="0">
+            <a:noAutofit/>
+          </a:bodyPr>
+          <a:lstStyle/>
+          <a:p>
+            <a:pPr algn="ctr" defTabSz="1185304">
+              <a:lnSpc>
+                <a:spcPct val="90000"/>
+              </a:lnSpc>
+              <a:spcBef>
+                <a:spcPct val="0"/>
+              </a:spcBef>
+              <a:spcAft>
+                <a:spcPct val="35000"/>
+              </a:spcAft>
+            </a:pPr>
+            <a:endParaRPr lang="en-US" sz="4800" dirty="0">
+              <a:solidFill>
+                <a:srgbClr val="00B050"/>
+              </a:solidFill>
+              <a:latin typeface="Microsoft JhengHei" panose="020B0604030504040204" pitchFamily="34" charset="-120"/>
+              <a:ea typeface="Microsoft JhengHei" panose="020B0604030504040204" pitchFamily="34" charset="-120"/>
+            </a:endParaRPr>
+          </a:p>
+        </p:txBody>
+      </p:sp>
+      <p:sp>
+        <p:nvSpPr>
+          <p:cNvPr id="37" name="TextBox 50">
+            <a:extLst>
+              <a:ext uri="{FF2B5EF4-FFF2-40B4-BE49-F238E27FC236}">
+                <a16:creationId xmlns:a16="http://schemas.microsoft.com/office/drawing/2014/main" id="{63356582-46A4-43BA-881E-983A64611ADA}"/>
+              </a:ext>
+            </a:extLst>
+          </p:cNvPr>
+          <p:cNvSpPr txBox="1"/>
+          <p:nvPr/>
+        </p:nvSpPr>
+        <p:spPr>
+          <a:xfrm>
+            <a:off x="5472399" y="3745197"/>
+            <a:ext cx="919739" cy="369332"/>
+          </a:xfrm>
+          <a:prstGeom prst="rect">
+            <a:avLst/>
+          </a:prstGeom>
+          <a:noFill/>
+        </p:spPr>
+        <p:txBody>
+          <a:bodyPr wrap="none" lIns="0" tIns="0" rIns="0" bIns="0" rtlCol="0" anchor="ctr">
+            <a:spAutoFit/>
+          </a:bodyPr>
+          <a:lstStyle/>
+          <a:p>
+            <a:pPr algn="ctr" defTabSz="1219170">
+              <a:spcBef>
+                <a:spcPct val="20000"/>
+              </a:spcBef>
+              <a:defRPr/>
+            </a:pPr>
+            <a:r>
+              <a:rPr lang="en-US" sz="2400" b="1" dirty="0">
+                <a:solidFill>
+                  <a:srgbClr val="00B050"/>
+                </a:solidFill>
+                <a:latin typeface="Microsoft JhengHei" panose="020B0604030504040204" pitchFamily="34" charset="-120"/>
+                <a:ea typeface="Microsoft JhengHei" panose="020B0604030504040204" pitchFamily="34" charset="-120"/>
+              </a:rPr>
+              <a:t>Step 2</a:t>
+            </a:r>
+            <a:endParaRPr lang="en-US" sz="2400" dirty="0">
+              <a:solidFill>
+                <a:srgbClr val="00B050"/>
+              </a:solidFill>
+              <a:latin typeface="Microsoft JhengHei" panose="020B0604030504040204" pitchFamily="34" charset="-120"/>
+              <a:ea typeface="Microsoft JhengHei" panose="020B0604030504040204" pitchFamily="34" charset="-120"/>
+            </a:endParaRPr>
+          </a:p>
+        </p:txBody>
+      </p:sp>
+      <p:sp>
+        <p:nvSpPr>
+          <p:cNvPr id="38" name="矩形 37">
+            <a:extLst>
+              <a:ext uri="{FF2B5EF4-FFF2-40B4-BE49-F238E27FC236}">
+                <a16:creationId xmlns:a16="http://schemas.microsoft.com/office/drawing/2014/main" id="{654FBA32-C45B-4A9A-B961-C88F148355A2}"/>
+              </a:ext>
+            </a:extLst>
+          </p:cNvPr>
+          <p:cNvSpPr/>
+          <p:nvPr/>
+        </p:nvSpPr>
+        <p:spPr>
+          <a:xfrm>
+            <a:off x="4334266" y="2206256"/>
+            <a:ext cx="3137557" cy="1446550"/>
+          </a:xfrm>
+          <a:prstGeom prst="rect">
+            <a:avLst/>
+          </a:prstGeom>
+        </p:spPr>
+        <p:txBody>
+          <a:bodyPr wrap="square">
+            <a:spAutoFit/>
+          </a:bodyPr>
+          <a:lstStyle/>
+          <a:p>
+            <a:pPr algn="ctr"/>
+            <a:r>
+              <a:rPr lang="zh-TW" altLang="en-US" sz="3200" b="1" dirty="0">
+                <a:latin typeface="Microsoft JhengHei" panose="020B0604030504040204" pitchFamily="34" charset="-120"/>
+                <a:ea typeface="Microsoft JhengHei" panose="020B0604030504040204" pitchFamily="34" charset="-120"/>
+              </a:rPr>
+              <a:t>對資料進行整理</a:t>
+            </a:r>
+            <a:endParaRPr lang="en-US" altLang="zh-TW" sz="3200" b="1" dirty="0">
+              <a:latin typeface="Microsoft JhengHei" panose="020B0604030504040204" pitchFamily="34" charset="-120"/>
+              <a:ea typeface="Microsoft JhengHei" panose="020B0604030504040204" pitchFamily="34" charset="-120"/>
+            </a:endParaRPr>
+          </a:p>
+          <a:p>
+            <a:pPr algn="ctr"/>
+            <a:endParaRPr lang="en-US" altLang="zh-TW" sz="2400" b="1" dirty="0">
+              <a:latin typeface="Microsoft JhengHei" panose="020B0604030504040204" pitchFamily="34" charset="-120"/>
+              <a:ea typeface="Microsoft JhengHei" panose="020B0604030504040204" pitchFamily="34" charset="-120"/>
+            </a:endParaRPr>
+          </a:p>
+          <a:p>
+            <a:pPr algn="ctr"/>
+            <a:r>
+              <a:rPr lang="en-US" altLang="zh-TW" sz="1600" b="1" dirty="0">
+                <a:latin typeface="Microsoft JhengHei" panose="020B0604030504040204" pitchFamily="34" charset="-120"/>
+                <a:ea typeface="Microsoft JhengHei" panose="020B0604030504040204" pitchFamily="34" charset="-120"/>
+              </a:rPr>
+              <a:t>(a)</a:t>
+            </a:r>
+            <a:r>
+              <a:rPr lang="zh-TW" altLang="en-US" sz="1600" b="1" dirty="0">
+                <a:latin typeface="Microsoft JhengHei" panose="020B0604030504040204" pitchFamily="34" charset="-120"/>
+                <a:ea typeface="Microsoft JhengHei" panose="020B0604030504040204" pitchFamily="34" charset="-120"/>
+              </a:rPr>
+              <a:t>丟失月份不同消費時間的資訊</a:t>
+            </a:r>
+            <a:r>
+              <a:rPr lang="en-US" altLang="zh-TW" sz="1600" b="1" dirty="0">
+                <a:latin typeface="Microsoft JhengHei" panose="020B0604030504040204" pitchFamily="34" charset="-120"/>
+                <a:ea typeface="Microsoft JhengHei" panose="020B0604030504040204" pitchFamily="34" charset="-120"/>
+              </a:rPr>
+              <a:t>(b)</a:t>
+            </a:r>
+            <a:r>
+              <a:rPr lang="zh-TW" altLang="en-US" sz="1600" b="1" dirty="0">
+                <a:latin typeface="Microsoft JhengHei" panose="020B0604030504040204" pitchFamily="34" charset="-120"/>
+                <a:ea typeface="Microsoft JhengHei" panose="020B0604030504040204" pitchFamily="34" charset="-120"/>
+              </a:rPr>
+              <a:t>資料量大幅減少</a:t>
+            </a:r>
+          </a:p>
+        </p:txBody>
+      </p:sp>
+      <p:pic>
+        <p:nvPicPr>
+          <p:cNvPr id="39" name="圖片 38">
+            <a:extLst>
+              <a:ext uri="{FF2B5EF4-FFF2-40B4-BE49-F238E27FC236}">
+                <a16:creationId xmlns:a16="http://schemas.microsoft.com/office/drawing/2014/main" id="{7FE9B96A-D893-4E0F-B2B9-9DFA895602CF}"/>
+              </a:ext>
+            </a:extLst>
+          </p:cNvPr>
+          <p:cNvPicPr>
+            <a:picLocks noChangeAspect="1"/>
+          </p:cNvPicPr>
+          <p:nvPr/>
+        </p:nvPicPr>
+        <p:blipFill>
+          <a:blip r:embed="rId6"/>
+          <a:stretch>
+            <a:fillRect/>
+          </a:stretch>
+        </p:blipFill>
+        <p:spPr>
+          <a:xfrm>
+            <a:off x="10314370" y="6355005"/>
+            <a:ext cx="202593" cy="183600"/>
+          </a:xfrm>
+          <a:prstGeom prst="rect">
+            <a:avLst/>
+          </a:prstGeom>
+        </p:spPr>
+      </p:pic>
+      <p:pic>
+        <p:nvPicPr>
+          <p:cNvPr id="40" name="圖片 39">
+            <a:extLst>
+              <a:ext uri="{FF2B5EF4-FFF2-40B4-BE49-F238E27FC236}">
+                <a16:creationId xmlns:a16="http://schemas.microsoft.com/office/drawing/2014/main" id="{9DE4AB0B-795F-43C2-BA00-0E29D68440F6}"/>
+              </a:ext>
+            </a:extLst>
+          </p:cNvPr>
+          <p:cNvPicPr>
+            <a:picLocks noChangeAspect="1"/>
+          </p:cNvPicPr>
+          <p:nvPr/>
+        </p:nvPicPr>
+        <p:blipFill>
+          <a:blip r:embed="rId7"/>
+          <a:stretch>
+            <a:fillRect/>
+          </a:stretch>
+        </p:blipFill>
+        <p:spPr>
+          <a:xfrm>
+            <a:off x="1801838" y="6484289"/>
+            <a:ext cx="8518908" cy="61925"/>
           </a:xfrm>
           <a:prstGeom prst="rect">
             <a:avLst/>
@@ -28095,18 +29282,6 @@
   <p:clrMapOvr>
     <a:masterClrMapping/>
   </p:clrMapOvr>
-  <mc:AlternateContent xmlns:mc="http://schemas.openxmlformats.org/markup-compatibility/2006" xmlns:p14="http://schemas.microsoft.com/office/powerpoint/2010/main">
-    <mc:Choice Requires="p14">
-      <p:transition spd="slow" p14:dur="2000">
-        <p:cut/>
-      </p:transition>
-    </mc:Choice>
-    <mc:Fallback xmlns="">
-      <p:transition spd="slow">
-        <p:cut/>
-      </p:transition>
-    </mc:Fallback>
-  </mc:AlternateContent>
 </p:sld>
 </file>
 
@@ -28237,7 +29412,7 @@
         </p:nvSpPr>
         <p:spPr>
           <a:xfrm>
-            <a:off x="838200" y="1969809"/>
+            <a:off x="847843" y="1666722"/>
             <a:ext cx="11049000" cy="4726556"/>
           </a:xfrm>
         </p:spPr>
@@ -28335,7 +29510,7 @@
                 <a:latin typeface="微軟正黑體" panose="020B0604030504040204" pitchFamily="34" charset="-120"/>
                 <a:ea typeface="微軟正黑體" panose="020B0604030504040204" pitchFamily="34" charset="-120"/>
               </a:rPr>
-              <a:t>將所有時間段合併成四個檔案，並依據消費者進行歸類</a:t>
+              <a:t>將所有時間段合併成四個檔案，並依據消費月份進行分類</a:t>
             </a:r>
             <a:endParaRPr lang="en-US" altLang="zh-TW" sz="2400" dirty="0">
               <a:latin typeface="微軟正黑體" panose="020B0604030504040204" pitchFamily="34" charset="-120"/>
@@ -28407,117 +29582,6 @@
               </a:rPr>
               <a:t>)</a:t>
             </a:r>
-          </a:p>
-          <a:p>
-            <a:r>
-              <a:rPr lang="zh-TW" altLang="en-US" sz="2400" dirty="0">
-                <a:latin typeface="微軟正黑體" panose="020B0604030504040204" pitchFamily="34" charset="-120"/>
-                <a:ea typeface="微軟正黑體" panose="020B0604030504040204" pitchFamily="34" charset="-120"/>
-              </a:rPr>
-              <a:t>分成四個檔案</a:t>
-            </a:r>
-            <a:endParaRPr lang="en-US" altLang="zh-TW" sz="2400" dirty="0">
-              <a:latin typeface="微軟正黑體" panose="020B0604030504040204" pitchFamily="34" charset="-120"/>
-              <a:ea typeface="微軟正黑體" panose="020B0604030504040204" pitchFamily="34" charset="-120"/>
-            </a:endParaRPr>
-          </a:p>
-          <a:p>
-            <a:pPr lvl="1"/>
-            <a:r>
-              <a:rPr lang="zh-TW" altLang="en-US" sz="2000" dirty="0">
-                <a:latin typeface="微軟正黑體" panose="020B0604030504040204" pitchFamily="34" charset="-120"/>
-                <a:ea typeface="微軟正黑體" panose="020B0604030504040204" pitchFamily="34" charset="-120"/>
-              </a:rPr>
-              <a:t>只有一個月份有消費資料</a:t>
-            </a:r>
-            <a:endParaRPr lang="en-US" altLang="zh-TW" sz="2000" dirty="0">
-              <a:latin typeface="微軟正黑體" panose="020B0604030504040204" pitchFamily="34" charset="-120"/>
-              <a:ea typeface="微軟正黑體" panose="020B0604030504040204" pitchFamily="34" charset="-120"/>
-            </a:endParaRPr>
-          </a:p>
-          <a:p>
-            <a:pPr lvl="1"/>
-            <a:r>
-              <a:rPr lang="zh-TW" altLang="en-US" sz="2000" dirty="0">
-                <a:latin typeface="微軟正黑體" panose="020B0604030504040204" pitchFamily="34" charset="-120"/>
-                <a:ea typeface="微軟正黑體" panose="020B0604030504040204" pitchFamily="34" charset="-120"/>
-              </a:rPr>
-              <a:t>消費月份總數在 </a:t>
-            </a:r>
-            <a:r>
-              <a:rPr lang="en-US" altLang="zh-TW" sz="2000" dirty="0">
-                <a:latin typeface="微軟正黑體" panose="020B0604030504040204" pitchFamily="34" charset="-120"/>
-                <a:ea typeface="微軟正黑體" panose="020B0604030504040204" pitchFamily="34" charset="-120"/>
-              </a:rPr>
-              <a:t>10 </a:t>
-            </a:r>
-            <a:r>
-              <a:rPr lang="zh-TW" altLang="en-US" sz="2000" dirty="0">
-                <a:latin typeface="微軟正黑體" panose="020B0604030504040204" pitchFamily="34" charset="-120"/>
-                <a:ea typeface="微軟正黑體" panose="020B0604030504040204" pitchFamily="34" charset="-120"/>
-              </a:rPr>
-              <a:t>筆以下</a:t>
-            </a:r>
-            <a:endParaRPr lang="en-US" altLang="zh-TW" sz="2000" dirty="0">
-              <a:latin typeface="微軟正黑體" panose="020B0604030504040204" pitchFamily="34" charset="-120"/>
-              <a:ea typeface="微軟正黑體" panose="020B0604030504040204" pitchFamily="34" charset="-120"/>
-            </a:endParaRPr>
-          </a:p>
-          <a:p>
-            <a:pPr lvl="1"/>
-            <a:r>
-              <a:rPr lang="zh-TW" altLang="en-US" sz="2000" dirty="0">
-                <a:latin typeface="微軟正黑體" panose="020B0604030504040204" pitchFamily="34" charset="-120"/>
-                <a:ea typeface="微軟正黑體" panose="020B0604030504040204" pitchFamily="34" charset="-120"/>
-              </a:rPr>
-              <a:t>消費月份總數在 </a:t>
-            </a:r>
-            <a:r>
-              <a:rPr lang="en-US" altLang="zh-TW" sz="2000" dirty="0">
-                <a:latin typeface="微軟正黑體" panose="020B0604030504040204" pitchFamily="34" charset="-120"/>
-                <a:ea typeface="微軟正黑體" panose="020B0604030504040204" pitchFamily="34" charset="-120"/>
-              </a:rPr>
-              <a:t>11 ~ 22 </a:t>
-            </a:r>
-            <a:r>
-              <a:rPr lang="zh-TW" altLang="en-US" sz="2000" dirty="0">
-                <a:latin typeface="微軟正黑體" panose="020B0604030504040204" pitchFamily="34" charset="-120"/>
-                <a:ea typeface="微軟正黑體" panose="020B0604030504040204" pitchFamily="34" charset="-120"/>
-              </a:rPr>
-              <a:t>筆</a:t>
-            </a:r>
-            <a:endParaRPr lang="en-US" altLang="zh-TW" sz="2000" dirty="0">
-              <a:latin typeface="微軟正黑體" panose="020B0604030504040204" pitchFamily="34" charset="-120"/>
-              <a:ea typeface="微軟正黑體" panose="020B0604030504040204" pitchFamily="34" charset="-120"/>
-            </a:endParaRPr>
-          </a:p>
-          <a:p>
-            <a:pPr lvl="1"/>
-            <a:r>
-              <a:rPr lang="en-US" altLang="zh-TW" sz="2000" dirty="0">
-                <a:latin typeface="微軟正黑體" panose="020B0604030504040204" pitchFamily="34" charset="-120"/>
-                <a:ea typeface="微軟正黑體" panose="020B0604030504040204" pitchFamily="34" charset="-120"/>
-              </a:rPr>
-              <a:t>23 </a:t>
-            </a:r>
-            <a:r>
-              <a:rPr lang="zh-TW" altLang="en-US" sz="2000" dirty="0">
-                <a:latin typeface="微軟正黑體" panose="020B0604030504040204" pitchFamily="34" charset="-120"/>
-                <a:ea typeface="微軟正黑體" panose="020B0604030504040204" pitchFamily="34" charset="-120"/>
-              </a:rPr>
-              <a:t>個月份皆有消費</a:t>
-            </a:r>
-            <a:endParaRPr lang="en-US" altLang="zh-TW" sz="2000" dirty="0">
-              <a:latin typeface="微軟正黑體" panose="020B0604030504040204" pitchFamily="34" charset="-120"/>
-              <a:ea typeface="微軟正黑體" panose="020B0604030504040204" pitchFamily="34" charset="-120"/>
-            </a:endParaRPr>
-          </a:p>
-          <a:p>
-            <a:pPr lvl="1"/>
-            <a:endParaRPr lang="en-US" altLang="zh-TW" sz="2000" dirty="0">
-              <a:latin typeface="微軟正黑體" panose="020B0604030504040204" pitchFamily="34" charset="-120"/>
-              <a:ea typeface="微軟正黑體" panose="020B0604030504040204" pitchFamily="34" charset="-120"/>
-            </a:endParaRPr>
           </a:p>
         </p:txBody>
       </p:sp>
@@ -29128,7 +30192,7 @@
         </p:blipFill>
         <p:spPr>
           <a:xfrm>
-            <a:off x="1657350" y="2996632"/>
+            <a:off x="1657350" y="2765922"/>
             <a:ext cx="8877300" cy="485775"/>
           </a:xfrm>
           <a:prstGeom prst="rect">
@@ -29136,10 +30200,446 @@
           </a:prstGeom>
         </p:spPr>
       </p:pic>
+      <p:sp>
+        <p:nvSpPr>
+          <p:cNvPr id="17" name="文字方塊 16">
+            <a:extLst>
+              <a:ext uri="{FF2B5EF4-FFF2-40B4-BE49-F238E27FC236}">
+                <a16:creationId xmlns:a16="http://schemas.microsoft.com/office/drawing/2014/main" id="{BE80F586-26D5-41A8-B8AF-FA181646492E}"/>
+              </a:ext>
+            </a:extLst>
+          </p:cNvPr>
+          <p:cNvSpPr txBox="1"/>
+          <p:nvPr/>
+        </p:nvSpPr>
+        <p:spPr>
+          <a:xfrm>
+            <a:off x="5353235" y="5260502"/>
+            <a:ext cx="1216241" cy="369332"/>
+          </a:xfrm>
+          <a:prstGeom prst="rect">
+            <a:avLst/>
+          </a:prstGeom>
+          <a:noFill/>
+        </p:spPr>
+        <p:txBody>
+          <a:bodyPr wrap="square" rtlCol="0">
+            <a:spAutoFit/>
+          </a:bodyPr>
+          <a:lstStyle/>
+          <a:p>
+            <a:endParaRPr lang="zh-TW" altLang="en-US" dirty="0"/>
+          </a:p>
+        </p:txBody>
+      </p:sp>
+      <p:graphicFrame>
+        <p:nvGraphicFramePr>
+          <p:cNvPr id="18" name="表格 17">
+            <a:extLst>
+              <a:ext uri="{FF2B5EF4-FFF2-40B4-BE49-F238E27FC236}">
+                <a16:creationId xmlns:a16="http://schemas.microsoft.com/office/drawing/2014/main" id="{5D9883FD-DE94-47C2-8AD8-037E1E677533}"/>
+              </a:ext>
+            </a:extLst>
+          </p:cNvPr>
+          <p:cNvGraphicFramePr>
+            <a:graphicFrameLocks noGrp="1"/>
+          </p:cNvGraphicFramePr>
+          <p:nvPr>
+            <p:extLst>
+              <p:ext uri="{D42A27DB-BD31-4B8C-83A1-F6EECF244321}">
+                <p14:modId xmlns:p14="http://schemas.microsoft.com/office/powerpoint/2010/main" val="3259424998"/>
+              </p:ext>
+            </p:extLst>
+          </p:nvPr>
+        </p:nvGraphicFramePr>
+        <p:xfrm>
+          <a:off x="2032000" y="4759454"/>
+          <a:ext cx="8127999" cy="1854200"/>
+        </p:xfrm>
+        <a:graphic>
+          <a:graphicData uri="http://schemas.openxmlformats.org/drawingml/2006/table">
+            <a:tbl>
+              <a:tblPr firstRow="1" bandRow="1">
+                <a:tableStyleId>{5940675A-B579-460E-94D1-54222C63F5DA}</a:tableStyleId>
+              </a:tblPr>
+              <a:tblGrid>
+                <a:gridCol w="2709333">
+                  <a:extLst>
+                    <a:ext uri="{9D8B030D-6E8A-4147-A177-3AD203B41FA5}">
+                      <a16:colId xmlns:a16="http://schemas.microsoft.com/office/drawing/2014/main" val="3691901064"/>
+                    </a:ext>
+                  </a:extLst>
+                </a:gridCol>
+                <a:gridCol w="2709333">
+                  <a:extLst>
+                    <a:ext uri="{9D8B030D-6E8A-4147-A177-3AD203B41FA5}">
+                      <a16:colId xmlns:a16="http://schemas.microsoft.com/office/drawing/2014/main" val="477985212"/>
+                    </a:ext>
+                  </a:extLst>
+                </a:gridCol>
+                <a:gridCol w="2709333">
+                  <a:extLst>
+                    <a:ext uri="{9D8B030D-6E8A-4147-A177-3AD203B41FA5}">
+                      <a16:colId xmlns:a16="http://schemas.microsoft.com/office/drawing/2014/main" val="3706707165"/>
+                    </a:ext>
+                  </a:extLst>
+                </a:gridCol>
+              </a:tblGrid>
+              <a:tr h="370840">
+                <a:tc>
+                  <a:txBody>
+                    <a:bodyPr/>
+                    <a:lstStyle/>
+                    <a:p>
+                      <a:r>
+                        <a:rPr lang="zh-TW" altLang="en-US" b="1" dirty="0">
+                          <a:latin typeface="Microsoft JhengHei" panose="020B0604030504040204" pitchFamily="34" charset="-120"/>
+                          <a:ea typeface="Microsoft JhengHei" panose="020B0604030504040204" pitchFamily="34" charset="-120"/>
+                        </a:rPr>
+                        <a:t>檔名</a:t>
+                      </a:r>
+                    </a:p>
+                  </a:txBody>
+                  <a:tcPr/>
+                </a:tc>
+                <a:tc>
+                  <a:txBody>
+                    <a:bodyPr/>
+                    <a:lstStyle/>
+                    <a:p>
+                      <a:r>
+                        <a:rPr lang="zh-TW" altLang="en-US" b="1" dirty="0">
+                          <a:latin typeface="Microsoft JhengHei" panose="020B0604030504040204" pitchFamily="34" charset="-120"/>
+                          <a:ea typeface="Microsoft JhengHei" panose="020B0604030504040204" pitchFamily="34" charset="-120"/>
+                        </a:rPr>
+                        <a:t>消費月份總數</a:t>
+                      </a:r>
+                    </a:p>
+                  </a:txBody>
+                  <a:tcPr/>
+                </a:tc>
+                <a:tc>
+                  <a:txBody>
+                    <a:bodyPr/>
+                    <a:lstStyle/>
+                    <a:p>
+                      <a:r>
+                        <a:rPr lang="zh-TW" altLang="en-US" b="1" dirty="0">
+                          <a:latin typeface="Microsoft JhengHei" panose="020B0604030504040204" pitchFamily="34" charset="-120"/>
+                          <a:ea typeface="Microsoft JhengHei" panose="020B0604030504040204" pitchFamily="34" charset="-120"/>
+                        </a:rPr>
+                        <a:t>該情況消費者數量</a:t>
+                      </a:r>
+                    </a:p>
+                  </a:txBody>
+                  <a:tcPr/>
+                </a:tc>
+                <a:extLst>
+                  <a:ext uri="{0D108BD9-81ED-4DB2-BD59-A6C34878D82A}">
+                    <a16:rowId xmlns:a16="http://schemas.microsoft.com/office/drawing/2014/main" val="2998668145"/>
+                  </a:ext>
+                </a:extLst>
+              </a:tr>
+              <a:tr h="370840">
+                <a:tc>
+                  <a:txBody>
+                    <a:bodyPr/>
+                    <a:lstStyle/>
+                    <a:p>
+                      <a:r>
+                        <a:rPr lang="en-US" altLang="zh-TW" b="0" dirty="0">
+                          <a:latin typeface="Microsoft JhengHei" panose="020B0604030504040204" pitchFamily="34" charset="-120"/>
+                          <a:ea typeface="Microsoft JhengHei" panose="020B0604030504040204" pitchFamily="34" charset="-120"/>
+                        </a:rPr>
+                        <a:t>dt_only1.csv</a:t>
+                      </a:r>
+                      <a:endParaRPr lang="zh-TW" altLang="en-US" b="0" dirty="0">
+                        <a:latin typeface="Microsoft JhengHei" panose="020B0604030504040204" pitchFamily="34" charset="-120"/>
+                        <a:ea typeface="Microsoft JhengHei" panose="020B0604030504040204" pitchFamily="34" charset="-120"/>
+                      </a:endParaRPr>
+                    </a:p>
+                  </a:txBody>
+                  <a:tcPr/>
+                </a:tc>
+                <a:tc>
+                  <a:txBody>
+                    <a:bodyPr/>
+                    <a:lstStyle/>
+                    <a:p>
+                      <a:r>
+                        <a:rPr lang="en-US" altLang="zh-TW" b="0" dirty="0">
+                          <a:latin typeface="Microsoft JhengHei" panose="020B0604030504040204" pitchFamily="34" charset="-120"/>
+                          <a:ea typeface="Microsoft JhengHei" panose="020B0604030504040204" pitchFamily="34" charset="-120"/>
+                        </a:rPr>
+                        <a:t>1</a:t>
+                      </a:r>
+                      <a:endParaRPr lang="zh-TW" altLang="en-US" b="0" dirty="0">
+                        <a:latin typeface="Microsoft JhengHei" panose="020B0604030504040204" pitchFamily="34" charset="-120"/>
+                        <a:ea typeface="Microsoft JhengHei" panose="020B0604030504040204" pitchFamily="34" charset="-120"/>
+                      </a:endParaRPr>
+                    </a:p>
+                  </a:txBody>
+                  <a:tcPr/>
+                </a:tc>
+                <a:tc>
+                  <a:txBody>
+                    <a:bodyPr/>
+                    <a:lstStyle/>
+                    <a:p>
+                      <a:r>
+                        <a:rPr lang="en-US" altLang="zh-TW" b="0" dirty="0">
+                          <a:latin typeface="Microsoft JhengHei" panose="020B0604030504040204" pitchFamily="34" charset="-120"/>
+                          <a:ea typeface="Microsoft JhengHei" panose="020B0604030504040204" pitchFamily="34" charset="-120"/>
+                        </a:rPr>
+                        <a:t>9697</a:t>
+                      </a:r>
+                      <a:r>
+                        <a:rPr lang="zh-TW" altLang="en-US" b="0" dirty="0">
+                          <a:latin typeface="Microsoft JhengHei" panose="020B0604030504040204" pitchFamily="34" charset="-120"/>
+                          <a:ea typeface="Microsoft JhengHei" panose="020B0604030504040204" pitchFamily="34" charset="-120"/>
+                        </a:rPr>
+                        <a:t> 人</a:t>
+                      </a:r>
+                    </a:p>
+                  </a:txBody>
+                  <a:tcPr/>
+                </a:tc>
+                <a:extLst>
+                  <a:ext uri="{0D108BD9-81ED-4DB2-BD59-A6C34878D82A}">
+                    <a16:rowId xmlns:a16="http://schemas.microsoft.com/office/drawing/2014/main" val="4085830343"/>
+                  </a:ext>
+                </a:extLst>
+              </a:tr>
+              <a:tr h="370840">
+                <a:tc>
+                  <a:txBody>
+                    <a:bodyPr/>
+                    <a:lstStyle/>
+                    <a:p>
+                      <a:r>
+                        <a:rPr lang="en-US" altLang="zh-TW" b="0" dirty="0">
+                          <a:latin typeface="Microsoft JhengHei" panose="020B0604030504040204" pitchFamily="34" charset="-120"/>
+                          <a:ea typeface="Microsoft JhengHei" panose="020B0604030504040204" pitchFamily="34" charset="-120"/>
+                        </a:rPr>
+                        <a:t>dt_less10.csv</a:t>
+                      </a:r>
+                      <a:endParaRPr lang="zh-TW" altLang="en-US" b="0" dirty="0">
+                        <a:latin typeface="Microsoft JhengHei" panose="020B0604030504040204" pitchFamily="34" charset="-120"/>
+                        <a:ea typeface="Microsoft JhengHei" panose="020B0604030504040204" pitchFamily="34" charset="-120"/>
+                      </a:endParaRPr>
+                    </a:p>
+                  </a:txBody>
+                  <a:tcPr/>
+                </a:tc>
+                <a:tc>
+                  <a:txBody>
+                    <a:bodyPr/>
+                    <a:lstStyle/>
+                    <a:p>
+                      <a:r>
+                        <a:rPr lang="en-US" altLang="zh-TW" b="0" dirty="0">
+                          <a:latin typeface="Microsoft JhengHei" panose="020B0604030504040204" pitchFamily="34" charset="-120"/>
+                          <a:ea typeface="Microsoft JhengHei" panose="020B0604030504040204" pitchFamily="34" charset="-120"/>
+                        </a:rPr>
+                        <a:t>2~9</a:t>
+                      </a:r>
+                      <a:endParaRPr lang="zh-TW" altLang="en-US" b="0" dirty="0">
+                        <a:latin typeface="Microsoft JhengHei" panose="020B0604030504040204" pitchFamily="34" charset="-120"/>
+                        <a:ea typeface="Microsoft JhengHei" panose="020B0604030504040204" pitchFamily="34" charset="-120"/>
+                      </a:endParaRPr>
+                    </a:p>
+                  </a:txBody>
+                  <a:tcPr/>
+                </a:tc>
+                <a:tc>
+                  <a:txBody>
+                    <a:bodyPr/>
+                    <a:lstStyle/>
+                    <a:p>
+                      <a:r>
+                        <a:rPr lang="en-US" altLang="zh-TW" sz="1800" b="0" dirty="0">
+                          <a:latin typeface="微軟正黑體" panose="020B0604030504040204" pitchFamily="34" charset="-120"/>
+                          <a:ea typeface="微軟正黑體" panose="020B0604030504040204" pitchFamily="34" charset="-120"/>
+                        </a:rPr>
+                        <a:t>94720</a:t>
+                      </a:r>
+                      <a:r>
+                        <a:rPr lang="zh-TW" altLang="en-US" sz="1800" b="0" dirty="0">
+                          <a:latin typeface="微軟正黑體" panose="020B0604030504040204" pitchFamily="34" charset="-120"/>
+                          <a:ea typeface="微軟正黑體" panose="020B0604030504040204" pitchFamily="34" charset="-120"/>
+                        </a:rPr>
+                        <a:t> 人</a:t>
+                      </a:r>
+                      <a:endParaRPr lang="zh-TW" altLang="en-US" b="0" dirty="0">
+                        <a:latin typeface="Microsoft JhengHei" panose="020B0604030504040204" pitchFamily="34" charset="-120"/>
+                        <a:ea typeface="Microsoft JhengHei" panose="020B0604030504040204" pitchFamily="34" charset="-120"/>
+                      </a:endParaRPr>
+                    </a:p>
+                  </a:txBody>
+                  <a:tcPr/>
+                </a:tc>
+                <a:extLst>
+                  <a:ext uri="{0D108BD9-81ED-4DB2-BD59-A6C34878D82A}">
+                    <a16:rowId xmlns:a16="http://schemas.microsoft.com/office/drawing/2014/main" val="2781901521"/>
+                  </a:ext>
+                </a:extLst>
+              </a:tr>
+              <a:tr h="370840">
+                <a:tc>
+                  <a:txBody>
+                    <a:bodyPr/>
+                    <a:lstStyle/>
+                    <a:p>
+                      <a:r>
+                        <a:rPr lang="en-US" altLang="zh-TW" b="0" dirty="0">
+                          <a:latin typeface="Microsoft JhengHei" panose="020B0604030504040204" pitchFamily="34" charset="-120"/>
+                          <a:ea typeface="Microsoft JhengHei" panose="020B0604030504040204" pitchFamily="34" charset="-120"/>
+                        </a:rPr>
+                        <a:t>dt_10to22.csv</a:t>
+                      </a:r>
+                      <a:endParaRPr lang="zh-TW" altLang="en-US" b="0" dirty="0">
+                        <a:latin typeface="Microsoft JhengHei" panose="020B0604030504040204" pitchFamily="34" charset="-120"/>
+                        <a:ea typeface="Microsoft JhengHei" panose="020B0604030504040204" pitchFamily="34" charset="-120"/>
+                      </a:endParaRPr>
+                    </a:p>
+                  </a:txBody>
+                  <a:tcPr/>
+                </a:tc>
+                <a:tc>
+                  <a:txBody>
+                    <a:bodyPr/>
+                    <a:lstStyle/>
+                    <a:p>
+                      <a:r>
+                        <a:rPr lang="en-US" altLang="zh-TW" b="0" dirty="0">
+                          <a:latin typeface="Microsoft JhengHei" panose="020B0604030504040204" pitchFamily="34" charset="-120"/>
+                          <a:ea typeface="Microsoft JhengHei" panose="020B0604030504040204" pitchFamily="34" charset="-120"/>
+                        </a:rPr>
+                        <a:t>10~22</a:t>
+                      </a:r>
+                      <a:endParaRPr lang="zh-TW" altLang="en-US" b="0" dirty="0">
+                        <a:latin typeface="Microsoft JhengHei" panose="020B0604030504040204" pitchFamily="34" charset="-120"/>
+                        <a:ea typeface="Microsoft JhengHei" panose="020B0604030504040204" pitchFamily="34" charset="-120"/>
+                      </a:endParaRPr>
+                    </a:p>
+                  </a:txBody>
+                  <a:tcPr/>
+                </a:tc>
+                <a:tc>
+                  <a:txBody>
+                    <a:bodyPr/>
+                    <a:lstStyle/>
+                    <a:p>
+                      <a:r>
+                        <a:rPr lang="en-US" altLang="zh-TW" sz="1800" b="0" dirty="0">
+                          <a:latin typeface="微軟正黑體" panose="020B0604030504040204" pitchFamily="34" charset="-120"/>
+                          <a:ea typeface="微軟正黑體" panose="020B0604030504040204" pitchFamily="34" charset="-120"/>
+                        </a:rPr>
+                        <a:t>274943</a:t>
+                      </a:r>
+                      <a:r>
+                        <a:rPr lang="zh-TW" altLang="en-US" sz="1800" b="0" dirty="0">
+                          <a:latin typeface="微軟正黑體" panose="020B0604030504040204" pitchFamily="34" charset="-120"/>
+                          <a:ea typeface="微軟正黑體" panose="020B0604030504040204" pitchFamily="34" charset="-120"/>
+                        </a:rPr>
+                        <a:t> 人</a:t>
+                      </a:r>
+                      <a:endParaRPr lang="zh-TW" altLang="en-US" b="0" dirty="0">
+                        <a:latin typeface="Microsoft JhengHei" panose="020B0604030504040204" pitchFamily="34" charset="-120"/>
+                        <a:ea typeface="Microsoft JhengHei" panose="020B0604030504040204" pitchFamily="34" charset="-120"/>
+                      </a:endParaRPr>
+                    </a:p>
+                  </a:txBody>
+                  <a:tcPr/>
+                </a:tc>
+                <a:extLst>
+                  <a:ext uri="{0D108BD9-81ED-4DB2-BD59-A6C34878D82A}">
+                    <a16:rowId xmlns:a16="http://schemas.microsoft.com/office/drawing/2014/main" val="1599247616"/>
+                  </a:ext>
+                </a:extLst>
+              </a:tr>
+              <a:tr h="370840">
+                <a:tc>
+                  <a:txBody>
+                    <a:bodyPr/>
+                    <a:lstStyle/>
+                    <a:p>
+                      <a:r>
+                        <a:rPr lang="en-US" altLang="zh-TW" b="0" dirty="0">
+                          <a:latin typeface="Microsoft JhengHei" panose="020B0604030504040204" pitchFamily="34" charset="-120"/>
+                          <a:ea typeface="Microsoft JhengHei" panose="020B0604030504040204" pitchFamily="34" charset="-120"/>
+                        </a:rPr>
+                        <a:t>dt_all.csv</a:t>
+                      </a:r>
+                      <a:endParaRPr lang="zh-TW" altLang="en-US" b="0" dirty="0">
+                        <a:latin typeface="Microsoft JhengHei" panose="020B0604030504040204" pitchFamily="34" charset="-120"/>
+                        <a:ea typeface="Microsoft JhengHei" panose="020B0604030504040204" pitchFamily="34" charset="-120"/>
+                      </a:endParaRPr>
+                    </a:p>
+                  </a:txBody>
+                  <a:tcPr/>
+                </a:tc>
+                <a:tc>
+                  <a:txBody>
+                    <a:bodyPr/>
+                    <a:lstStyle/>
+                    <a:p>
+                      <a:r>
+                        <a:rPr lang="en-US" altLang="zh-TW" b="0" dirty="0">
+                          <a:latin typeface="Microsoft JhengHei" panose="020B0604030504040204" pitchFamily="34" charset="-120"/>
+                          <a:ea typeface="Microsoft JhengHei" panose="020B0604030504040204" pitchFamily="34" charset="-120"/>
+                        </a:rPr>
+                        <a:t>23</a:t>
+                      </a:r>
+                      <a:endParaRPr lang="zh-TW" altLang="en-US" b="0" dirty="0">
+                        <a:latin typeface="Microsoft JhengHei" panose="020B0604030504040204" pitchFamily="34" charset="-120"/>
+                        <a:ea typeface="Microsoft JhengHei" panose="020B0604030504040204" pitchFamily="34" charset="-120"/>
+                      </a:endParaRPr>
+                    </a:p>
+                  </a:txBody>
+                  <a:tcPr/>
+                </a:tc>
+                <a:tc>
+                  <a:txBody>
+                    <a:bodyPr/>
+                    <a:lstStyle/>
+                    <a:p>
+                      <a:r>
+                        <a:rPr lang="en-US" altLang="zh-TW" sz="1800" b="0" dirty="0">
+                          <a:latin typeface="微軟正黑體" panose="020B0604030504040204" pitchFamily="34" charset="-120"/>
+                          <a:ea typeface="微軟正黑體" panose="020B0604030504040204" pitchFamily="34" charset="-120"/>
+                        </a:rPr>
+                        <a:t>113221</a:t>
+                      </a:r>
+                      <a:r>
+                        <a:rPr lang="zh-TW" altLang="en-US" sz="1800" b="0" dirty="0">
+                          <a:latin typeface="微軟正黑體" panose="020B0604030504040204" pitchFamily="34" charset="-120"/>
+                          <a:ea typeface="微軟正黑體" panose="020B0604030504040204" pitchFamily="34" charset="-120"/>
+                        </a:rPr>
+                        <a:t> 人</a:t>
+                      </a:r>
+                      <a:endParaRPr lang="zh-TW" altLang="en-US" b="0" dirty="0">
+                        <a:latin typeface="Microsoft JhengHei" panose="020B0604030504040204" pitchFamily="34" charset="-120"/>
+                        <a:ea typeface="Microsoft JhengHei" panose="020B0604030504040204" pitchFamily="34" charset="-120"/>
+                      </a:endParaRPr>
+                    </a:p>
+                  </a:txBody>
+                  <a:tcPr/>
+                </a:tc>
+                <a:extLst>
+                  <a:ext uri="{0D108BD9-81ED-4DB2-BD59-A6C34878D82A}">
+                    <a16:rowId xmlns:a16="http://schemas.microsoft.com/office/drawing/2014/main" val="403724212"/>
+                  </a:ext>
+                </a:extLst>
+              </a:tr>
+            </a:tbl>
+          </a:graphicData>
+        </a:graphic>
+      </p:graphicFrame>
     </p:spTree>
     <p:extLst>
       <p:ext uri="{BB962C8B-B14F-4D97-AF65-F5344CB8AC3E}">
-        <p14:creationId xmlns:p14="http://schemas.microsoft.com/office/powerpoint/2010/main" val="2039243941"/>
+        <p14:creationId xmlns:p14="http://schemas.microsoft.com/office/powerpoint/2010/main" val="773583513"/>
       </p:ext>
     </p:extLst>
   </p:cSld>
@@ -29270,363 +30770,6 @@
           </a:p>
         </p:txBody>
       </p:sp>
-      <mc:AlternateContent xmlns:mc="http://schemas.openxmlformats.org/markup-compatibility/2006">
-        <mc:Choice xmlns:a14="http://schemas.microsoft.com/office/drawing/2010/main" Requires="a14">
-          <p:sp>
-            <p:nvSpPr>
-              <p:cNvPr id="3" name="內容版面配置區 2">
-                <a:extLst>
-                  <a:ext uri="{FF2B5EF4-FFF2-40B4-BE49-F238E27FC236}">
-                    <a16:creationId xmlns:a16="http://schemas.microsoft.com/office/drawing/2014/main" id="{F1F73060-F620-4245-841F-E20F4793698B}"/>
-                  </a:ext>
-                </a:extLst>
-              </p:cNvPr>
-              <p:cNvSpPr>
-                <a:spLocks noGrp="1"/>
-              </p:cNvSpPr>
-              <p:nvPr>
-                <p:ph idx="1"/>
-              </p:nvPr>
-            </p:nvSpPr>
-            <p:spPr>
-              <a:xfrm>
-                <a:off x="838201" y="1969808"/>
-                <a:ext cx="5365786" cy="4523067"/>
-              </a:xfrm>
-            </p:spPr>
-            <p:txBody>
-              <a:bodyPr>
-                <a:normAutofit/>
-              </a:bodyPr>
-              <a:lstStyle/>
-              <a:p>
-                <a:r>
-                  <a:rPr lang="zh-TW" altLang="en-US" sz="2400" dirty="0">
-                    <a:latin typeface="微軟正黑體" panose="020B0604030504040204" pitchFamily="34" charset="-120"/>
-                    <a:ea typeface="微軟正黑體" panose="020B0604030504040204" pitchFamily="34" charset="-120"/>
-                  </a:rPr>
-                  <a:t>從上一份 </a:t>
-                </a:r>
-                <a:r>
-                  <a:rPr lang="en-US" altLang="zh-TW" sz="2400" dirty="0">
-                    <a:latin typeface="微軟正黑體" panose="020B0604030504040204" pitchFamily="34" charset="-120"/>
-                    <a:ea typeface="微軟正黑體" panose="020B0604030504040204" pitchFamily="34" charset="-120"/>
-                  </a:rPr>
-                  <a:t>code</a:t>
-                </a:r>
-                <a:r>
-                  <a:rPr lang="zh-TW" altLang="en-US" sz="2400" dirty="0">
-                    <a:latin typeface="微軟正黑體" panose="020B0604030504040204" pitchFamily="34" charset="-120"/>
-                    <a:ea typeface="微軟正黑體" panose="020B0604030504040204" pitchFamily="34" charset="-120"/>
-                  </a:rPr>
-                  <a:t>，可以得到</a:t>
-                </a:r>
-                <a:endParaRPr lang="en-US" altLang="zh-TW" sz="2400" dirty="0">
-                  <a:latin typeface="微軟正黑體" panose="020B0604030504040204" pitchFamily="34" charset="-120"/>
-                  <a:ea typeface="微軟正黑體" panose="020B0604030504040204" pitchFamily="34" charset="-120"/>
-                </a:endParaRPr>
-              </a:p>
-              <a:p>
-                <a:pPr lvl="1"/>
-                <a:r>
-                  <a:rPr lang="zh-TW" altLang="en-US" sz="2000" dirty="0">
-                    <a:latin typeface="微軟正黑體" panose="020B0604030504040204" pitchFamily="34" charset="-120"/>
-                    <a:ea typeface="微軟正黑體" panose="020B0604030504040204" pitchFamily="34" charset="-120"/>
-                  </a:rPr>
-                  <a:t>只有一個月份有消費資料</a:t>
-                </a:r>
-                <a14:m>
-                  <m:oMath xmlns:m="http://schemas.openxmlformats.org/officeDocument/2006/math">
-                    <m:r>
-                      <a:rPr lang="en-US" altLang="zh-TW" sz="1600" b="0" i="0" dirty="0" smtClean="0">
-                        <a:latin typeface="Cambria Math" panose="02040503050406030204" pitchFamily="18" charset="0"/>
-                        <a:ea typeface="微軟正黑體" panose="020B0604030504040204" pitchFamily="34" charset="-120"/>
-                      </a:rPr>
-                      <m:t> </m:t>
-                    </m:r>
-                    <m:r>
-                      <a:rPr lang="en-US" altLang="zh-TW" sz="1600" i="1" dirty="0">
-                        <a:latin typeface="Cambria Math" panose="02040503050406030204" pitchFamily="18" charset="0"/>
-                        <a:ea typeface="微軟正黑體" panose="020B0604030504040204" pitchFamily="34" charset="-120"/>
-                      </a:rPr>
-                      <m:t>− </m:t>
-                    </m:r>
-                  </m:oMath>
-                </a14:m>
-                <a:r>
-                  <a:rPr lang="en-US" altLang="zh-TW" sz="1600" dirty="0">
-                    <a:latin typeface="微軟正黑體" panose="020B0604030504040204" pitchFamily="34" charset="-120"/>
-                    <a:ea typeface="微軟正黑體" panose="020B0604030504040204" pitchFamily="34" charset="-120"/>
-                  </a:rPr>
-                  <a:t>dt_only1.csv</a:t>
-                </a:r>
-              </a:p>
-              <a:p>
-                <a:pPr lvl="2"/>
-                <a:r>
-                  <a:rPr lang="en-US" altLang="zh-TW" sz="1100" dirty="0">
-                    <a:latin typeface="微軟正黑體" panose="020B0604030504040204" pitchFamily="34" charset="-120"/>
-                    <a:ea typeface="微軟正黑體" panose="020B0604030504040204" pitchFamily="34" charset="-120"/>
-                  </a:rPr>
-                  <a:t>9697 </a:t>
-                </a:r>
-                <a:r>
-                  <a:rPr lang="zh-TW" altLang="en-US" sz="1100" dirty="0">
-                    <a:latin typeface="微軟正黑體" panose="020B0604030504040204" pitchFamily="34" charset="-120"/>
-                    <a:ea typeface="微軟正黑體" panose="020B0604030504040204" pitchFamily="34" charset="-120"/>
-                  </a:rPr>
-                  <a:t>筆</a:t>
-                </a:r>
-                <a:endParaRPr lang="en-US" altLang="zh-TW" sz="1100" dirty="0">
-                  <a:latin typeface="微軟正黑體" panose="020B0604030504040204" pitchFamily="34" charset="-120"/>
-                  <a:ea typeface="微軟正黑體" panose="020B0604030504040204" pitchFamily="34" charset="-120"/>
-                </a:endParaRPr>
-              </a:p>
-              <a:p>
-                <a:pPr lvl="1"/>
-                <a:r>
-                  <a:rPr lang="zh-TW" altLang="en-US" sz="2000" dirty="0">
-                    <a:latin typeface="微軟正黑體" panose="020B0604030504040204" pitchFamily="34" charset="-120"/>
-                    <a:ea typeface="微軟正黑體" panose="020B0604030504040204" pitchFamily="34" charset="-120"/>
-                  </a:rPr>
-                  <a:t>消費月份總數在 </a:t>
-                </a:r>
-                <a:r>
-                  <a:rPr lang="en-US" altLang="zh-TW" sz="2000" dirty="0">
-                    <a:latin typeface="微軟正黑體" panose="020B0604030504040204" pitchFamily="34" charset="-120"/>
-                    <a:ea typeface="微軟正黑體" panose="020B0604030504040204" pitchFamily="34" charset="-120"/>
-                  </a:rPr>
-                  <a:t>10 </a:t>
-                </a:r>
-                <a:r>
-                  <a:rPr lang="zh-TW" altLang="en-US" sz="2000" dirty="0">
-                    <a:latin typeface="微軟正黑體" panose="020B0604030504040204" pitchFamily="34" charset="-120"/>
-                    <a:ea typeface="微軟正黑體" panose="020B0604030504040204" pitchFamily="34" charset="-120"/>
-                  </a:rPr>
-                  <a:t>筆以下 </a:t>
-                </a:r>
-                <a14:m>
-                  <m:oMath xmlns:m="http://schemas.openxmlformats.org/officeDocument/2006/math">
-                    <m:r>
-                      <a:rPr lang="en-US" altLang="zh-TW" sz="1400" i="1" dirty="0">
-                        <a:latin typeface="Cambria Math" panose="02040503050406030204" pitchFamily="18" charset="0"/>
-                        <a:ea typeface="微軟正黑體" panose="020B0604030504040204" pitchFamily="34" charset="-120"/>
-                      </a:rPr>
-                      <m:t>− </m:t>
-                    </m:r>
-                  </m:oMath>
-                </a14:m>
-                <a:r>
-                  <a:rPr lang="en-US" altLang="zh-TW" sz="1400" dirty="0">
-                    <a:latin typeface="微軟正黑體" panose="020B0604030504040204" pitchFamily="34" charset="-120"/>
-                    <a:ea typeface="微軟正黑體" panose="020B0604030504040204" pitchFamily="34" charset="-120"/>
-                  </a:rPr>
-                  <a:t>dt_less_10.csv</a:t>
-                </a:r>
-                <a:endParaRPr lang="en-US" altLang="zh-TW" sz="1800" dirty="0">
-                  <a:latin typeface="微軟正黑體" panose="020B0604030504040204" pitchFamily="34" charset="-120"/>
-                  <a:ea typeface="微軟正黑體" panose="020B0604030504040204" pitchFamily="34" charset="-120"/>
-                </a:endParaRPr>
-              </a:p>
-              <a:p>
-                <a:pPr lvl="2"/>
-                <a:r>
-                  <a:rPr lang="en-US" altLang="zh-TW" sz="1100" dirty="0">
-                    <a:latin typeface="微軟正黑體" panose="020B0604030504040204" pitchFamily="34" charset="-120"/>
-                    <a:ea typeface="微軟正黑體" panose="020B0604030504040204" pitchFamily="34" charset="-120"/>
-                  </a:rPr>
-                  <a:t>94720 </a:t>
-                </a:r>
-                <a:r>
-                  <a:rPr lang="zh-TW" altLang="en-US" sz="1100" dirty="0">
-                    <a:latin typeface="微軟正黑體" panose="020B0604030504040204" pitchFamily="34" charset="-120"/>
-                    <a:ea typeface="微軟正黑體" panose="020B0604030504040204" pitchFamily="34" charset="-120"/>
-                  </a:rPr>
-                  <a:t>筆</a:t>
-                </a:r>
-                <a:endParaRPr lang="en-US" altLang="zh-TW" sz="1100" dirty="0">
-                  <a:latin typeface="微軟正黑體" panose="020B0604030504040204" pitchFamily="34" charset="-120"/>
-                  <a:ea typeface="微軟正黑體" panose="020B0604030504040204" pitchFamily="34" charset="-120"/>
-                </a:endParaRPr>
-              </a:p>
-              <a:p>
-                <a:pPr lvl="1"/>
-                <a:r>
-                  <a:rPr lang="zh-TW" altLang="en-US" sz="2000" dirty="0">
-                    <a:latin typeface="微軟正黑體" panose="020B0604030504040204" pitchFamily="34" charset="-120"/>
-                    <a:ea typeface="微軟正黑體" panose="020B0604030504040204" pitchFamily="34" charset="-120"/>
-                  </a:rPr>
-                  <a:t>消費月份總數在 </a:t>
-                </a:r>
-                <a:r>
-                  <a:rPr lang="en-US" altLang="zh-TW" sz="2000" dirty="0">
-                    <a:latin typeface="微軟正黑體" panose="020B0604030504040204" pitchFamily="34" charset="-120"/>
-                    <a:ea typeface="微軟正黑體" panose="020B0604030504040204" pitchFamily="34" charset="-120"/>
-                  </a:rPr>
-                  <a:t>11 ~ 22</a:t>
-                </a:r>
-                <a:r>
-                  <a:rPr lang="en-US" altLang="zh-TW" sz="1600" dirty="0">
-                    <a:ea typeface="微軟正黑體" panose="020B0604030504040204" pitchFamily="34" charset="-120"/>
-                  </a:rPr>
-                  <a:t> </a:t>
-                </a:r>
-                <a14:m>
-                  <m:oMath xmlns:m="http://schemas.openxmlformats.org/officeDocument/2006/math">
-                    <m:r>
-                      <a:rPr lang="en-US" altLang="zh-TW" sz="1600" i="1" dirty="0">
-                        <a:latin typeface="Cambria Math" panose="02040503050406030204" pitchFamily="18" charset="0"/>
-                        <a:ea typeface="微軟正黑體" panose="020B0604030504040204" pitchFamily="34" charset="-120"/>
-                      </a:rPr>
-                      <m:t>− </m:t>
-                    </m:r>
-                  </m:oMath>
-                </a14:m>
-                <a:r>
-                  <a:rPr lang="en-US" altLang="zh-TW" sz="1600" dirty="0">
-                    <a:latin typeface="微軟正黑體" panose="020B0604030504040204" pitchFamily="34" charset="-120"/>
-                    <a:ea typeface="微軟正黑體" panose="020B0604030504040204" pitchFamily="34" charset="-120"/>
-                  </a:rPr>
-                  <a:t>dt_10to22.csv</a:t>
-                </a:r>
-              </a:p>
-              <a:p>
-                <a:pPr lvl="2"/>
-                <a:r>
-                  <a:rPr lang="en-US" altLang="zh-TW" sz="1100" dirty="0">
-                    <a:latin typeface="微軟正黑體" panose="020B0604030504040204" pitchFamily="34" charset="-120"/>
-                    <a:ea typeface="微軟正黑體" panose="020B0604030504040204" pitchFamily="34" charset="-120"/>
-                  </a:rPr>
-                  <a:t>274943 </a:t>
-                </a:r>
-                <a:r>
-                  <a:rPr lang="zh-TW" altLang="en-US" sz="1100" dirty="0">
-                    <a:latin typeface="微軟正黑體" panose="020B0604030504040204" pitchFamily="34" charset="-120"/>
-                    <a:ea typeface="微軟正黑體" panose="020B0604030504040204" pitchFamily="34" charset="-120"/>
-                  </a:rPr>
-                  <a:t>筆</a:t>
-                </a:r>
-                <a:endParaRPr lang="en-US" altLang="zh-TW" sz="1100" dirty="0">
-                  <a:latin typeface="微軟正黑體" panose="020B0604030504040204" pitchFamily="34" charset="-120"/>
-                  <a:ea typeface="微軟正黑體" panose="020B0604030504040204" pitchFamily="34" charset="-120"/>
-                </a:endParaRPr>
-              </a:p>
-              <a:p>
-                <a:pPr lvl="1"/>
-                <a:r>
-                  <a:rPr lang="zh-TW" altLang="en-US" sz="2000" dirty="0">
-                    <a:latin typeface="微軟正黑體" panose="020B0604030504040204" pitchFamily="34" charset="-120"/>
-                    <a:ea typeface="微軟正黑體" panose="020B0604030504040204" pitchFamily="34" charset="-120"/>
-                  </a:rPr>
-                  <a:t>所有月份皆有消費 </a:t>
-                </a:r>
-                <a:r>
-                  <a:rPr lang="en-US" altLang="zh-TW" sz="2000" dirty="0">
-                    <a:latin typeface="微軟正黑體" panose="020B0604030504040204" pitchFamily="34" charset="-120"/>
-                    <a:ea typeface="微軟正黑體" panose="020B0604030504040204" pitchFamily="34" charset="-120"/>
-                  </a:rPr>
-                  <a:t>---------- </a:t>
-                </a:r>
-                <a:r>
-                  <a:rPr lang="en-US" altLang="zh-TW" sz="1600" dirty="0">
-                    <a:latin typeface="微軟正黑體" panose="020B0604030504040204" pitchFamily="34" charset="-120"/>
-                    <a:ea typeface="微軟正黑體" panose="020B0604030504040204" pitchFamily="34" charset="-120"/>
-                  </a:rPr>
-                  <a:t>dt_all.csv</a:t>
-                </a:r>
-                <a:endParaRPr lang="en-US" altLang="zh-TW" sz="2000" dirty="0">
-                  <a:latin typeface="微軟正黑體" panose="020B0604030504040204" pitchFamily="34" charset="-120"/>
-                  <a:ea typeface="微軟正黑體" panose="020B0604030504040204" pitchFamily="34" charset="-120"/>
-                </a:endParaRPr>
-              </a:p>
-              <a:p>
-                <a:pPr lvl="2"/>
-                <a:r>
-                  <a:rPr lang="en-US" altLang="zh-TW" sz="1100" dirty="0">
-                    <a:latin typeface="微軟正黑體" panose="020B0604030504040204" pitchFamily="34" charset="-120"/>
-                    <a:ea typeface="微軟正黑體" panose="020B0604030504040204" pitchFamily="34" charset="-120"/>
-                  </a:rPr>
-                  <a:t>113221 </a:t>
-                </a:r>
-                <a:r>
-                  <a:rPr lang="zh-TW" altLang="en-US" sz="1100" dirty="0">
-                    <a:latin typeface="微軟正黑體" panose="020B0604030504040204" pitchFamily="34" charset="-120"/>
-                    <a:ea typeface="微軟正黑體" panose="020B0604030504040204" pitchFamily="34" charset="-120"/>
-                  </a:rPr>
-                  <a:t>筆</a:t>
-                </a:r>
-                <a:r>
-                  <a:rPr lang="en-US" altLang="zh-TW" sz="1100" dirty="0">
-                    <a:latin typeface="微軟正黑體" panose="020B0604030504040204" pitchFamily="34" charset="-120"/>
-                    <a:ea typeface="微軟正黑體" panose="020B0604030504040204" pitchFamily="34" charset="-120"/>
-                  </a:rPr>
-                  <a:t>,</a:t>
-                </a:r>
-                <a:r>
-                  <a:rPr lang="zh-TW" altLang="en-US" sz="1100" dirty="0">
-                    <a:latin typeface="微軟正黑體" panose="020B0604030504040204" pitchFamily="34" charset="-120"/>
-                    <a:ea typeface="微軟正黑體" panose="020B0604030504040204" pitchFamily="34" charset="-120"/>
-                  </a:rPr>
-                  <a:t> </a:t>
-                </a:r>
-                <a:endParaRPr lang="en-US" altLang="zh-TW" sz="1100" dirty="0">
-                  <a:latin typeface="微軟正黑體" panose="020B0604030504040204" pitchFamily="34" charset="-120"/>
-                  <a:ea typeface="微軟正黑體" panose="020B0604030504040204" pitchFamily="34" charset="-120"/>
-                </a:endParaRPr>
-              </a:p>
-              <a:p>
-                <a:endParaRPr lang="en-US" altLang="zh-TW" sz="2400" dirty="0">
-                  <a:latin typeface="微軟正黑體" panose="020B0604030504040204" pitchFamily="34" charset="-120"/>
-                  <a:ea typeface="微軟正黑體" panose="020B0604030504040204" pitchFamily="34" charset="-120"/>
-                </a:endParaRPr>
-              </a:p>
-            </p:txBody>
-          </p:sp>
-        </mc:Choice>
-        <mc:Fallback>
-          <p:sp>
-            <p:nvSpPr>
-              <p:cNvPr id="3" name="內容版面配置區 2">
-                <a:extLst>
-                  <a:ext uri="{FF2B5EF4-FFF2-40B4-BE49-F238E27FC236}">
-                    <a16:creationId xmlns:a16="http://schemas.microsoft.com/office/drawing/2014/main" id="{F1F73060-F620-4245-841F-E20F4793698B}"/>
-                  </a:ext>
-                </a:extLst>
-              </p:cNvPr>
-              <p:cNvSpPr>
-                <a:spLocks noGrp="1" noRot="1" noChangeAspect="1" noMove="1" noResize="1" noEditPoints="1" noAdjustHandles="1" noChangeArrowheads="1" noChangeShapeType="1" noTextEdit="1"/>
-              </p:cNvSpPr>
-              <p:nvPr>
-                <p:ph idx="1"/>
-              </p:nvPr>
-            </p:nvSpPr>
-            <p:spPr>
-              <a:xfrm>
-                <a:off x="838201" y="1969808"/>
-                <a:ext cx="5365786" cy="4523067"/>
-              </a:xfrm>
-              <a:blipFill>
-                <a:blip r:embed="rId2"/>
-                <a:stretch>
-                  <a:fillRect l="-1591" t="-1752"/>
-                </a:stretch>
-              </a:blipFill>
-            </p:spPr>
-            <p:txBody>
-              <a:bodyPr/>
-              <a:lstStyle/>
-              <a:p>
-                <a:r>
-                  <a:rPr lang="zh-TW" altLang="en-US">
-                    <a:noFill/>
-                  </a:rPr>
-                  <a:t> </a:t>
-                </a:r>
-              </a:p>
-            </p:txBody>
-          </p:sp>
-        </mc:Fallback>
-      </mc:AlternateContent>
       <p:grpSp>
         <p:nvGrpSpPr>
           <p:cNvPr id="4" name="群組 3">
@@ -30228,8 +31371,8 @@
         </p:nvSpPr>
         <p:spPr>
           <a:xfrm>
-            <a:off x="5731565" y="1969808"/>
-            <a:ext cx="6326435" cy="4523067"/>
+            <a:off x="838200" y="1697661"/>
+            <a:ext cx="9455505" cy="1980145"/>
           </a:xfrm>
           <a:prstGeom prst="rect">
             <a:avLst/>
@@ -30593,19 +31736,6 @@
               <a:ea typeface="微軟正黑體" panose="020B0604030504040204" pitchFamily="34" charset="-120"/>
             </a:endParaRPr>
           </a:p>
-          <a:p>
-            <a:pPr lvl="1"/>
-            <a:endParaRPr lang="en-US" altLang="zh-TW" sz="2000" dirty="0">
-              <a:latin typeface="微軟正黑體" panose="020B0604030504040204" pitchFamily="34" charset="-120"/>
-              <a:ea typeface="微軟正黑體" panose="020B0604030504040204" pitchFamily="34" charset="-120"/>
-            </a:endParaRPr>
-          </a:p>
-          <a:p>
-            <a:endParaRPr lang="en-US" altLang="zh-TW" sz="2400" dirty="0">
-              <a:latin typeface="微軟正黑體" panose="020B0604030504040204" pitchFamily="34" charset="-120"/>
-              <a:ea typeface="微軟正黑體" panose="020B0604030504040204" pitchFamily="34" charset="-120"/>
-            </a:endParaRPr>
-          </a:p>
         </p:txBody>
       </p:sp>
       <p:graphicFrame>
@@ -30621,15 +31751,11 @@
             <a:graphicFrameLocks noGrp="1"/>
           </p:cNvGraphicFramePr>
           <p:nvPr>
-            <p:extLst>
-              <p:ext uri="{D42A27DB-BD31-4B8C-83A1-F6EECF244321}">
-                <p14:modId xmlns:p14="http://schemas.microsoft.com/office/powerpoint/2010/main" val="3811255517"/>
-              </p:ext>
-            </p:extLst>
+            <p:extLst/>
           </p:nvPr>
         </p:nvGraphicFramePr>
         <p:xfrm>
-          <a:off x="628067" y="4581125"/>
+          <a:off x="907345" y="3717309"/>
           <a:ext cx="10818102" cy="1112520"/>
         </p:xfrm>
         <a:graphic>
@@ -31522,7 +32648,7 @@
                     <a:bodyPr/>
                     <a:lstStyle/>
                     <a:p>
-                      <a:endParaRPr lang="zh-TW" altLang="en-US"/>
+                      <a:endParaRPr lang="zh-TW" altLang="en-US" dirty="0"/>
                     </a:p>
                   </a:txBody>
                   <a:tcPr/>
@@ -31699,10 +32825,10 @@
       </p:graphicFrame>
       <p:sp>
         <p:nvSpPr>
-          <p:cNvPr id="20" name="內容版面配置區 2">
+          <p:cNvPr id="21" name="內容版面配置區 2">
             <a:extLst>
               <a:ext uri="{FF2B5EF4-FFF2-40B4-BE49-F238E27FC236}">
-                <a16:creationId xmlns:a16="http://schemas.microsoft.com/office/drawing/2014/main" id="{49033B4B-FA7F-4EA1-B85A-AA77A8FD70B7}"/>
+                <a16:creationId xmlns:a16="http://schemas.microsoft.com/office/drawing/2014/main" id="{F09B2407-E725-4031-8E0E-2BC11D159228}"/>
               </a:ext>
             </a:extLst>
           </p:cNvPr>
@@ -31713,1205 +32839,8 @@
         </p:nvSpPr>
         <p:spPr>
           <a:xfrm>
-            <a:off x="1438748" y="5789699"/>
-            <a:ext cx="9719782" cy="926407"/>
-          </a:xfrm>
-          <a:prstGeom prst="rect">
-            <a:avLst/>
-          </a:prstGeom>
-        </p:spPr>
-        <p:txBody>
-          <a:bodyPr vert="horz" lIns="91440" tIns="45720" rIns="91440" bIns="45720" rtlCol="0">
-            <a:normAutofit lnSpcReduction="10000"/>
-          </a:bodyPr>
-          <a:lstStyle>
-            <a:lvl1pPr marL="228600" indent="-228600" algn="l" defTabSz="914400" rtl="0" eaLnBrk="1" latinLnBrk="0" hangingPunct="1">
-              <a:lnSpc>
-                <a:spcPct val="90000"/>
-              </a:lnSpc>
-              <a:spcBef>
-                <a:spcPts val="1000"/>
-              </a:spcBef>
-              <a:buFont typeface="Arial" panose="020B0604020202020204" pitchFamily="34" charset="0"/>
-              <a:buChar char="•"/>
-              <a:defRPr sz="2800" kern="1200">
-                <a:solidFill>
-                  <a:schemeClr val="tx1"/>
-                </a:solidFill>
-                <a:latin typeface="+mn-lt"/>
-                <a:ea typeface="+mn-ea"/>
-                <a:cs typeface="+mn-cs"/>
-              </a:defRPr>
-            </a:lvl1pPr>
-            <a:lvl2pPr marL="685800" indent="-228600" algn="l" defTabSz="914400" rtl="0" eaLnBrk="1" latinLnBrk="0" hangingPunct="1">
-              <a:lnSpc>
-                <a:spcPct val="90000"/>
-              </a:lnSpc>
-              <a:spcBef>
-                <a:spcPts val="500"/>
-              </a:spcBef>
-              <a:buFont typeface="Arial" panose="020B0604020202020204" pitchFamily="34" charset="0"/>
-              <a:buChar char="•"/>
-              <a:defRPr sz="2400" kern="1200">
-                <a:solidFill>
-                  <a:schemeClr val="tx1"/>
-                </a:solidFill>
-                <a:latin typeface="+mn-lt"/>
-                <a:ea typeface="+mn-ea"/>
-                <a:cs typeface="+mn-cs"/>
-              </a:defRPr>
-            </a:lvl2pPr>
-            <a:lvl3pPr marL="1143000" indent="-228600" algn="l" defTabSz="914400" rtl="0" eaLnBrk="1" latinLnBrk="0" hangingPunct="1">
-              <a:lnSpc>
-                <a:spcPct val="90000"/>
-              </a:lnSpc>
-              <a:spcBef>
-                <a:spcPts val="500"/>
-              </a:spcBef>
-              <a:buFont typeface="Arial" panose="020B0604020202020204" pitchFamily="34" charset="0"/>
-              <a:buChar char="•"/>
-              <a:defRPr sz="2000" kern="1200">
-                <a:solidFill>
-                  <a:schemeClr val="tx1"/>
-                </a:solidFill>
-                <a:latin typeface="+mn-lt"/>
-                <a:ea typeface="+mn-ea"/>
-                <a:cs typeface="+mn-cs"/>
-              </a:defRPr>
-            </a:lvl3pPr>
-            <a:lvl4pPr marL="1600200" indent="-228600" algn="l" defTabSz="914400" rtl="0" eaLnBrk="1" latinLnBrk="0" hangingPunct="1">
-              <a:lnSpc>
-                <a:spcPct val="90000"/>
-              </a:lnSpc>
-              <a:spcBef>
-                <a:spcPts val="500"/>
-              </a:spcBef>
-              <a:buFont typeface="Arial" panose="020B0604020202020204" pitchFamily="34" charset="0"/>
-              <a:buChar char="•"/>
-              <a:defRPr sz="1800" kern="1200">
-                <a:solidFill>
-                  <a:schemeClr val="tx1"/>
-                </a:solidFill>
-                <a:latin typeface="+mn-lt"/>
-                <a:ea typeface="+mn-ea"/>
-                <a:cs typeface="+mn-cs"/>
-              </a:defRPr>
-            </a:lvl4pPr>
-            <a:lvl5pPr marL="2057400" indent="-228600" algn="l" defTabSz="914400" rtl="0" eaLnBrk="1" latinLnBrk="0" hangingPunct="1">
-              <a:lnSpc>
-                <a:spcPct val="90000"/>
-              </a:lnSpc>
-              <a:spcBef>
-                <a:spcPts val="500"/>
-              </a:spcBef>
-              <a:buFont typeface="Arial" panose="020B0604020202020204" pitchFamily="34" charset="0"/>
-              <a:buChar char="•"/>
-              <a:defRPr sz="1800" kern="1200">
-                <a:solidFill>
-                  <a:schemeClr val="tx1"/>
-                </a:solidFill>
-                <a:latin typeface="+mn-lt"/>
-                <a:ea typeface="+mn-ea"/>
-                <a:cs typeface="+mn-cs"/>
-              </a:defRPr>
-            </a:lvl5pPr>
-            <a:lvl6pPr marL="2514600" indent="-228600" algn="l" defTabSz="914400" rtl="0" eaLnBrk="1" latinLnBrk="0" hangingPunct="1">
-              <a:lnSpc>
-                <a:spcPct val="90000"/>
-              </a:lnSpc>
-              <a:spcBef>
-                <a:spcPts val="500"/>
-              </a:spcBef>
-              <a:buFont typeface="Arial" panose="020B0604020202020204" pitchFamily="34" charset="0"/>
-              <a:buChar char="•"/>
-              <a:defRPr sz="1800" kern="1200">
-                <a:solidFill>
-                  <a:schemeClr val="tx1"/>
-                </a:solidFill>
-                <a:latin typeface="+mn-lt"/>
-                <a:ea typeface="+mn-ea"/>
-                <a:cs typeface="+mn-cs"/>
-              </a:defRPr>
-            </a:lvl6pPr>
-            <a:lvl7pPr marL="2971800" indent="-228600" algn="l" defTabSz="914400" rtl="0" eaLnBrk="1" latinLnBrk="0" hangingPunct="1">
-              <a:lnSpc>
-                <a:spcPct val="90000"/>
-              </a:lnSpc>
-              <a:spcBef>
-                <a:spcPts val="500"/>
-              </a:spcBef>
-              <a:buFont typeface="Arial" panose="020B0604020202020204" pitchFamily="34" charset="0"/>
-              <a:buChar char="•"/>
-              <a:defRPr sz="1800" kern="1200">
-                <a:solidFill>
-                  <a:schemeClr val="tx1"/>
-                </a:solidFill>
-                <a:latin typeface="+mn-lt"/>
-                <a:ea typeface="+mn-ea"/>
-                <a:cs typeface="+mn-cs"/>
-              </a:defRPr>
-            </a:lvl7pPr>
-            <a:lvl8pPr marL="3429000" indent="-228600" algn="l" defTabSz="914400" rtl="0" eaLnBrk="1" latinLnBrk="0" hangingPunct="1">
-              <a:lnSpc>
-                <a:spcPct val="90000"/>
-              </a:lnSpc>
-              <a:spcBef>
-                <a:spcPts val="500"/>
-              </a:spcBef>
-              <a:buFont typeface="Arial" panose="020B0604020202020204" pitchFamily="34" charset="0"/>
-              <a:buChar char="•"/>
-              <a:defRPr sz="1800" kern="1200">
-                <a:solidFill>
-                  <a:schemeClr val="tx1"/>
-                </a:solidFill>
-                <a:latin typeface="+mn-lt"/>
-                <a:ea typeface="+mn-ea"/>
-                <a:cs typeface="+mn-cs"/>
-              </a:defRPr>
-            </a:lvl8pPr>
-            <a:lvl9pPr marL="3886200" indent="-228600" algn="l" defTabSz="914400" rtl="0" eaLnBrk="1" latinLnBrk="0" hangingPunct="1">
-              <a:lnSpc>
-                <a:spcPct val="90000"/>
-              </a:lnSpc>
-              <a:spcBef>
-                <a:spcPts val="500"/>
-              </a:spcBef>
-              <a:buFont typeface="Arial" panose="020B0604020202020204" pitchFamily="34" charset="0"/>
-              <a:buChar char="•"/>
-              <a:defRPr sz="1800" kern="1200">
-                <a:solidFill>
-                  <a:schemeClr val="tx1"/>
-                </a:solidFill>
-                <a:latin typeface="+mn-lt"/>
-                <a:ea typeface="+mn-ea"/>
-                <a:cs typeface="+mn-cs"/>
-              </a:defRPr>
-            </a:lvl9pPr>
-          </a:lstStyle>
-          <a:p>
-            <a:r>
-              <a:rPr lang="zh-TW" altLang="en-US" sz="2400" dirty="0">
-                <a:latin typeface="微軟正黑體" panose="020B0604030504040204" pitchFamily="34" charset="-120"/>
-                <a:ea typeface="微軟正黑體" panose="020B0604030504040204" pitchFamily="34" charset="-120"/>
-              </a:rPr>
-              <a:t>經由此操作，可以得到整齊排在接近預測時間點的資料</a:t>
-            </a:r>
-            <a:endParaRPr lang="en-US" altLang="zh-TW" sz="2400" dirty="0">
-              <a:latin typeface="微軟正黑體" panose="020B0604030504040204" pitchFamily="34" charset="-120"/>
-              <a:ea typeface="微軟正黑體" panose="020B0604030504040204" pitchFamily="34" charset="-120"/>
-            </a:endParaRPr>
-          </a:p>
-          <a:p>
-            <a:pPr lvl="1"/>
-            <a:r>
-              <a:rPr lang="zh-TW" altLang="en-US" sz="1600" dirty="0">
-                <a:latin typeface="微軟正黑體" panose="020B0604030504040204" pitchFamily="34" charset="-120"/>
-                <a:ea typeface="微軟正黑體" panose="020B0604030504040204" pitchFamily="34" charset="-120"/>
-              </a:rPr>
-              <a:t>方便之後的 </a:t>
-            </a:r>
-            <a:r>
-              <a:rPr lang="en-US" altLang="zh-TW" sz="1600" dirty="0">
-                <a:latin typeface="微軟正黑體" panose="020B0604030504040204" pitchFamily="34" charset="-120"/>
-                <a:ea typeface="微軟正黑體" panose="020B0604030504040204" pitchFamily="34" charset="-120"/>
-              </a:rPr>
-              <a:t>LSTM(</a:t>
-            </a:r>
-            <a:r>
-              <a:rPr lang="zh-TW" altLang="en-US" sz="1600" dirty="0">
-                <a:latin typeface="微軟正黑體" panose="020B0604030504040204" pitchFamily="34" charset="-120"/>
-                <a:ea typeface="微軟正黑體" panose="020B0604030504040204" pitchFamily="34" charset="-120"/>
-              </a:rPr>
-              <a:t>資料筆數 </a:t>
-            </a:r>
-            <a:r>
-              <a:rPr lang="en-US" altLang="zh-TW" sz="1600" dirty="0">
-                <a:latin typeface="微軟正黑體" panose="020B0604030504040204" pitchFamily="34" charset="-120"/>
-                <a:ea typeface="微軟正黑體" panose="020B0604030504040204" pitchFamily="34" charset="-120"/>
-              </a:rPr>
-              <a:t>&gt; 10)</a:t>
-            </a:r>
-            <a:r>
-              <a:rPr lang="zh-TW" altLang="en-US" sz="1600" dirty="0">
-                <a:latin typeface="微軟正黑體" panose="020B0604030504040204" pitchFamily="34" charset="-120"/>
-                <a:ea typeface="微軟正黑體" panose="020B0604030504040204" pitchFamily="34" charset="-120"/>
-              </a:rPr>
-              <a:t>與</a:t>
-            </a:r>
-            <a:r>
-              <a:rPr lang="en-US" altLang="zh-TW" sz="1600" dirty="0">
-                <a:latin typeface="微軟正黑體" panose="020B0604030504040204" pitchFamily="34" charset="-120"/>
-                <a:ea typeface="微軟正黑體" panose="020B0604030504040204" pitchFamily="34" charset="-120"/>
-              </a:rPr>
-              <a:t> Gradient Boosting</a:t>
-            </a:r>
-            <a:r>
-              <a:rPr lang="zh-TW" altLang="en-US" sz="1600" dirty="0">
-                <a:latin typeface="微軟正黑體" panose="020B0604030504040204" pitchFamily="34" charset="-120"/>
-                <a:ea typeface="微軟正黑體" panose="020B0604030504040204" pitchFamily="34" charset="-120"/>
-              </a:rPr>
-              <a:t> </a:t>
-            </a:r>
-            <a:r>
-              <a:rPr lang="en-US" altLang="zh-TW" sz="1600" dirty="0">
-                <a:latin typeface="微軟正黑體" panose="020B0604030504040204" pitchFamily="34" charset="-120"/>
-                <a:ea typeface="微軟正黑體" panose="020B0604030504040204" pitchFamily="34" charset="-120"/>
-              </a:rPr>
-              <a:t>Regression (</a:t>
-            </a:r>
-            <a:r>
-              <a:rPr lang="zh-TW" altLang="en-US" sz="1600" dirty="0">
-                <a:latin typeface="微軟正黑體" panose="020B0604030504040204" pitchFamily="34" charset="-120"/>
-                <a:ea typeface="微軟正黑體" panose="020B0604030504040204" pitchFamily="34" charset="-120"/>
-              </a:rPr>
-              <a:t>筆數 </a:t>
-            </a:r>
-            <a:r>
-              <a:rPr lang="en-US" altLang="zh-TW" sz="1600" dirty="0">
-                <a:latin typeface="微軟正黑體" panose="020B0604030504040204" pitchFamily="34" charset="-120"/>
-                <a:ea typeface="微軟正黑體" panose="020B0604030504040204" pitchFamily="34" charset="-120"/>
-              </a:rPr>
-              <a:t>&lt; 10)</a:t>
-            </a:r>
-          </a:p>
-          <a:p>
-            <a:pPr lvl="1"/>
-            <a:r>
-              <a:rPr lang="zh-TW" altLang="en-US" sz="1600" dirty="0">
-                <a:latin typeface="微軟正黑體" panose="020B0604030504040204" pitchFamily="34" charset="-120"/>
-                <a:ea typeface="微軟正黑體" panose="020B0604030504040204" pitchFamily="34" charset="-120"/>
-              </a:rPr>
-              <a:t>共四個檔案 </a:t>
-            </a:r>
-            <a:r>
-              <a:rPr lang="en-US" altLang="zh-TW" sz="1600" dirty="0">
-                <a:latin typeface="微軟正黑體" panose="020B0604030504040204" pitchFamily="34" charset="-120"/>
-                <a:ea typeface="微軟正黑體" panose="020B0604030504040204" pitchFamily="34" charset="-120"/>
-              </a:rPr>
-              <a:t>Training</a:t>
-            </a:r>
-          </a:p>
-          <a:p>
-            <a:endParaRPr lang="en-US" altLang="zh-TW" sz="2400" dirty="0">
-              <a:latin typeface="微軟正黑體" panose="020B0604030504040204" pitchFamily="34" charset="-120"/>
-              <a:ea typeface="微軟正黑體" panose="020B0604030504040204" pitchFamily="34" charset="-120"/>
-            </a:endParaRPr>
-          </a:p>
-        </p:txBody>
-      </p:sp>
-    </p:spTree>
-    <p:extLst>
-      <p:ext uri="{BB962C8B-B14F-4D97-AF65-F5344CB8AC3E}">
-        <p14:creationId xmlns:p14="http://schemas.microsoft.com/office/powerpoint/2010/main" val="1387831816"/>
-      </p:ext>
-    </p:extLst>
-  </p:cSld>
-  <p:clrMapOvr>
-    <a:masterClrMapping/>
-  </p:clrMapOvr>
-  <mc:AlternateContent xmlns:mc="http://schemas.openxmlformats.org/markup-compatibility/2006" xmlns:p14="http://schemas.microsoft.com/office/powerpoint/2010/main">
-    <mc:Choice Requires="p14">
-      <p:transition spd="slow" p14:dur="2000">
-        <p:cut/>
-      </p:transition>
-    </mc:Choice>
-    <mc:Fallback xmlns="">
-      <p:transition spd="slow">
-        <p:cut/>
-      </p:transition>
-    </mc:Fallback>
-  </mc:AlternateContent>
-</p:sld>
-</file>
-
-<file path=ppt/slides/slide9.xml><?xml version="1.0" encoding="utf-8"?>
-<p:sld xmlns:a="http://schemas.openxmlformats.org/drawingml/2006/main" xmlns:r="http://schemas.openxmlformats.org/officeDocument/2006/relationships" xmlns:p="http://schemas.openxmlformats.org/presentationml/2006/main">
-  <p:cSld>
-    <p:spTree>
-      <p:nvGrpSpPr>
-        <p:cNvPr id="1" name=""/>
-        <p:cNvGrpSpPr/>
-        <p:nvPr/>
-      </p:nvGrpSpPr>
-      <p:grpSpPr>
-        <a:xfrm>
-          <a:off x="0" y="0"/>
-          <a:ext cx="0" cy="0"/>
-          <a:chOff x="0" y="0"/>
-          <a:chExt cx="0" cy="0"/>
-        </a:xfrm>
-      </p:grpSpPr>
-      <p:sp>
-        <p:nvSpPr>
-          <p:cNvPr id="2" name="標題 1">
-            <a:extLst>
-              <a:ext uri="{FF2B5EF4-FFF2-40B4-BE49-F238E27FC236}">
-                <a16:creationId xmlns:a16="http://schemas.microsoft.com/office/drawing/2014/main" id="{D9D6BF2F-2073-4459-A735-2FDB6E1FD403}"/>
-              </a:ext>
-            </a:extLst>
-          </p:cNvPr>
-          <p:cNvSpPr>
-            <a:spLocks noGrp="1"/>
-          </p:cNvSpPr>
-          <p:nvPr>
-            <p:ph type="title"/>
-          </p:nvPr>
-        </p:nvSpPr>
-        <p:spPr/>
-        <p:txBody>
-          <a:bodyPr/>
-          <a:lstStyle/>
-          <a:p>
-            <a:r>
-              <a:rPr lang="en-US" altLang="zh-TW" dirty="0">
-                <a:latin typeface="微軟正黑體" panose="020B0604030504040204" pitchFamily="34" charset="-120"/>
-                <a:ea typeface="微軟正黑體" panose="020B0604030504040204" pitchFamily="34" charset="-120"/>
-              </a:rPr>
-              <a:t> </a:t>
-            </a:r>
-            <a:r>
-              <a:rPr lang="zh-TW" altLang="en-US" dirty="0">
-                <a:latin typeface="微軟正黑體" panose="020B0604030504040204" pitchFamily="34" charset="-120"/>
-                <a:ea typeface="微軟正黑體" panose="020B0604030504040204" pitchFamily="34" charset="-120"/>
-              </a:rPr>
-              <a:t>情況處理</a:t>
-            </a:r>
-          </a:p>
-        </p:txBody>
-      </p:sp>
-      <mc:AlternateContent xmlns:mc="http://schemas.openxmlformats.org/markup-compatibility/2006">
-        <mc:Choice xmlns:a14="http://schemas.microsoft.com/office/drawing/2010/main" Requires="a14">
-          <p:sp>
-            <p:nvSpPr>
-              <p:cNvPr id="3" name="內容版面配置區 2">
-                <a:extLst>
-                  <a:ext uri="{FF2B5EF4-FFF2-40B4-BE49-F238E27FC236}">
-                    <a16:creationId xmlns:a16="http://schemas.microsoft.com/office/drawing/2014/main" id="{F1F73060-F620-4245-841F-E20F4793698B}"/>
-                  </a:ext>
-                </a:extLst>
-              </p:cNvPr>
-              <p:cNvSpPr>
-                <a:spLocks noGrp="1"/>
-              </p:cNvSpPr>
-              <p:nvPr>
-                <p:ph idx="1"/>
-              </p:nvPr>
-            </p:nvSpPr>
-            <p:spPr>
-              <a:xfrm>
-                <a:off x="838200" y="1969808"/>
-                <a:ext cx="4717026" cy="4523067"/>
-              </a:xfrm>
-            </p:spPr>
-            <p:txBody>
-              <a:bodyPr>
-                <a:normAutofit/>
-              </a:bodyPr>
-              <a:lstStyle/>
-              <a:p>
-                <a:r>
-                  <a:rPr lang="zh-TW" altLang="en-US" sz="3200" dirty="0">
-                    <a:latin typeface="微軟正黑體" panose="020B0604030504040204" pitchFamily="34" charset="-120"/>
-                    <a:ea typeface="微軟正黑體" panose="020B0604030504040204" pitchFamily="34" charset="-120"/>
-                  </a:rPr>
-                  <a:t>情況 </a:t>
-                </a:r>
-                <a:r>
-                  <a:rPr lang="en-US" altLang="zh-TW" sz="3200" dirty="0">
-                    <a:latin typeface="微軟正黑體" panose="020B0604030504040204" pitchFamily="34" charset="-120"/>
-                    <a:ea typeface="微軟正黑體" panose="020B0604030504040204" pitchFamily="34" charset="-120"/>
-                  </a:rPr>
-                  <a:t>1</a:t>
-                </a:r>
-              </a:p>
-              <a:p>
-                <a:pPr lvl="1"/>
-                <a:r>
-                  <a:rPr lang="zh-TW" altLang="en-US" dirty="0">
-                    <a:latin typeface="微軟正黑體" panose="020B0604030504040204" pitchFamily="34" charset="-120"/>
-                    <a:ea typeface="微軟正黑體" panose="020B0604030504040204" pitchFamily="34" charset="-120"/>
-                  </a:rPr>
-                  <a:t>有消費月份 </a:t>
-                </a:r>
-                <a14:m>
-                  <m:oMath xmlns:m="http://schemas.openxmlformats.org/officeDocument/2006/math">
-                    <m:r>
-                      <a:rPr lang="en-US" altLang="zh-TW" i="1" dirty="0" smtClean="0">
-                        <a:latin typeface="Cambria Math" panose="02040503050406030204" pitchFamily="18" charset="0"/>
-                        <a:ea typeface="Cambria Math" panose="02040503050406030204" pitchFamily="18" charset="0"/>
-                      </a:rPr>
-                      <m:t>≥</m:t>
-                    </m:r>
-                  </m:oMath>
-                </a14:m>
-                <a:r>
-                  <a:rPr lang="en-US" altLang="zh-TW" dirty="0">
-                    <a:latin typeface="微軟正黑體" panose="020B0604030504040204" pitchFamily="34" charset="-120"/>
-                    <a:ea typeface="微軟正黑體" panose="020B0604030504040204" pitchFamily="34" charset="-120"/>
-                  </a:rPr>
-                  <a:t> 10</a:t>
-                </a:r>
-              </a:p>
-              <a:p>
-                <a:pPr lvl="1"/>
-                <a:r>
-                  <a:rPr lang="zh-TW" altLang="en-US" dirty="0">
-                    <a:latin typeface="微軟正黑體" panose="020B0604030504040204" pitchFamily="34" charset="-120"/>
-                    <a:ea typeface="微軟正黑體" panose="020B0604030504040204" pitchFamily="34" charset="-120"/>
-                  </a:rPr>
-                  <a:t>模型</a:t>
-                </a:r>
-                <a:endParaRPr lang="en-US" altLang="zh-TW" dirty="0">
-                  <a:latin typeface="微軟正黑體" panose="020B0604030504040204" pitchFamily="34" charset="-120"/>
-                  <a:ea typeface="微軟正黑體" panose="020B0604030504040204" pitchFamily="34" charset="-120"/>
-                </a:endParaRPr>
-              </a:p>
-              <a:p>
-                <a:pPr lvl="2"/>
-                <a:r>
-                  <a:rPr lang="en-US" altLang="zh-TW" dirty="0">
-                    <a:latin typeface="微軟正黑體" panose="020B0604030504040204" pitchFamily="34" charset="-120"/>
-                    <a:ea typeface="微軟正黑體" panose="020B0604030504040204" pitchFamily="34" charset="-120"/>
-                  </a:rPr>
-                  <a:t>LSTM model</a:t>
-                </a:r>
-              </a:p>
-              <a:p>
-                <a:pPr lvl="2"/>
-                <a:r>
-                  <a:rPr lang="zh-TW" altLang="en-US" dirty="0">
-                    <a:latin typeface="微軟正黑體" panose="020B0604030504040204" pitchFamily="34" charset="-120"/>
-                    <a:ea typeface="微軟正黑體" panose="020B0604030504040204" pitchFamily="34" charset="-120"/>
-                  </a:rPr>
-                  <a:t>線性</a:t>
-                </a:r>
-                <a:r>
-                  <a:rPr lang="en-US" altLang="zh-TW" dirty="0">
-                    <a:latin typeface="微軟正黑體" panose="020B0604030504040204" pitchFamily="34" charset="-120"/>
-                    <a:ea typeface="微軟正黑體" panose="020B0604030504040204" pitchFamily="34" charset="-120"/>
-                  </a:rPr>
-                  <a:t>classifier</a:t>
-                </a:r>
-                <a:r>
-                  <a:rPr lang="zh-TW" altLang="en-US" dirty="0">
-                    <a:latin typeface="微軟正黑體" panose="020B0604030504040204" pitchFamily="34" charset="-120"/>
-                    <a:ea typeface="微軟正黑體" panose="020B0604030504040204" pitchFamily="34" charset="-120"/>
-                  </a:rPr>
-                  <a:t>輸出 </a:t>
-                </a:r>
-                <a:r>
-                  <a:rPr lang="en-US" altLang="zh-TW" dirty="0">
-                    <a:latin typeface="微軟正黑體" panose="020B0604030504040204" pitchFamily="34" charset="-120"/>
-                    <a:ea typeface="微軟正黑體" panose="020B0604030504040204" pitchFamily="34" charset="-120"/>
-                  </a:rPr>
-                  <a:t>16 </a:t>
-                </a:r>
-                <a:r>
-                  <a:rPr lang="zh-TW" altLang="en-US" dirty="0">
-                    <a:latin typeface="微軟正黑體" panose="020B0604030504040204" pitchFamily="34" charset="-120"/>
-                    <a:ea typeface="微軟正黑體" panose="020B0604030504040204" pitchFamily="34" charset="-120"/>
-                  </a:rPr>
-                  <a:t>維向量</a:t>
-                </a:r>
-                <a:endParaRPr lang="en-US" altLang="zh-TW" dirty="0">
-                  <a:latin typeface="微軟正黑體" panose="020B0604030504040204" pitchFamily="34" charset="-120"/>
-                  <a:ea typeface="微軟正黑體" panose="020B0604030504040204" pitchFamily="34" charset="-120"/>
-                </a:endParaRPr>
-              </a:p>
-              <a:p>
-                <a:pPr lvl="3"/>
-                <a:r>
-                  <a:rPr lang="zh-TW" altLang="en-US" dirty="0">
-                    <a:latin typeface="微軟正黑體" panose="020B0604030504040204" pitchFamily="34" charset="-120"/>
-                    <a:ea typeface="微軟正黑體" panose="020B0604030504040204" pitchFamily="34" charset="-120"/>
-                  </a:rPr>
-                  <a:t>取前三高</a:t>
-                </a:r>
-                <a:endParaRPr lang="en-US" altLang="zh-TW" dirty="0">
-                  <a:latin typeface="微軟正黑體" panose="020B0604030504040204" pitchFamily="34" charset="-120"/>
-                  <a:ea typeface="微軟正黑體" panose="020B0604030504040204" pitchFamily="34" charset="-120"/>
-                </a:endParaRPr>
-              </a:p>
-              <a:p>
-                <a:pPr lvl="1"/>
-                <a:r>
-                  <a:rPr lang="zh-TW" altLang="en-US" dirty="0">
-                    <a:latin typeface="微軟正黑體" panose="020B0604030504040204" pitchFamily="34" charset="-120"/>
-                    <a:ea typeface="微軟正黑體" panose="020B0604030504040204" pitchFamily="34" charset="-120"/>
-                  </a:rPr>
-                  <a:t>訓練資料集</a:t>
-                </a:r>
-                <a:endParaRPr lang="en-US" altLang="zh-TW" dirty="0">
-                  <a:latin typeface="微軟正黑體" panose="020B0604030504040204" pitchFamily="34" charset="-120"/>
-                  <a:ea typeface="微軟正黑體" panose="020B0604030504040204" pitchFamily="34" charset="-120"/>
-                </a:endParaRPr>
-              </a:p>
-              <a:p>
-                <a:pPr lvl="2"/>
-                <a:r>
-                  <a:rPr lang="en-US" altLang="zh-TW" dirty="0">
-                    <a:latin typeface="微軟正黑體" panose="020B0604030504040204" pitchFamily="34" charset="-120"/>
-                    <a:ea typeface="微軟正黑體" panose="020B0604030504040204" pitchFamily="34" charset="-120"/>
-                  </a:rPr>
-                  <a:t>dt_all.csv</a:t>
-                </a:r>
-              </a:p>
-              <a:p>
-                <a:endParaRPr lang="en-US" altLang="zh-TW" sz="3200" dirty="0">
-                  <a:latin typeface="微軟正黑體" panose="020B0604030504040204" pitchFamily="34" charset="-120"/>
-                  <a:ea typeface="微軟正黑體" panose="020B0604030504040204" pitchFamily="34" charset="-120"/>
-                </a:endParaRPr>
-              </a:p>
-            </p:txBody>
-          </p:sp>
-        </mc:Choice>
-        <mc:Fallback>
-          <p:sp>
-            <p:nvSpPr>
-              <p:cNvPr id="3" name="內容版面配置區 2">
-                <a:extLst>
-                  <a:ext uri="{FF2B5EF4-FFF2-40B4-BE49-F238E27FC236}">
-                    <a16:creationId xmlns:a16="http://schemas.microsoft.com/office/drawing/2014/main" id="{F1F73060-F620-4245-841F-E20F4793698B}"/>
-                  </a:ext>
-                </a:extLst>
-              </p:cNvPr>
-              <p:cNvSpPr>
-                <a:spLocks noGrp="1" noRot="1" noChangeAspect="1" noMove="1" noResize="1" noEditPoints="1" noAdjustHandles="1" noChangeArrowheads="1" noChangeShapeType="1" noTextEdit="1"/>
-              </p:cNvSpPr>
-              <p:nvPr>
-                <p:ph idx="1"/>
-              </p:nvPr>
-            </p:nvSpPr>
-            <p:spPr>
-              <a:xfrm>
-                <a:off x="838200" y="1969808"/>
-                <a:ext cx="4717026" cy="4523067"/>
-              </a:xfrm>
-              <a:blipFill>
-                <a:blip r:embed="rId2"/>
-                <a:stretch>
-                  <a:fillRect l="-2975" t="-2830"/>
-                </a:stretch>
-              </a:blipFill>
-            </p:spPr>
-            <p:txBody>
-              <a:bodyPr/>
-              <a:lstStyle/>
-              <a:p>
-                <a:r>
-                  <a:rPr lang="zh-TW" altLang="en-US">
-                    <a:noFill/>
-                  </a:rPr>
-                  <a:t> </a:t>
-                </a:r>
-              </a:p>
-            </p:txBody>
-          </p:sp>
-        </mc:Fallback>
-      </mc:AlternateContent>
-      <p:grpSp>
-        <p:nvGrpSpPr>
-          <p:cNvPr id="4" name="群組 3">
-            <a:extLst>
-              <a:ext uri="{FF2B5EF4-FFF2-40B4-BE49-F238E27FC236}">
-                <a16:creationId xmlns:a16="http://schemas.microsoft.com/office/drawing/2014/main" id="{DC51D841-2AFA-4F42-B1E4-11EC729C2557}"/>
-              </a:ext>
-            </a:extLst>
-          </p:cNvPr>
-          <p:cNvGrpSpPr/>
-          <p:nvPr/>
-        </p:nvGrpSpPr>
-        <p:grpSpPr>
-          <a:xfrm>
-            <a:off x="1" y="5260503"/>
-            <a:ext cx="1611877" cy="1604682"/>
-            <a:chOff x="1" y="5260503"/>
-            <a:chExt cx="1611877" cy="1604682"/>
-          </a:xfrm>
-        </p:grpSpPr>
-        <p:sp>
-          <p:nvSpPr>
-            <p:cNvPr id="5" name="對角線條紋 4">
-              <a:extLst>
-                <a:ext uri="{FF2B5EF4-FFF2-40B4-BE49-F238E27FC236}">
-                  <a16:creationId xmlns:a16="http://schemas.microsoft.com/office/drawing/2014/main" id="{A55D2353-FEEC-47E7-B08C-8FE85C1F11C8}"/>
-                </a:ext>
-              </a:extLst>
-            </p:cNvPr>
-            <p:cNvSpPr/>
-            <p:nvPr/>
-          </p:nvSpPr>
-          <p:spPr>
-            <a:xfrm rot="16200000">
-              <a:off x="3599" y="5256905"/>
-              <a:ext cx="1604682" cy="1611877"/>
-            </a:xfrm>
-            <a:prstGeom prst="diagStripe">
-              <a:avLst>
-                <a:gd name="adj" fmla="val 81642"/>
-              </a:avLst>
-            </a:prstGeom>
-            <a:solidFill>
-              <a:srgbClr val="F3D5C0"/>
-            </a:solidFill>
-            <a:ln>
-              <a:noFill/>
-            </a:ln>
-          </p:spPr>
-          <p:style>
-            <a:lnRef idx="2">
-              <a:schemeClr val="accent1">
-                <a:shade val="50000"/>
-              </a:schemeClr>
-            </a:lnRef>
-            <a:fillRef idx="1">
-              <a:schemeClr val="accent1"/>
-            </a:fillRef>
-            <a:effectRef idx="0">
-              <a:schemeClr val="accent1"/>
-            </a:effectRef>
-            <a:fontRef idx="minor">
-              <a:schemeClr val="lt1"/>
-            </a:fontRef>
-          </p:style>
-          <p:txBody>
-            <a:bodyPr rtlCol="0" anchor="ctr"/>
-            <a:lstStyle/>
-            <a:p>
-              <a:pPr algn="ctr"/>
-              <a:endParaRPr lang="zh-TW" altLang="en-US" dirty="0">
-                <a:solidFill>
-                  <a:schemeClr val="tx1"/>
-                </a:solidFill>
-              </a:endParaRPr>
-            </a:p>
-          </p:txBody>
-        </p:sp>
-        <p:sp>
-          <p:nvSpPr>
-            <p:cNvPr id="6" name="對角線條紋 5">
-              <a:extLst>
-                <a:ext uri="{FF2B5EF4-FFF2-40B4-BE49-F238E27FC236}">
-                  <a16:creationId xmlns:a16="http://schemas.microsoft.com/office/drawing/2014/main" id="{7B9CF174-1275-4A28-A14F-CBAE61C83321}"/>
-                </a:ext>
-              </a:extLst>
-            </p:cNvPr>
-            <p:cNvSpPr/>
-            <p:nvPr/>
-          </p:nvSpPr>
-          <p:spPr>
-            <a:xfrm rot="16200000">
-              <a:off x="-16027" y="6258844"/>
-              <a:ext cx="622369" cy="590310"/>
-            </a:xfrm>
-            <a:prstGeom prst="diagStripe">
-              <a:avLst>
-                <a:gd name="adj" fmla="val 56739"/>
-              </a:avLst>
-            </a:prstGeom>
-            <a:solidFill>
-              <a:srgbClr val="C8C6C6"/>
-            </a:solidFill>
-            <a:ln>
-              <a:noFill/>
-            </a:ln>
-          </p:spPr>
-          <p:style>
-            <a:lnRef idx="2">
-              <a:schemeClr val="accent1">
-                <a:shade val="50000"/>
-              </a:schemeClr>
-            </a:lnRef>
-            <a:fillRef idx="1">
-              <a:schemeClr val="accent1"/>
-            </a:fillRef>
-            <a:effectRef idx="0">
-              <a:schemeClr val="accent1"/>
-            </a:effectRef>
-            <a:fontRef idx="minor">
-              <a:schemeClr val="lt1"/>
-            </a:fontRef>
-          </p:style>
-          <p:txBody>
-            <a:bodyPr rtlCol="0" anchor="ctr"/>
-            <a:lstStyle/>
-            <a:p>
-              <a:pPr algn="ctr"/>
-              <a:endParaRPr lang="zh-TW" altLang="en-US">
-                <a:solidFill>
-                  <a:schemeClr val="tx1"/>
-                </a:solidFill>
-              </a:endParaRPr>
-            </a:p>
-          </p:txBody>
-        </p:sp>
-        <p:sp>
-          <p:nvSpPr>
-            <p:cNvPr id="7" name="對角線條紋 6">
-              <a:extLst>
-                <a:ext uri="{FF2B5EF4-FFF2-40B4-BE49-F238E27FC236}">
-                  <a16:creationId xmlns:a16="http://schemas.microsoft.com/office/drawing/2014/main" id="{E63F1718-4EB7-42ED-8375-27EAD7E13101}"/>
-                </a:ext>
-              </a:extLst>
-            </p:cNvPr>
-            <p:cNvSpPr/>
-            <p:nvPr/>
-          </p:nvSpPr>
-          <p:spPr>
-            <a:xfrm rot="16200000">
-              <a:off x="2459" y="5759970"/>
-              <a:ext cx="1095574" cy="1100486"/>
-            </a:xfrm>
-            <a:prstGeom prst="diagStripe">
-              <a:avLst>
-                <a:gd name="adj" fmla="val 75997"/>
-              </a:avLst>
-            </a:prstGeom>
-            <a:solidFill>
-              <a:srgbClr val="F0E5CF"/>
-            </a:solidFill>
-            <a:ln>
-              <a:noFill/>
-            </a:ln>
-          </p:spPr>
-          <p:style>
-            <a:lnRef idx="2">
-              <a:schemeClr val="accent1">
-                <a:shade val="50000"/>
-              </a:schemeClr>
-            </a:lnRef>
-            <a:fillRef idx="1">
-              <a:schemeClr val="accent1"/>
-            </a:fillRef>
-            <a:effectRef idx="0">
-              <a:schemeClr val="accent1"/>
-            </a:effectRef>
-            <a:fontRef idx="minor">
-              <a:schemeClr val="lt1"/>
-            </a:fontRef>
-          </p:style>
-          <p:txBody>
-            <a:bodyPr rtlCol="0" anchor="ctr"/>
-            <a:lstStyle/>
-            <a:p>
-              <a:pPr algn="ctr"/>
-              <a:endParaRPr lang="zh-TW" altLang="en-US" dirty="0">
-                <a:solidFill>
-                  <a:schemeClr val="tx1"/>
-                </a:solidFill>
-              </a:endParaRPr>
-            </a:p>
-          </p:txBody>
-        </p:sp>
-      </p:grpSp>
-      <p:sp>
-        <p:nvSpPr>
-          <p:cNvPr id="8" name="對角線條紋 7">
-            <a:extLst>
-              <a:ext uri="{FF2B5EF4-FFF2-40B4-BE49-F238E27FC236}">
-                <a16:creationId xmlns:a16="http://schemas.microsoft.com/office/drawing/2014/main" id="{040A1039-08FA-4135-8D25-FFA634649F04}"/>
-              </a:ext>
-            </a:extLst>
-          </p:cNvPr>
-          <p:cNvSpPr/>
-          <p:nvPr/>
-        </p:nvSpPr>
-        <p:spPr>
-          <a:xfrm>
-            <a:off x="-10329" y="2703"/>
-            <a:ext cx="959453" cy="876973"/>
-          </a:xfrm>
-          <a:prstGeom prst="diagStripe">
-            <a:avLst>
-              <a:gd name="adj" fmla="val 72062"/>
-            </a:avLst>
-          </a:prstGeom>
-          <a:solidFill>
-            <a:srgbClr val="D4B499"/>
-          </a:solidFill>
-          <a:ln>
-            <a:noFill/>
-          </a:ln>
-        </p:spPr>
-        <p:style>
-          <a:lnRef idx="2">
-            <a:schemeClr val="accent1">
-              <a:shade val="50000"/>
-            </a:schemeClr>
-          </a:lnRef>
-          <a:fillRef idx="1">
-            <a:schemeClr val="accent1"/>
-          </a:fillRef>
-          <a:effectRef idx="0">
-            <a:schemeClr val="accent1"/>
-          </a:effectRef>
-          <a:fontRef idx="minor">
-            <a:schemeClr val="lt1"/>
-          </a:fontRef>
-        </p:style>
-        <p:txBody>
-          <a:bodyPr rtlCol="0" anchor="ctr"/>
-          <a:lstStyle/>
-          <a:p>
-            <a:pPr algn="ctr"/>
-            <a:endParaRPr lang="zh-TW" altLang="en-US">
-              <a:solidFill>
-                <a:schemeClr val="tx1"/>
-              </a:solidFill>
-            </a:endParaRPr>
-          </a:p>
-        </p:txBody>
-      </p:sp>
-      <p:grpSp>
-        <p:nvGrpSpPr>
-          <p:cNvPr id="9" name="群組 8">
-            <a:extLst>
-              <a:ext uri="{FF2B5EF4-FFF2-40B4-BE49-F238E27FC236}">
-                <a16:creationId xmlns:a16="http://schemas.microsoft.com/office/drawing/2014/main" id="{A7ABFC44-1007-47A7-A244-496BD8354751}"/>
-              </a:ext>
-            </a:extLst>
-          </p:cNvPr>
-          <p:cNvGrpSpPr/>
-          <p:nvPr/>
-        </p:nvGrpSpPr>
-        <p:grpSpPr>
-          <a:xfrm rot="10800000">
-            <a:off x="10580123" y="-4482"/>
-            <a:ext cx="1611877" cy="1604682"/>
-            <a:chOff x="1" y="5260503"/>
-            <a:chExt cx="1611877" cy="1604682"/>
-          </a:xfrm>
-        </p:grpSpPr>
-        <p:sp>
-          <p:nvSpPr>
-            <p:cNvPr id="10" name="對角線條紋 9">
-              <a:extLst>
-                <a:ext uri="{FF2B5EF4-FFF2-40B4-BE49-F238E27FC236}">
-                  <a16:creationId xmlns:a16="http://schemas.microsoft.com/office/drawing/2014/main" id="{9E58AA6B-04F6-4C4C-BF76-B7326BAC542D}"/>
-                </a:ext>
-              </a:extLst>
-            </p:cNvPr>
-            <p:cNvSpPr/>
-            <p:nvPr/>
-          </p:nvSpPr>
-          <p:spPr>
-            <a:xfrm rot="16200000">
-              <a:off x="3599" y="5256905"/>
-              <a:ext cx="1604682" cy="1611877"/>
-            </a:xfrm>
-            <a:prstGeom prst="diagStripe">
-              <a:avLst>
-                <a:gd name="adj" fmla="val 81642"/>
-              </a:avLst>
-            </a:prstGeom>
-            <a:solidFill>
-              <a:srgbClr val="F3D5C0"/>
-            </a:solidFill>
-            <a:ln>
-              <a:noFill/>
-            </a:ln>
-          </p:spPr>
-          <p:style>
-            <a:lnRef idx="2">
-              <a:schemeClr val="accent1">
-                <a:shade val="50000"/>
-              </a:schemeClr>
-            </a:lnRef>
-            <a:fillRef idx="1">
-              <a:schemeClr val="accent1"/>
-            </a:fillRef>
-            <a:effectRef idx="0">
-              <a:schemeClr val="accent1"/>
-            </a:effectRef>
-            <a:fontRef idx="minor">
-              <a:schemeClr val="lt1"/>
-            </a:fontRef>
-          </p:style>
-          <p:txBody>
-            <a:bodyPr rtlCol="0" anchor="ctr"/>
-            <a:lstStyle/>
-            <a:p>
-              <a:pPr algn="ctr"/>
-              <a:endParaRPr lang="zh-TW" altLang="en-US" dirty="0">
-                <a:solidFill>
-                  <a:schemeClr val="tx1"/>
-                </a:solidFill>
-              </a:endParaRPr>
-            </a:p>
-          </p:txBody>
-        </p:sp>
-        <p:sp>
-          <p:nvSpPr>
-            <p:cNvPr id="11" name="對角線條紋 10">
-              <a:extLst>
-                <a:ext uri="{FF2B5EF4-FFF2-40B4-BE49-F238E27FC236}">
-                  <a16:creationId xmlns:a16="http://schemas.microsoft.com/office/drawing/2014/main" id="{77F8B158-E89B-4777-BB3B-73A2C97E51E3}"/>
-                </a:ext>
-              </a:extLst>
-            </p:cNvPr>
-            <p:cNvSpPr/>
-            <p:nvPr/>
-          </p:nvSpPr>
-          <p:spPr>
-            <a:xfrm rot="16200000">
-              <a:off x="-16027" y="6258844"/>
-              <a:ext cx="622369" cy="590310"/>
-            </a:xfrm>
-            <a:prstGeom prst="diagStripe">
-              <a:avLst>
-                <a:gd name="adj" fmla="val 56739"/>
-              </a:avLst>
-            </a:prstGeom>
-            <a:solidFill>
-              <a:srgbClr val="C8C6C6"/>
-            </a:solidFill>
-            <a:ln>
-              <a:noFill/>
-            </a:ln>
-          </p:spPr>
-          <p:style>
-            <a:lnRef idx="2">
-              <a:schemeClr val="accent1">
-                <a:shade val="50000"/>
-              </a:schemeClr>
-            </a:lnRef>
-            <a:fillRef idx="1">
-              <a:schemeClr val="accent1"/>
-            </a:fillRef>
-            <a:effectRef idx="0">
-              <a:schemeClr val="accent1"/>
-            </a:effectRef>
-            <a:fontRef idx="minor">
-              <a:schemeClr val="lt1"/>
-            </a:fontRef>
-          </p:style>
-          <p:txBody>
-            <a:bodyPr rtlCol="0" anchor="ctr"/>
-            <a:lstStyle/>
-            <a:p>
-              <a:pPr algn="ctr"/>
-              <a:endParaRPr lang="zh-TW" altLang="en-US">
-                <a:solidFill>
-                  <a:schemeClr val="tx1"/>
-                </a:solidFill>
-              </a:endParaRPr>
-            </a:p>
-          </p:txBody>
-        </p:sp>
-        <p:sp>
-          <p:nvSpPr>
-            <p:cNvPr id="12" name="對角線條紋 11">
-              <a:extLst>
-                <a:ext uri="{FF2B5EF4-FFF2-40B4-BE49-F238E27FC236}">
-                  <a16:creationId xmlns:a16="http://schemas.microsoft.com/office/drawing/2014/main" id="{AFB67148-D8CA-4E5A-9EAA-67A71B04D87A}"/>
-                </a:ext>
-              </a:extLst>
-            </p:cNvPr>
-            <p:cNvSpPr/>
-            <p:nvPr/>
-          </p:nvSpPr>
-          <p:spPr>
-            <a:xfrm rot="16200000">
-              <a:off x="2459" y="5759970"/>
-              <a:ext cx="1095574" cy="1100486"/>
-            </a:xfrm>
-            <a:prstGeom prst="diagStripe">
-              <a:avLst>
-                <a:gd name="adj" fmla="val 75997"/>
-              </a:avLst>
-            </a:prstGeom>
-            <a:solidFill>
-              <a:srgbClr val="F0E5CF"/>
-            </a:solidFill>
-            <a:ln>
-              <a:noFill/>
-            </a:ln>
-          </p:spPr>
-          <p:style>
-            <a:lnRef idx="2">
-              <a:schemeClr val="accent1">
-                <a:shade val="50000"/>
-              </a:schemeClr>
-            </a:lnRef>
-            <a:fillRef idx="1">
-              <a:schemeClr val="accent1"/>
-            </a:fillRef>
-            <a:effectRef idx="0">
-              <a:schemeClr val="accent1"/>
-            </a:effectRef>
-            <a:fontRef idx="minor">
-              <a:schemeClr val="lt1"/>
-            </a:fontRef>
-          </p:style>
-          <p:txBody>
-            <a:bodyPr rtlCol="0" anchor="ctr"/>
-            <a:lstStyle/>
-            <a:p>
-              <a:pPr algn="ctr"/>
-              <a:endParaRPr lang="zh-TW" altLang="en-US" dirty="0">
-                <a:solidFill>
-                  <a:schemeClr val="tx1"/>
-                </a:solidFill>
-              </a:endParaRPr>
-            </a:p>
-          </p:txBody>
-        </p:sp>
-      </p:grpSp>
-      <p:grpSp>
-        <p:nvGrpSpPr>
-          <p:cNvPr id="13" name="群組 12">
-            <a:extLst>
-              <a:ext uri="{FF2B5EF4-FFF2-40B4-BE49-F238E27FC236}">
-                <a16:creationId xmlns:a16="http://schemas.microsoft.com/office/drawing/2014/main" id="{2ACE8DC2-4F76-4093-A358-797F78818B32}"/>
-              </a:ext>
-            </a:extLst>
-          </p:cNvPr>
-          <p:cNvGrpSpPr/>
-          <p:nvPr/>
-        </p:nvGrpSpPr>
-        <p:grpSpPr>
-          <a:xfrm>
-            <a:off x="11288939" y="5859405"/>
-            <a:ext cx="909210" cy="1013309"/>
-            <a:chOff x="11288939" y="5859405"/>
-            <a:chExt cx="909210" cy="1013309"/>
-          </a:xfrm>
-        </p:grpSpPr>
-        <p:sp>
-          <p:nvSpPr>
-            <p:cNvPr id="14" name="對角線條紋 13">
-              <a:extLst>
-                <a:ext uri="{FF2B5EF4-FFF2-40B4-BE49-F238E27FC236}">
-                  <a16:creationId xmlns:a16="http://schemas.microsoft.com/office/drawing/2014/main" id="{3BAA7322-3EF8-4134-9573-BFC55B80C619}"/>
-                </a:ext>
-              </a:extLst>
-            </p:cNvPr>
-            <p:cNvSpPr/>
-            <p:nvPr/>
-          </p:nvSpPr>
-          <p:spPr>
-            <a:xfrm rot="10800000">
-              <a:off x="11743544" y="6427849"/>
-              <a:ext cx="444865" cy="444865"/>
-            </a:xfrm>
-            <a:prstGeom prst="diagStripe">
-              <a:avLst>
-                <a:gd name="adj" fmla="val 44391"/>
-              </a:avLst>
-            </a:prstGeom>
-            <a:solidFill>
-              <a:srgbClr val="506D84"/>
-            </a:solidFill>
-            <a:ln>
-              <a:noFill/>
-            </a:ln>
-          </p:spPr>
-          <p:style>
-            <a:lnRef idx="2">
-              <a:schemeClr val="accent1">
-                <a:shade val="50000"/>
-              </a:schemeClr>
-            </a:lnRef>
-            <a:fillRef idx="1">
-              <a:schemeClr val="accent1"/>
-            </a:fillRef>
-            <a:effectRef idx="0">
-              <a:schemeClr val="accent1"/>
-            </a:effectRef>
-            <a:fontRef idx="minor">
-              <a:schemeClr val="lt1"/>
-            </a:fontRef>
-          </p:style>
-          <p:txBody>
-            <a:bodyPr rtlCol="0" anchor="ctr"/>
-            <a:lstStyle/>
-            <a:p>
-              <a:pPr algn="ctr"/>
-              <a:endParaRPr lang="zh-TW" altLang="en-US">
-                <a:solidFill>
-                  <a:schemeClr val="tx1"/>
-                </a:solidFill>
-              </a:endParaRPr>
-            </a:p>
-          </p:txBody>
-        </p:sp>
-        <p:sp>
-          <p:nvSpPr>
-            <p:cNvPr id="15" name="對角線條紋 14">
-              <a:extLst>
-                <a:ext uri="{FF2B5EF4-FFF2-40B4-BE49-F238E27FC236}">
-                  <a16:creationId xmlns:a16="http://schemas.microsoft.com/office/drawing/2014/main" id="{D62DA927-84F1-4AB5-858F-D22E3D5945D0}"/>
-                </a:ext>
-              </a:extLst>
-            </p:cNvPr>
-            <p:cNvSpPr/>
-            <p:nvPr/>
-          </p:nvSpPr>
-          <p:spPr>
-            <a:xfrm rot="10800000">
-              <a:off x="11288939" y="5859405"/>
-              <a:ext cx="909210" cy="995892"/>
-            </a:xfrm>
-            <a:prstGeom prst="diagStripe">
-              <a:avLst>
-                <a:gd name="adj" fmla="val 73730"/>
-              </a:avLst>
-            </a:prstGeom>
-            <a:solidFill>
-              <a:srgbClr val="889EAF"/>
-            </a:solidFill>
-            <a:ln>
-              <a:noFill/>
-            </a:ln>
-          </p:spPr>
-          <p:style>
-            <a:lnRef idx="2">
-              <a:schemeClr val="accent1">
-                <a:shade val="50000"/>
-              </a:schemeClr>
-            </a:lnRef>
-            <a:fillRef idx="1">
-              <a:schemeClr val="accent1"/>
-            </a:fillRef>
-            <a:effectRef idx="0">
-              <a:schemeClr val="accent1"/>
-            </a:effectRef>
-            <a:fontRef idx="minor">
-              <a:schemeClr val="lt1"/>
-            </a:fontRef>
-          </p:style>
-          <p:txBody>
-            <a:bodyPr rtlCol="0" anchor="ctr"/>
-            <a:lstStyle/>
-            <a:p>
-              <a:pPr algn="ctr"/>
-              <a:endParaRPr lang="zh-TW" altLang="en-US">
-                <a:solidFill>
-                  <a:schemeClr val="tx1"/>
-                </a:solidFill>
-              </a:endParaRPr>
-            </a:p>
-          </p:txBody>
-        </p:sp>
-      </p:grpSp>
-      <p:sp>
-        <p:nvSpPr>
-          <p:cNvPr id="16" name="內容版面配置區 2">
-            <a:extLst>
-              <a:ext uri="{FF2B5EF4-FFF2-40B4-BE49-F238E27FC236}">
-                <a16:creationId xmlns:a16="http://schemas.microsoft.com/office/drawing/2014/main" id="{91AE8A71-D5AC-434E-B019-8729DC6FF142}"/>
-              </a:ext>
-            </a:extLst>
-          </p:cNvPr>
-          <p:cNvSpPr txBox="1">
-            <a:spLocks/>
-          </p:cNvSpPr>
-          <p:nvPr/>
-        </p:nvSpPr>
-        <p:spPr>
-          <a:xfrm>
-            <a:off x="6324026" y="1969808"/>
-            <a:ext cx="4717026" cy="4523067"/>
+            <a:off x="838200" y="4972889"/>
+            <a:ext cx="10063579" cy="1980145"/>
           </a:xfrm>
           <a:prstGeom prst="rect">
             <a:avLst/>
@@ -33087,119 +33016,95 @@
           </a:lstStyle>
           <a:p>
             <a:r>
-              <a:rPr lang="zh-TW" altLang="en-US" sz="3200" dirty="0">
+              <a:rPr lang="zh-TW" altLang="en-US" sz="2400" dirty="0">
                 <a:latin typeface="微軟正黑體" panose="020B0604030504040204" pitchFamily="34" charset="-120"/>
                 <a:ea typeface="微軟正黑體" panose="020B0604030504040204" pitchFamily="34" charset="-120"/>
               </a:rPr>
-              <a:t>情況 </a:t>
-            </a:r>
-            <a:r>
-              <a:rPr lang="en-US" altLang="zh-TW" sz="3200" dirty="0">
+              <a:t>經由此操作，可以得到整齊排在接近預測時間點的資料</a:t>
+            </a:r>
+          </a:p>
+          <a:p>
+            <a:pPr lvl="1"/>
+            <a:r>
+              <a:rPr lang="zh-TW" altLang="en-US" sz="2000" dirty="0">
                 <a:latin typeface="微軟正黑體" panose="020B0604030504040204" pitchFamily="34" charset="-120"/>
                 <a:ea typeface="微軟正黑體" panose="020B0604030504040204" pitchFamily="34" charset="-120"/>
               </a:rPr>
-              <a:t>2</a:t>
+              <a:t>方便之後的 </a:t>
+            </a:r>
+            <a:r>
+              <a:rPr lang="en-US" altLang="zh-TW" sz="2000" dirty="0">
+                <a:latin typeface="微軟正黑體" panose="020B0604030504040204" pitchFamily="34" charset="-120"/>
+                <a:ea typeface="微軟正黑體" panose="020B0604030504040204" pitchFamily="34" charset="-120"/>
+              </a:rPr>
+              <a:t>LSTM(</a:t>
+            </a:r>
+            <a:r>
+              <a:rPr lang="zh-TW" altLang="en-US" sz="2000" dirty="0">
+                <a:latin typeface="微軟正黑體" panose="020B0604030504040204" pitchFamily="34" charset="-120"/>
+                <a:ea typeface="微軟正黑體" panose="020B0604030504040204" pitchFamily="34" charset="-120"/>
+              </a:rPr>
+              <a:t>資料筆數 </a:t>
+            </a:r>
+            <a:r>
+              <a:rPr lang="en-US" altLang="zh-TW" sz="2000" dirty="0">
+                <a:latin typeface="微軟正黑體" panose="020B0604030504040204" pitchFamily="34" charset="-120"/>
+                <a:ea typeface="微軟正黑體" panose="020B0604030504040204" pitchFamily="34" charset="-120"/>
+              </a:rPr>
+              <a:t>&gt; 10)</a:t>
+            </a:r>
+            <a:r>
+              <a:rPr lang="zh-TW" altLang="en-US" sz="2000" dirty="0">
+                <a:latin typeface="微軟正黑體" panose="020B0604030504040204" pitchFamily="34" charset="-120"/>
+                <a:ea typeface="微軟正黑體" panose="020B0604030504040204" pitchFamily="34" charset="-120"/>
+              </a:rPr>
+              <a:t>與 </a:t>
+            </a:r>
+            <a:r>
+              <a:rPr lang="en-US" altLang="zh-TW" sz="2000" dirty="0">
+                <a:latin typeface="微軟正黑體" panose="020B0604030504040204" pitchFamily="34" charset="-120"/>
+                <a:ea typeface="微軟正黑體" panose="020B0604030504040204" pitchFamily="34" charset="-120"/>
+              </a:rPr>
+              <a:t>Gradient Boosting Regression (</a:t>
+            </a:r>
+            <a:r>
+              <a:rPr lang="zh-TW" altLang="en-US" sz="2000" dirty="0">
+                <a:latin typeface="微軟正黑體" panose="020B0604030504040204" pitchFamily="34" charset="-120"/>
+                <a:ea typeface="微軟正黑體" panose="020B0604030504040204" pitchFamily="34" charset="-120"/>
+              </a:rPr>
+              <a:t>筆數 </a:t>
+            </a:r>
+            <a:r>
+              <a:rPr lang="en-US" altLang="zh-TW" sz="2000" dirty="0">
+                <a:latin typeface="微軟正黑體" panose="020B0604030504040204" pitchFamily="34" charset="-120"/>
+                <a:ea typeface="微軟正黑體" panose="020B0604030504040204" pitchFamily="34" charset="-120"/>
+              </a:rPr>
+              <a:t>&lt; 10)</a:t>
             </a:r>
           </a:p>
           <a:p>
             <a:pPr lvl="1"/>
             <a:r>
-              <a:rPr lang="zh-TW" altLang="en-US" dirty="0">
+              <a:rPr lang="zh-TW" altLang="en-US" sz="2000" dirty="0">
                 <a:latin typeface="微軟正黑體" panose="020B0604030504040204" pitchFamily="34" charset="-120"/>
                 <a:ea typeface="微軟正黑體" panose="020B0604030504040204" pitchFamily="34" charset="-120"/>
               </a:rPr>
-              <a:t>有消費月份 </a:t>
-            </a:r>
-            <a:r>
-              <a:rPr lang="en-US" altLang="zh-TW" dirty="0">
+              <a:t>共四個檔案 </a:t>
+            </a:r>
+            <a:r>
+              <a:rPr lang="en-US" altLang="zh-TW" sz="2000" dirty="0">
                 <a:latin typeface="微軟正黑體" panose="020B0604030504040204" pitchFamily="34" charset="-120"/>
                 <a:ea typeface="微軟正黑體" panose="020B0604030504040204" pitchFamily="34" charset="-120"/>
               </a:rPr>
-              <a:t>&lt; 10</a:t>
-            </a:r>
-          </a:p>
-          <a:p>
-            <a:pPr lvl="1"/>
-            <a:r>
-              <a:rPr lang="zh-TW" altLang="en-US" dirty="0">
-                <a:latin typeface="微軟正黑體" panose="020B0604030504040204" pitchFamily="34" charset="-120"/>
-                <a:ea typeface="微軟正黑體" panose="020B0604030504040204" pitchFamily="34" charset="-120"/>
-              </a:rPr>
-              <a:t>模型</a:t>
-            </a:r>
-            <a:endParaRPr lang="en-US" altLang="zh-TW" dirty="0">
-              <a:latin typeface="微軟正黑體" panose="020B0604030504040204" pitchFamily="34" charset="-120"/>
-              <a:ea typeface="微軟正黑體" panose="020B0604030504040204" pitchFamily="34" charset="-120"/>
-            </a:endParaRPr>
-          </a:p>
-          <a:p>
-            <a:pPr lvl="2"/>
-            <a:r>
-              <a:rPr lang="en-US" altLang="zh-TW" dirty="0">
-                <a:latin typeface="微軟正黑體" panose="020B0604030504040204" pitchFamily="34" charset="-120"/>
-                <a:ea typeface="微軟正黑體" panose="020B0604030504040204" pitchFamily="34" charset="-120"/>
-              </a:rPr>
-              <a:t>Gradient Boosting Regression </a:t>
-            </a:r>
-          </a:p>
-          <a:p>
-            <a:pPr lvl="3"/>
-            <a:r>
-              <a:rPr lang="en-US" altLang="zh-TW" dirty="0">
-                <a:latin typeface="微軟正黑體" panose="020B0604030504040204" pitchFamily="34" charset="-120"/>
-                <a:ea typeface="微軟正黑體" panose="020B0604030504040204" pitchFamily="34" charset="-120"/>
-              </a:rPr>
-              <a:t>By </a:t>
-            </a:r>
-            <a:r>
-              <a:rPr lang="en-US" altLang="zh-TW" dirty="0" err="1">
-                <a:latin typeface="微軟正黑體" panose="020B0604030504040204" pitchFamily="34" charset="-120"/>
-                <a:ea typeface="微軟正黑體" panose="020B0604030504040204" pitchFamily="34" charset="-120"/>
-              </a:rPr>
-              <a:t>sklearn</a:t>
-            </a:r>
-            <a:endParaRPr lang="en-US" altLang="zh-TW" dirty="0">
-              <a:latin typeface="微軟正黑體" panose="020B0604030504040204" pitchFamily="34" charset="-120"/>
-              <a:ea typeface="微軟正黑體" panose="020B0604030504040204" pitchFamily="34" charset="-120"/>
-            </a:endParaRPr>
-          </a:p>
-          <a:p>
-            <a:pPr lvl="1"/>
-            <a:r>
-              <a:rPr lang="zh-TW" altLang="en-US" dirty="0">
-                <a:latin typeface="微軟正黑體" panose="020B0604030504040204" pitchFamily="34" charset="-120"/>
-                <a:ea typeface="微軟正黑體" panose="020B0604030504040204" pitchFamily="34" charset="-120"/>
-              </a:rPr>
-              <a:t>訓練資料集</a:t>
-            </a:r>
-            <a:endParaRPr lang="en-US" altLang="zh-TW" dirty="0">
-              <a:latin typeface="微軟正黑體" panose="020B0604030504040204" pitchFamily="34" charset="-120"/>
-              <a:ea typeface="微軟正黑體" panose="020B0604030504040204" pitchFamily="34" charset="-120"/>
-            </a:endParaRPr>
-          </a:p>
-          <a:p>
-            <a:pPr lvl="2"/>
-            <a:r>
-              <a:rPr lang="en-US" altLang="zh-TW" dirty="0">
-                <a:latin typeface="微軟正黑體" panose="020B0604030504040204" pitchFamily="34" charset="-120"/>
-                <a:ea typeface="微軟正黑體" panose="020B0604030504040204" pitchFamily="34" charset="-120"/>
-              </a:rPr>
-              <a:t>dt_all.csv</a:t>
-            </a:r>
-          </a:p>
-          <a:p>
-            <a:pPr lvl="2"/>
-            <a:endParaRPr lang="en-US" altLang="zh-TW" dirty="0">
-              <a:latin typeface="微軟正黑體" panose="020B0604030504040204" pitchFamily="34" charset="-120"/>
-              <a:ea typeface="微軟正黑體" panose="020B0604030504040204" pitchFamily="34" charset="-120"/>
-            </a:endParaRPr>
+              <a:t>Training</a:t>
+            </a:r>
           </a:p>
         </p:txBody>
       </p:sp>
     </p:spTree>
     <p:extLst>
       <p:ext uri="{BB962C8B-B14F-4D97-AF65-F5344CB8AC3E}">
-        <p14:creationId xmlns:p14="http://schemas.microsoft.com/office/powerpoint/2010/main" val="1129252430"/>
+        <p14:creationId xmlns:p14="http://schemas.microsoft.com/office/powerpoint/2010/main" val="1387831816"/>
       </p:ext>
     </p:extLst>
   </p:cSld>
@@ -33218,6 +33123,4065 @@
       </p:transition>
     </mc:Fallback>
   </mc:AlternateContent>
+</p:sld>
+</file>
+
+<file path=ppt/slides/slide9.xml><?xml version="1.0" encoding="utf-8"?>
+<p:sld xmlns:a="http://schemas.openxmlformats.org/drawingml/2006/main" xmlns:r="http://schemas.openxmlformats.org/officeDocument/2006/relationships" xmlns:p="http://schemas.openxmlformats.org/presentationml/2006/main">
+  <p:cSld>
+    <p:spTree>
+      <p:nvGrpSpPr>
+        <p:cNvPr id="1" name=""/>
+        <p:cNvGrpSpPr/>
+        <p:nvPr/>
+      </p:nvGrpSpPr>
+      <p:grpSpPr>
+        <a:xfrm>
+          <a:off x="0" y="0"/>
+          <a:ext cx="0" cy="0"/>
+          <a:chOff x="0" y="0"/>
+          <a:chExt cx="0" cy="0"/>
+        </a:xfrm>
+      </p:grpSpPr>
+      <p:sp>
+        <p:nvSpPr>
+          <p:cNvPr id="56" name="對角線條紋 55">
+            <a:extLst>
+              <a:ext uri="{FF2B5EF4-FFF2-40B4-BE49-F238E27FC236}">
+                <a16:creationId xmlns:a16="http://schemas.microsoft.com/office/drawing/2014/main" id="{3E1875AA-3540-4757-9BB3-A2E2344E6DE7}"/>
+              </a:ext>
+            </a:extLst>
+          </p:cNvPr>
+          <p:cNvSpPr/>
+          <p:nvPr/>
+        </p:nvSpPr>
+        <p:spPr>
+          <a:xfrm rot="10800000">
+            <a:off x="11282790" y="5862233"/>
+            <a:ext cx="909210" cy="995892"/>
+          </a:xfrm>
+          <a:prstGeom prst="diagStripe">
+            <a:avLst>
+              <a:gd name="adj" fmla="val 73730"/>
+            </a:avLst>
+          </a:prstGeom>
+          <a:solidFill>
+            <a:srgbClr val="889EAF"/>
+          </a:solidFill>
+          <a:ln>
+            <a:noFill/>
+          </a:ln>
+        </p:spPr>
+        <p:style>
+          <a:lnRef idx="2">
+            <a:schemeClr val="accent1">
+              <a:shade val="50000"/>
+            </a:schemeClr>
+          </a:lnRef>
+          <a:fillRef idx="1">
+            <a:schemeClr val="accent1"/>
+          </a:fillRef>
+          <a:effectRef idx="0">
+            <a:schemeClr val="accent1"/>
+          </a:effectRef>
+          <a:fontRef idx="minor">
+            <a:schemeClr val="lt1"/>
+          </a:fontRef>
+        </p:style>
+        <p:txBody>
+          <a:bodyPr rtlCol="0" anchor="ctr"/>
+          <a:lstStyle/>
+          <a:p>
+            <a:pPr algn="ctr"/>
+            <a:endParaRPr lang="zh-TW" altLang="en-US">
+              <a:solidFill>
+                <a:schemeClr val="tx1"/>
+              </a:solidFill>
+            </a:endParaRPr>
+          </a:p>
+        </p:txBody>
+      </p:sp>
+      <p:grpSp>
+        <p:nvGrpSpPr>
+          <p:cNvPr id="49" name="群組 48">
+            <a:extLst>
+              <a:ext uri="{FF2B5EF4-FFF2-40B4-BE49-F238E27FC236}">
+                <a16:creationId xmlns:a16="http://schemas.microsoft.com/office/drawing/2014/main" id="{550ABC74-0F6D-4206-8412-0624D736A96E}"/>
+              </a:ext>
+            </a:extLst>
+          </p:cNvPr>
+          <p:cNvGrpSpPr/>
+          <p:nvPr/>
+        </p:nvGrpSpPr>
+        <p:grpSpPr>
+          <a:xfrm>
+            <a:off x="1" y="5260503"/>
+            <a:ext cx="1611877" cy="1604682"/>
+            <a:chOff x="1" y="5260503"/>
+            <a:chExt cx="1611877" cy="1604682"/>
+          </a:xfrm>
+        </p:grpSpPr>
+        <p:sp>
+          <p:nvSpPr>
+            <p:cNvPr id="51" name="對角線條紋 50">
+              <a:extLst>
+                <a:ext uri="{FF2B5EF4-FFF2-40B4-BE49-F238E27FC236}">
+                  <a16:creationId xmlns:a16="http://schemas.microsoft.com/office/drawing/2014/main" id="{19CAF6E9-721D-43F7-9D71-9D1569F44A60}"/>
+                </a:ext>
+              </a:extLst>
+            </p:cNvPr>
+            <p:cNvSpPr/>
+            <p:nvPr/>
+          </p:nvSpPr>
+          <p:spPr>
+            <a:xfrm rot="16200000">
+              <a:off x="3599" y="5256905"/>
+              <a:ext cx="1604682" cy="1611877"/>
+            </a:xfrm>
+            <a:prstGeom prst="diagStripe">
+              <a:avLst>
+                <a:gd name="adj" fmla="val 81642"/>
+              </a:avLst>
+            </a:prstGeom>
+            <a:solidFill>
+              <a:srgbClr val="F3D5C0"/>
+            </a:solidFill>
+            <a:ln>
+              <a:noFill/>
+            </a:ln>
+          </p:spPr>
+          <p:style>
+            <a:lnRef idx="2">
+              <a:schemeClr val="accent1">
+                <a:shade val="50000"/>
+              </a:schemeClr>
+            </a:lnRef>
+            <a:fillRef idx="1">
+              <a:schemeClr val="accent1"/>
+            </a:fillRef>
+            <a:effectRef idx="0">
+              <a:schemeClr val="accent1"/>
+            </a:effectRef>
+            <a:fontRef idx="minor">
+              <a:schemeClr val="lt1"/>
+            </a:fontRef>
+          </p:style>
+          <p:txBody>
+            <a:bodyPr rtlCol="0" anchor="ctr"/>
+            <a:lstStyle/>
+            <a:p>
+              <a:pPr algn="ctr"/>
+              <a:endParaRPr lang="zh-TW" altLang="en-US" dirty="0">
+                <a:solidFill>
+                  <a:schemeClr val="tx1"/>
+                </a:solidFill>
+              </a:endParaRPr>
+            </a:p>
+          </p:txBody>
+        </p:sp>
+        <p:sp>
+          <p:nvSpPr>
+            <p:cNvPr id="52" name="對角線條紋 51">
+              <a:extLst>
+                <a:ext uri="{FF2B5EF4-FFF2-40B4-BE49-F238E27FC236}">
+                  <a16:creationId xmlns:a16="http://schemas.microsoft.com/office/drawing/2014/main" id="{50C47033-3553-4A72-840A-79F207860A77}"/>
+                </a:ext>
+              </a:extLst>
+            </p:cNvPr>
+            <p:cNvSpPr/>
+            <p:nvPr/>
+          </p:nvSpPr>
+          <p:spPr>
+            <a:xfrm rot="16200000">
+              <a:off x="-16027" y="6258844"/>
+              <a:ext cx="622369" cy="590310"/>
+            </a:xfrm>
+            <a:prstGeom prst="diagStripe">
+              <a:avLst>
+                <a:gd name="adj" fmla="val 56739"/>
+              </a:avLst>
+            </a:prstGeom>
+            <a:solidFill>
+              <a:srgbClr val="C8C6C6"/>
+            </a:solidFill>
+            <a:ln>
+              <a:noFill/>
+            </a:ln>
+          </p:spPr>
+          <p:style>
+            <a:lnRef idx="2">
+              <a:schemeClr val="accent1">
+                <a:shade val="50000"/>
+              </a:schemeClr>
+            </a:lnRef>
+            <a:fillRef idx="1">
+              <a:schemeClr val="accent1"/>
+            </a:fillRef>
+            <a:effectRef idx="0">
+              <a:schemeClr val="accent1"/>
+            </a:effectRef>
+            <a:fontRef idx="minor">
+              <a:schemeClr val="lt1"/>
+            </a:fontRef>
+          </p:style>
+          <p:txBody>
+            <a:bodyPr rtlCol="0" anchor="ctr"/>
+            <a:lstStyle/>
+            <a:p>
+              <a:pPr algn="ctr"/>
+              <a:endParaRPr lang="zh-TW" altLang="en-US">
+                <a:solidFill>
+                  <a:schemeClr val="tx1"/>
+                </a:solidFill>
+              </a:endParaRPr>
+            </a:p>
+          </p:txBody>
+        </p:sp>
+        <p:sp>
+          <p:nvSpPr>
+            <p:cNvPr id="53" name="對角線條紋 52">
+              <a:extLst>
+                <a:ext uri="{FF2B5EF4-FFF2-40B4-BE49-F238E27FC236}">
+                  <a16:creationId xmlns:a16="http://schemas.microsoft.com/office/drawing/2014/main" id="{16436673-A120-4CE4-B9EC-D81B90590E98}"/>
+                </a:ext>
+              </a:extLst>
+            </p:cNvPr>
+            <p:cNvSpPr/>
+            <p:nvPr/>
+          </p:nvSpPr>
+          <p:spPr>
+            <a:xfrm rot="16200000">
+              <a:off x="2459" y="5759970"/>
+              <a:ext cx="1095574" cy="1100486"/>
+            </a:xfrm>
+            <a:prstGeom prst="diagStripe">
+              <a:avLst>
+                <a:gd name="adj" fmla="val 75997"/>
+              </a:avLst>
+            </a:prstGeom>
+            <a:solidFill>
+              <a:srgbClr val="F0E5CF"/>
+            </a:solidFill>
+            <a:ln>
+              <a:noFill/>
+            </a:ln>
+          </p:spPr>
+          <p:style>
+            <a:lnRef idx="2">
+              <a:schemeClr val="accent1">
+                <a:shade val="50000"/>
+              </a:schemeClr>
+            </a:lnRef>
+            <a:fillRef idx="1">
+              <a:schemeClr val="accent1"/>
+            </a:fillRef>
+            <a:effectRef idx="0">
+              <a:schemeClr val="accent1"/>
+            </a:effectRef>
+            <a:fontRef idx="minor">
+              <a:schemeClr val="lt1"/>
+            </a:fontRef>
+          </p:style>
+          <p:txBody>
+            <a:bodyPr rtlCol="0" anchor="ctr"/>
+            <a:lstStyle/>
+            <a:p>
+              <a:pPr algn="ctr"/>
+              <a:endParaRPr lang="zh-TW" altLang="en-US" dirty="0">
+                <a:solidFill>
+                  <a:schemeClr val="tx1"/>
+                </a:solidFill>
+              </a:endParaRPr>
+            </a:p>
+          </p:txBody>
+        </p:sp>
+      </p:grpSp>
+      <p:sp>
+        <p:nvSpPr>
+          <p:cNvPr id="119" name="Rounded Rectangle 118"/>
+          <p:cNvSpPr/>
+          <p:nvPr/>
+        </p:nvSpPr>
+        <p:spPr>
+          <a:xfrm>
+            <a:off x="872965" y="3813047"/>
+            <a:ext cx="5069416" cy="2688327"/>
+          </a:xfrm>
+          <a:prstGeom prst="roundRect">
+            <a:avLst>
+              <a:gd name="adj" fmla="val 4437"/>
+            </a:avLst>
+          </a:prstGeom>
+          <a:ln/>
+        </p:spPr>
+        <p:style>
+          <a:lnRef idx="3">
+            <a:schemeClr val="lt1"/>
+          </a:lnRef>
+          <a:fillRef idx="1">
+            <a:schemeClr val="accent6"/>
+          </a:fillRef>
+          <a:effectRef idx="1">
+            <a:schemeClr val="accent6"/>
+          </a:effectRef>
+          <a:fontRef idx="minor">
+            <a:schemeClr val="lt1"/>
+          </a:fontRef>
+        </p:style>
+        <p:txBody>
+          <a:bodyPr rtlCol="0" anchor="ctr"/>
+          <a:lstStyle/>
+          <a:p>
+            <a:pPr algn="ctr"/>
+            <a:endParaRPr lang="en-US" sz="2400" dirty="0">
+              <a:latin typeface="Microsoft JhengHei" panose="020B0604030504040204" pitchFamily="34" charset="-120"/>
+              <a:ea typeface="Microsoft JhengHei" panose="020B0604030504040204" pitchFamily="34" charset="-120"/>
+            </a:endParaRPr>
+          </a:p>
+        </p:txBody>
+      </p:sp>
+      <p:sp>
+        <p:nvSpPr>
+          <p:cNvPr id="2" name="Title 1"/>
+          <p:cNvSpPr>
+            <a:spLocks noGrp="1"/>
+          </p:cNvSpPr>
+          <p:nvPr>
+            <p:ph type="title" idx="4294967295"/>
+          </p:nvPr>
+        </p:nvSpPr>
+        <p:spPr>
+          <a:xfrm>
+            <a:off x="2183181" y="319269"/>
+            <a:ext cx="7518400" cy="471487"/>
+          </a:xfrm>
+        </p:spPr>
+        <p:txBody>
+          <a:bodyPr>
+            <a:noAutofit/>
+          </a:bodyPr>
+          <a:lstStyle/>
+          <a:p>
+            <a:pPr algn="ctr"/>
+            <a:r>
+              <a:rPr lang="zh-TW" altLang="en-US" sz="3200" b="1" dirty="0">
+                <a:latin typeface="Microsoft JhengHei" panose="020B0604030504040204" pitchFamily="34" charset="-120"/>
+                <a:ea typeface="Microsoft JhengHei" panose="020B0604030504040204" pitchFamily="34" charset="-120"/>
+              </a:rPr>
+              <a:t>模型設定</a:t>
+            </a:r>
+            <a:endParaRPr lang="en-US" sz="3200" b="1" dirty="0">
+              <a:latin typeface="Microsoft JhengHei" panose="020B0604030504040204" pitchFamily="34" charset="-120"/>
+              <a:ea typeface="Microsoft JhengHei" panose="020B0604030504040204" pitchFamily="34" charset="-120"/>
+            </a:endParaRPr>
+          </a:p>
+        </p:txBody>
+      </p:sp>
+      <p:sp>
+        <p:nvSpPr>
+          <p:cNvPr id="3" name="Text Placeholder 2"/>
+          <p:cNvSpPr>
+            <a:spLocks noGrp="1"/>
+          </p:cNvSpPr>
+          <p:nvPr>
+            <p:ph type="body" sz="half" idx="4294967295"/>
+          </p:nvPr>
+        </p:nvSpPr>
+        <p:spPr>
+          <a:xfrm>
+            <a:off x="3199181" y="762759"/>
+            <a:ext cx="5486400" cy="268288"/>
+          </a:xfrm>
+        </p:spPr>
+        <p:txBody>
+          <a:bodyPr>
+            <a:noAutofit/>
+          </a:bodyPr>
+          <a:lstStyle/>
+          <a:p>
+            <a:pPr marL="0" indent="0" algn="ctr">
+              <a:buNone/>
+            </a:pPr>
+            <a:r>
+              <a:rPr lang="zh-TW" altLang="en-US" sz="1600" b="1" dirty="0">
+                <a:solidFill>
+                  <a:schemeClr val="bg2">
+                    <a:lumMod val="75000"/>
+                  </a:schemeClr>
+                </a:solidFill>
+                <a:latin typeface="Microsoft JhengHei" panose="020B0604030504040204" pitchFamily="34" charset="-120"/>
+                <a:ea typeface="Microsoft JhengHei" panose="020B0604030504040204" pitchFamily="34" charset="-120"/>
+              </a:rPr>
+              <a:t>共區分兩種情況</a:t>
+            </a:r>
+            <a:endParaRPr lang="en-US" sz="1600" b="1" dirty="0">
+              <a:solidFill>
+                <a:schemeClr val="bg2">
+                  <a:lumMod val="75000"/>
+                </a:schemeClr>
+              </a:solidFill>
+              <a:latin typeface="Microsoft JhengHei" panose="020B0604030504040204" pitchFamily="34" charset="-120"/>
+              <a:ea typeface="Microsoft JhengHei" panose="020B0604030504040204" pitchFamily="34" charset="-120"/>
+            </a:endParaRPr>
+          </a:p>
+        </p:txBody>
+      </p:sp>
+      <p:cxnSp>
+        <p:nvCxnSpPr>
+          <p:cNvPr id="113" name="Straight Connector 112"/>
+          <p:cNvCxnSpPr/>
+          <p:nvPr/>
+        </p:nvCxnSpPr>
+        <p:spPr>
+          <a:xfrm flipV="1">
+            <a:off x="6108700" y="1602901"/>
+            <a:ext cx="0" cy="4898473"/>
+          </a:xfrm>
+          <a:prstGeom prst="line">
+            <a:avLst/>
+          </a:prstGeom>
+          <a:ln w="19050">
+            <a:solidFill>
+              <a:schemeClr val="bg1">
+                <a:lumMod val="75000"/>
+              </a:schemeClr>
+            </a:solidFill>
+            <a:prstDash val="sysDot"/>
+            <a:headEnd type="diamond"/>
+            <a:tailEnd type="diamond"/>
+          </a:ln>
+        </p:spPr>
+        <p:style>
+          <a:lnRef idx="1">
+            <a:schemeClr val="accent1"/>
+          </a:lnRef>
+          <a:fillRef idx="0">
+            <a:schemeClr val="accent1"/>
+          </a:fillRef>
+          <a:effectRef idx="0">
+            <a:schemeClr val="accent1"/>
+          </a:effectRef>
+          <a:fontRef idx="minor">
+            <a:schemeClr val="tx1"/>
+          </a:fontRef>
+        </p:style>
+      </p:cxnSp>
+      <p:sp>
+        <p:nvSpPr>
+          <p:cNvPr id="122" name="Rounded Rectangle 121"/>
+          <p:cNvSpPr/>
+          <p:nvPr/>
+        </p:nvSpPr>
+        <p:spPr>
+          <a:xfrm>
+            <a:off x="6304492" y="3813047"/>
+            <a:ext cx="5069416" cy="2688327"/>
+          </a:xfrm>
+          <a:prstGeom prst="roundRect">
+            <a:avLst>
+              <a:gd name="adj" fmla="val 4437"/>
+            </a:avLst>
+          </a:prstGeom>
+          <a:solidFill>
+            <a:schemeClr val="accent1"/>
+          </a:solidFill>
+          <a:ln>
+            <a:noFill/>
+          </a:ln>
+        </p:spPr>
+        <p:style>
+          <a:lnRef idx="2">
+            <a:schemeClr val="accent1">
+              <a:shade val="50000"/>
+            </a:schemeClr>
+          </a:lnRef>
+          <a:fillRef idx="1">
+            <a:schemeClr val="accent1"/>
+          </a:fillRef>
+          <a:effectRef idx="0">
+            <a:schemeClr val="accent1"/>
+          </a:effectRef>
+          <a:fontRef idx="minor">
+            <a:schemeClr val="lt1"/>
+          </a:fontRef>
+        </p:style>
+        <p:txBody>
+          <a:bodyPr rtlCol="0" anchor="ctr"/>
+          <a:lstStyle/>
+          <a:p>
+            <a:pPr algn="ctr"/>
+            <a:endParaRPr lang="en-US" sz="2400" dirty="0">
+              <a:latin typeface="Microsoft JhengHei" panose="020B0604030504040204" pitchFamily="34" charset="-120"/>
+              <a:ea typeface="Microsoft JhengHei" panose="020B0604030504040204" pitchFamily="34" charset="-120"/>
+            </a:endParaRPr>
+          </a:p>
+        </p:txBody>
+      </p:sp>
+      <p:grpSp>
+        <p:nvGrpSpPr>
+          <p:cNvPr id="141" name="Group 140"/>
+          <p:cNvGrpSpPr/>
+          <p:nvPr/>
+        </p:nvGrpSpPr>
+        <p:grpSpPr>
+          <a:xfrm>
+            <a:off x="5511062" y="2340521"/>
+            <a:ext cx="1176651" cy="1176649"/>
+            <a:chOff x="3099936" y="1592431"/>
+            <a:chExt cx="1296169" cy="1296168"/>
+          </a:xfrm>
+        </p:grpSpPr>
+        <p:sp>
+          <p:nvSpPr>
+            <p:cNvPr id="142" name="Oval 141"/>
+            <p:cNvSpPr/>
+            <p:nvPr/>
+          </p:nvSpPr>
+          <p:spPr>
+            <a:xfrm>
+              <a:off x="3232436" y="1693149"/>
+              <a:ext cx="1094733" cy="1094733"/>
+            </a:xfrm>
+            <a:prstGeom prst="ellipse">
+              <a:avLst/>
+            </a:prstGeom>
+            <a:solidFill>
+              <a:schemeClr val="bg1"/>
+            </a:solidFill>
+            <a:ln>
+              <a:noFill/>
+            </a:ln>
+          </p:spPr>
+          <p:style>
+            <a:lnRef idx="2">
+              <a:schemeClr val="accent1">
+                <a:shade val="50000"/>
+              </a:schemeClr>
+            </a:lnRef>
+            <a:fillRef idx="1">
+              <a:schemeClr val="accent1"/>
+            </a:fillRef>
+            <a:effectRef idx="0">
+              <a:schemeClr val="accent1"/>
+            </a:effectRef>
+            <a:fontRef idx="minor">
+              <a:schemeClr val="lt1"/>
+            </a:fontRef>
+          </p:style>
+          <p:txBody>
+            <a:bodyPr rtlCol="0" anchor="ctr"/>
+            <a:lstStyle/>
+            <a:p>
+              <a:pPr algn="ctr"/>
+              <a:endParaRPr lang="en-US" sz="1600" dirty="0">
+                <a:solidFill>
+                  <a:schemeClr val="bg1"/>
+                </a:solidFill>
+                <a:latin typeface="Microsoft JhengHei" panose="020B0604030504040204" pitchFamily="34" charset="-120"/>
+                <a:ea typeface="Microsoft JhengHei" panose="020B0604030504040204" pitchFamily="34" charset="-120"/>
+              </a:endParaRPr>
+            </a:p>
+          </p:txBody>
+        </p:sp>
+        <p:sp>
+          <p:nvSpPr>
+            <p:cNvPr id="143" name="Pie 142"/>
+            <p:cNvSpPr/>
+            <p:nvPr/>
+          </p:nvSpPr>
+          <p:spPr>
+            <a:xfrm>
+              <a:off x="3099936" y="1592431"/>
+              <a:ext cx="1296169" cy="1296168"/>
+            </a:xfrm>
+            <a:prstGeom prst="pie">
+              <a:avLst>
+                <a:gd name="adj1" fmla="val 18949527"/>
+                <a:gd name="adj2" fmla="val 13584052"/>
+              </a:avLst>
+            </a:prstGeom>
+            <a:solidFill>
+              <a:schemeClr val="accent6">
+                <a:lumMod val="75000"/>
+              </a:schemeClr>
+            </a:solidFill>
+            <a:ln>
+              <a:noFill/>
+            </a:ln>
+          </p:spPr>
+          <p:style>
+            <a:lnRef idx="2">
+              <a:schemeClr val="accent1">
+                <a:shade val="50000"/>
+              </a:schemeClr>
+            </a:lnRef>
+            <a:fillRef idx="1">
+              <a:schemeClr val="accent1"/>
+            </a:fillRef>
+            <a:effectRef idx="0">
+              <a:schemeClr val="accent1"/>
+            </a:effectRef>
+            <a:fontRef idx="minor">
+              <a:schemeClr val="lt1"/>
+            </a:fontRef>
+          </p:style>
+          <p:txBody>
+            <a:bodyPr rtlCol="0" anchor="ctr"/>
+            <a:lstStyle/>
+            <a:p>
+              <a:pPr algn="ctr"/>
+              <a:endParaRPr lang="en-US" sz="2400" dirty="0">
+                <a:solidFill>
+                  <a:schemeClr val="bg1"/>
+                </a:solidFill>
+                <a:latin typeface="Microsoft JhengHei" panose="020B0604030504040204" pitchFamily="34" charset="-120"/>
+                <a:ea typeface="Microsoft JhengHei" panose="020B0604030504040204" pitchFamily="34" charset="-120"/>
+              </a:endParaRPr>
+            </a:p>
+          </p:txBody>
+        </p:sp>
+        <p:sp>
+          <p:nvSpPr>
+            <p:cNvPr id="144" name="TextBox 143"/>
+            <p:cNvSpPr txBox="1"/>
+            <p:nvPr/>
+          </p:nvSpPr>
+          <p:spPr>
+            <a:xfrm>
+              <a:off x="3519888" y="2374934"/>
+              <a:ext cx="489215" cy="271231"/>
+            </a:xfrm>
+            <a:prstGeom prst="rect">
+              <a:avLst/>
+            </a:prstGeom>
+            <a:noFill/>
+          </p:spPr>
+          <p:txBody>
+            <a:bodyPr wrap="square" lIns="0" tIns="0" rIns="0" bIns="0" rtlCol="0">
+              <a:spAutoFit/>
+            </a:bodyPr>
+            <a:lstStyle/>
+            <a:p>
+              <a:pPr algn="ctr"/>
+              <a:r>
+                <a:rPr lang="en-US" sz="1600" b="1" dirty="0">
+                  <a:solidFill>
+                    <a:schemeClr val="bg1"/>
+                  </a:solidFill>
+                  <a:latin typeface="Microsoft JhengHei" panose="020B0604030504040204" pitchFamily="34" charset="-120"/>
+                  <a:ea typeface="Microsoft JhengHei" panose="020B0604030504040204" pitchFamily="34" charset="-120"/>
+                </a:rPr>
+                <a:t>79%</a:t>
+              </a:r>
+            </a:p>
+          </p:txBody>
+        </p:sp>
+      </p:grpSp>
+      <p:grpSp>
+        <p:nvGrpSpPr>
+          <p:cNvPr id="137" name="Group 136"/>
+          <p:cNvGrpSpPr/>
+          <p:nvPr/>
+        </p:nvGrpSpPr>
+        <p:grpSpPr>
+          <a:xfrm>
+            <a:off x="5510527" y="2321665"/>
+            <a:ext cx="1176651" cy="1176649"/>
+            <a:chOff x="2956417" y="-582830"/>
+            <a:chExt cx="1296169" cy="1296168"/>
+          </a:xfrm>
+        </p:grpSpPr>
+        <p:sp>
+          <p:nvSpPr>
+            <p:cNvPr id="139" name="Pie 138"/>
+            <p:cNvSpPr/>
+            <p:nvPr/>
+          </p:nvSpPr>
+          <p:spPr>
+            <a:xfrm>
+              <a:off x="2956417" y="-582830"/>
+              <a:ext cx="1296169" cy="1296168"/>
+            </a:xfrm>
+            <a:prstGeom prst="pie">
+              <a:avLst>
+                <a:gd name="adj1" fmla="val 13740566"/>
+                <a:gd name="adj2" fmla="val 18835019"/>
+              </a:avLst>
+            </a:prstGeom>
+            <a:solidFill>
+              <a:schemeClr val="accent1">
+                <a:lumMod val="50000"/>
+              </a:schemeClr>
+            </a:solidFill>
+            <a:ln>
+              <a:noFill/>
+            </a:ln>
+          </p:spPr>
+          <p:style>
+            <a:lnRef idx="2">
+              <a:schemeClr val="accent1">
+                <a:shade val="50000"/>
+              </a:schemeClr>
+            </a:lnRef>
+            <a:fillRef idx="1">
+              <a:schemeClr val="accent1"/>
+            </a:fillRef>
+            <a:effectRef idx="0">
+              <a:schemeClr val="accent1"/>
+            </a:effectRef>
+            <a:fontRef idx="minor">
+              <a:schemeClr val="lt1"/>
+            </a:fontRef>
+          </p:style>
+          <p:txBody>
+            <a:bodyPr rtlCol="0" anchor="ctr"/>
+            <a:lstStyle/>
+            <a:p>
+              <a:pPr algn="ctr"/>
+              <a:endParaRPr lang="en-US" sz="2400" dirty="0">
+                <a:solidFill>
+                  <a:schemeClr val="bg1"/>
+                </a:solidFill>
+                <a:latin typeface="Microsoft JhengHei" panose="020B0604030504040204" pitchFamily="34" charset="-120"/>
+                <a:ea typeface="Microsoft JhengHei" panose="020B0604030504040204" pitchFamily="34" charset="-120"/>
+              </a:endParaRPr>
+            </a:p>
+          </p:txBody>
+        </p:sp>
+        <p:sp>
+          <p:nvSpPr>
+            <p:cNvPr id="140" name="TextBox 139"/>
+            <p:cNvSpPr txBox="1"/>
+            <p:nvPr/>
+          </p:nvSpPr>
+          <p:spPr>
+            <a:xfrm>
+              <a:off x="3374472" y="-496614"/>
+              <a:ext cx="489215" cy="271231"/>
+            </a:xfrm>
+            <a:prstGeom prst="rect">
+              <a:avLst/>
+            </a:prstGeom>
+            <a:noFill/>
+          </p:spPr>
+          <p:txBody>
+            <a:bodyPr wrap="square" lIns="0" tIns="0" rIns="0" bIns="0" rtlCol="0">
+              <a:spAutoFit/>
+            </a:bodyPr>
+            <a:lstStyle/>
+            <a:p>
+              <a:pPr algn="ctr"/>
+              <a:r>
+                <a:rPr lang="en-US" sz="1600" b="1" dirty="0">
+                  <a:solidFill>
+                    <a:schemeClr val="bg1"/>
+                  </a:solidFill>
+                  <a:latin typeface="Microsoft JhengHei" panose="020B0604030504040204" pitchFamily="34" charset="-120"/>
+                  <a:ea typeface="Microsoft JhengHei" panose="020B0604030504040204" pitchFamily="34" charset="-120"/>
+                </a:rPr>
+                <a:t>21%</a:t>
+              </a:r>
+            </a:p>
+          </p:txBody>
+        </p:sp>
+      </p:grpSp>
+      <p:grpSp>
+        <p:nvGrpSpPr>
+          <p:cNvPr id="145" name="Group 120"/>
+          <p:cNvGrpSpPr/>
+          <p:nvPr/>
+        </p:nvGrpSpPr>
+        <p:grpSpPr>
+          <a:xfrm flipH="1">
+            <a:off x="6439491" y="2011228"/>
+            <a:ext cx="1364777" cy="496054"/>
+            <a:chOff x="969865" y="3118685"/>
+            <a:chExt cx="1060073" cy="385305"/>
+          </a:xfrm>
+        </p:grpSpPr>
+        <p:cxnSp>
+          <p:nvCxnSpPr>
+            <p:cNvPr id="146" name="Straight Connector 145"/>
+            <p:cNvCxnSpPr/>
+            <p:nvPr/>
+          </p:nvCxnSpPr>
+          <p:spPr>
+            <a:xfrm flipH="1">
+              <a:off x="969865" y="3118685"/>
+              <a:ext cx="263330" cy="385305"/>
+            </a:xfrm>
+            <a:prstGeom prst="line">
+              <a:avLst/>
+            </a:prstGeom>
+            <a:ln w="12700">
+              <a:solidFill>
+                <a:schemeClr val="accent1"/>
+              </a:solidFill>
+              <a:prstDash val="sysDot"/>
+              <a:headEnd type="none"/>
+              <a:tailEnd type="oval"/>
+            </a:ln>
+          </p:spPr>
+          <p:style>
+            <a:lnRef idx="1">
+              <a:schemeClr val="accent1"/>
+            </a:lnRef>
+            <a:fillRef idx="0">
+              <a:schemeClr val="accent1"/>
+            </a:fillRef>
+            <a:effectRef idx="0">
+              <a:schemeClr val="accent1"/>
+            </a:effectRef>
+            <a:fontRef idx="minor">
+              <a:schemeClr val="tx1"/>
+            </a:fontRef>
+          </p:style>
+        </p:cxnSp>
+        <p:cxnSp>
+          <p:nvCxnSpPr>
+            <p:cNvPr id="147" name="Straight Connector 146"/>
+            <p:cNvCxnSpPr/>
+            <p:nvPr/>
+          </p:nvCxnSpPr>
+          <p:spPr>
+            <a:xfrm flipH="1">
+              <a:off x="1233196" y="3118685"/>
+              <a:ext cx="750509" cy="0"/>
+            </a:xfrm>
+            <a:prstGeom prst="line">
+              <a:avLst/>
+            </a:prstGeom>
+            <a:ln w="12700">
+              <a:solidFill>
+                <a:schemeClr val="accent1"/>
+              </a:solidFill>
+              <a:prstDash val="sysDot"/>
+            </a:ln>
+          </p:spPr>
+          <p:style>
+            <a:lnRef idx="1">
+              <a:schemeClr val="accent1"/>
+            </a:lnRef>
+            <a:fillRef idx="0">
+              <a:schemeClr val="accent1"/>
+            </a:fillRef>
+            <a:effectRef idx="0">
+              <a:schemeClr val="accent1"/>
+            </a:effectRef>
+            <a:fontRef idx="minor">
+              <a:schemeClr val="tx1"/>
+            </a:fontRef>
+          </p:style>
+        </p:cxnSp>
+        <p:sp>
+          <p:nvSpPr>
+            <p:cNvPr id="148" name="Text Placeholder 3"/>
+            <p:cNvSpPr txBox="1">
+              <a:spLocks/>
+            </p:cNvSpPr>
+            <p:nvPr/>
+          </p:nvSpPr>
+          <p:spPr>
+            <a:xfrm>
+              <a:off x="1290340" y="3162304"/>
+              <a:ext cx="739598" cy="286875"/>
+            </a:xfrm>
+            <a:prstGeom prst="rect">
+              <a:avLst/>
+            </a:prstGeom>
+          </p:spPr>
+          <p:txBody>
+            <a:bodyPr wrap="none" lIns="0" tIns="0" rIns="0" bIns="0" anchor="ctr" anchorCtr="0">
+              <a:spAutoFit/>
+            </a:bodyPr>
+            <a:lstStyle>
+              <a:lvl1pPr marL="0" indent="0" algn="ctr">
+                <a:buNone/>
+                <a:defRPr sz="1400" baseline="0">
+                  <a:solidFill>
+                    <a:schemeClr val="tx1">
+                      <a:lumMod val="95000"/>
+                      <a:lumOff val="5000"/>
+                    </a:schemeClr>
+                  </a:solidFill>
+                </a:defRPr>
+              </a:lvl1pPr>
+              <a:lvl2pPr marL="457200" indent="0">
+                <a:buNone/>
+                <a:defRPr sz="1200"/>
+              </a:lvl2pPr>
+              <a:lvl3pPr marL="914400" indent="0">
+                <a:buNone/>
+                <a:defRPr sz="1000"/>
+              </a:lvl3pPr>
+              <a:lvl4pPr marL="1371600" indent="0">
+                <a:buNone/>
+                <a:defRPr sz="900"/>
+              </a:lvl4pPr>
+              <a:lvl5pPr marL="1828800" indent="0">
+                <a:buNone/>
+                <a:defRPr sz="900"/>
+              </a:lvl5pPr>
+              <a:lvl6pPr marL="2286000" indent="0">
+                <a:buNone/>
+                <a:defRPr sz="900"/>
+              </a:lvl6pPr>
+              <a:lvl7pPr marL="2743200" indent="0">
+                <a:buNone/>
+                <a:defRPr sz="900"/>
+              </a:lvl7pPr>
+              <a:lvl8pPr marL="3200400" indent="0">
+                <a:buNone/>
+                <a:defRPr sz="900"/>
+              </a:lvl8pPr>
+              <a:lvl9pPr marL="3657600" indent="0">
+                <a:buNone/>
+                <a:defRPr sz="900"/>
+              </a:lvl9pPr>
+            </a:lstStyle>
+            <a:p>
+              <a:pPr defTabSz="1219170">
+                <a:spcBef>
+                  <a:spcPct val="20000"/>
+                </a:spcBef>
+                <a:defRPr/>
+              </a:pPr>
+              <a:r>
+                <a:rPr lang="en-US" sz="2400" b="1" dirty="0">
+                  <a:solidFill>
+                    <a:schemeClr val="accent1"/>
+                  </a:solidFill>
+                  <a:latin typeface="Microsoft JhengHei" panose="020B0604030504040204" pitchFamily="34" charset="-120"/>
+                  <a:ea typeface="Microsoft JhengHei" panose="020B0604030504040204" pitchFamily="34" charset="-120"/>
+                </a:rPr>
+                <a:t>Dt&lt;10</a:t>
+              </a:r>
+            </a:p>
+          </p:txBody>
+        </p:sp>
+      </p:grpSp>
+      <p:sp>
+        <p:nvSpPr>
+          <p:cNvPr id="155" name="Text Placeholder 3"/>
+          <p:cNvSpPr txBox="1">
+            <a:spLocks/>
+          </p:cNvSpPr>
+          <p:nvPr/>
+        </p:nvSpPr>
+        <p:spPr>
+          <a:xfrm>
+            <a:off x="1550648" y="4679822"/>
+            <a:ext cx="2894256" cy="246221"/>
+          </a:xfrm>
+          <a:prstGeom prst="rect">
+            <a:avLst/>
+          </a:prstGeom>
+        </p:spPr>
+        <p:txBody>
+          <a:bodyPr wrap="square" lIns="0" tIns="0" rIns="0" bIns="0" anchor="t" anchorCtr="0">
+            <a:spAutoFit/>
+          </a:bodyPr>
+          <a:lstStyle>
+            <a:lvl1pPr marL="0" indent="0" algn="ctr">
+              <a:buNone/>
+              <a:defRPr sz="1600" baseline="0">
+                <a:solidFill>
+                  <a:schemeClr val="tx1">
+                    <a:lumMod val="95000"/>
+                    <a:lumOff val="5000"/>
+                  </a:schemeClr>
+                </a:solidFill>
+              </a:defRPr>
+            </a:lvl1pPr>
+            <a:lvl2pPr marL="457200" indent="0">
+              <a:buNone/>
+              <a:defRPr sz="1200"/>
+            </a:lvl2pPr>
+            <a:lvl3pPr marL="914400" indent="0">
+              <a:buNone/>
+              <a:defRPr sz="1000"/>
+            </a:lvl3pPr>
+            <a:lvl4pPr marL="1371600" indent="0">
+              <a:buNone/>
+              <a:defRPr sz="900"/>
+            </a:lvl4pPr>
+            <a:lvl5pPr marL="1828800" indent="0">
+              <a:buNone/>
+              <a:defRPr sz="900"/>
+            </a:lvl5pPr>
+            <a:lvl6pPr marL="2286000" indent="0">
+              <a:buNone/>
+              <a:defRPr sz="900"/>
+            </a:lvl6pPr>
+            <a:lvl7pPr marL="2743200" indent="0">
+              <a:buNone/>
+              <a:defRPr sz="900"/>
+            </a:lvl7pPr>
+            <a:lvl8pPr marL="3200400" indent="0">
+              <a:buNone/>
+              <a:defRPr sz="900"/>
+            </a:lvl8pPr>
+            <a:lvl9pPr marL="3657600" indent="0">
+              <a:buNone/>
+              <a:defRPr sz="900"/>
+            </a:lvl9pPr>
+          </a:lstStyle>
+          <a:p>
+            <a:pPr algn="l"/>
+            <a:r>
+              <a:rPr lang="zh-TW" altLang="en-US" dirty="0">
+                <a:solidFill>
+                  <a:schemeClr val="bg1"/>
+                </a:solidFill>
+                <a:latin typeface="Microsoft JhengHei" panose="020B0604030504040204" pitchFamily="34" charset="-120"/>
+                <a:ea typeface="Microsoft JhengHei" panose="020B0604030504040204" pitchFamily="34" charset="-120"/>
+              </a:rPr>
+              <a:t>使用 </a:t>
+            </a:r>
+            <a:r>
+              <a:rPr lang="en-US" altLang="zh-TW" dirty="0">
+                <a:solidFill>
+                  <a:schemeClr val="bg1"/>
+                </a:solidFill>
+                <a:latin typeface="Microsoft JhengHei" panose="020B0604030504040204" pitchFamily="34" charset="-120"/>
+                <a:ea typeface="Microsoft JhengHei" panose="020B0604030504040204" pitchFamily="34" charset="-120"/>
+              </a:rPr>
+              <a:t>HW4</a:t>
+            </a:r>
+            <a:r>
+              <a:rPr lang="zh-TW" altLang="en-US" dirty="0">
+                <a:solidFill>
+                  <a:schemeClr val="bg1"/>
+                </a:solidFill>
+                <a:latin typeface="Microsoft JhengHei" panose="020B0604030504040204" pitchFamily="34" charset="-120"/>
+                <a:ea typeface="Microsoft JhengHei" panose="020B0604030504040204" pitchFamily="34" charset="-120"/>
+              </a:rPr>
+              <a:t> 模型為原型</a:t>
+            </a:r>
+            <a:endParaRPr lang="en-US" dirty="0">
+              <a:solidFill>
+                <a:schemeClr val="bg1"/>
+              </a:solidFill>
+              <a:latin typeface="Microsoft JhengHei" panose="020B0604030504040204" pitchFamily="34" charset="-120"/>
+              <a:ea typeface="Microsoft JhengHei" panose="020B0604030504040204" pitchFamily="34" charset="-120"/>
+            </a:endParaRPr>
+          </a:p>
+        </p:txBody>
+      </p:sp>
+      <p:grpSp>
+        <p:nvGrpSpPr>
+          <p:cNvPr id="179" name="Group 178"/>
+          <p:cNvGrpSpPr/>
+          <p:nvPr/>
+        </p:nvGrpSpPr>
+        <p:grpSpPr>
+          <a:xfrm>
+            <a:off x="958196" y="3889856"/>
+            <a:ext cx="4878912" cy="504947"/>
+            <a:chOff x="718647" y="2917392"/>
+            <a:chExt cx="3659184" cy="378710"/>
+          </a:xfrm>
+        </p:grpSpPr>
+        <p:sp>
+          <p:nvSpPr>
+            <p:cNvPr id="168" name="Rounded Rectangle 167"/>
+            <p:cNvSpPr/>
+            <p:nvPr/>
+          </p:nvSpPr>
+          <p:spPr>
+            <a:xfrm>
+              <a:off x="718647" y="2917392"/>
+              <a:ext cx="3659184" cy="378710"/>
+            </a:xfrm>
+            <a:prstGeom prst="roundRect">
+              <a:avLst/>
+            </a:prstGeom>
+            <a:solidFill>
+              <a:schemeClr val="accent6">
+                <a:lumMod val="50000"/>
+              </a:schemeClr>
+            </a:solidFill>
+            <a:ln>
+              <a:noFill/>
+            </a:ln>
+          </p:spPr>
+          <p:style>
+            <a:lnRef idx="2">
+              <a:schemeClr val="accent1">
+                <a:shade val="50000"/>
+              </a:schemeClr>
+            </a:lnRef>
+            <a:fillRef idx="1">
+              <a:schemeClr val="accent1"/>
+            </a:fillRef>
+            <a:effectRef idx="0">
+              <a:schemeClr val="accent1"/>
+            </a:effectRef>
+            <a:fontRef idx="minor">
+              <a:schemeClr val="lt1"/>
+            </a:fontRef>
+          </p:style>
+          <p:txBody>
+            <a:bodyPr rtlCol="0" anchor="ctr"/>
+            <a:lstStyle/>
+            <a:p>
+              <a:pPr algn="ctr"/>
+              <a:endParaRPr lang="en-US" sz="2400" dirty="0">
+                <a:solidFill>
+                  <a:schemeClr val="bg1"/>
+                </a:solidFill>
+                <a:latin typeface="Microsoft JhengHei" panose="020B0604030504040204" pitchFamily="34" charset="-120"/>
+                <a:ea typeface="Microsoft JhengHei" panose="020B0604030504040204" pitchFamily="34" charset="-120"/>
+              </a:endParaRPr>
+            </a:p>
+          </p:txBody>
+        </p:sp>
+        <p:sp>
+          <p:nvSpPr>
+            <p:cNvPr id="167" name="Rectangle 166"/>
+            <p:cNvSpPr/>
+            <p:nvPr/>
+          </p:nvSpPr>
+          <p:spPr>
+            <a:xfrm>
+              <a:off x="2237456" y="2961491"/>
+              <a:ext cx="621565" cy="276999"/>
+            </a:xfrm>
+            <a:prstGeom prst="rect">
+              <a:avLst/>
+            </a:prstGeom>
+          </p:spPr>
+          <p:txBody>
+            <a:bodyPr wrap="none" lIns="0" tIns="0" rIns="0" bIns="0">
+              <a:spAutoFit/>
+            </a:bodyPr>
+            <a:lstStyle/>
+            <a:p>
+              <a:pPr algn="ctr"/>
+              <a:r>
+                <a:rPr lang="en-US" sz="2400" b="1" dirty="0">
+                  <a:solidFill>
+                    <a:schemeClr val="bg1"/>
+                  </a:solidFill>
+                  <a:latin typeface="Microsoft JhengHei" panose="020B0604030504040204" pitchFamily="34" charset="-120"/>
+                  <a:ea typeface="Microsoft JhengHei" panose="020B0604030504040204" pitchFamily="34" charset="-120"/>
+                </a:rPr>
+                <a:t>LSTM</a:t>
+              </a:r>
+            </a:p>
+          </p:txBody>
+        </p:sp>
+      </p:grpSp>
+      <p:sp>
+        <p:nvSpPr>
+          <p:cNvPr id="169" name="Rounded Rectangle 168"/>
+          <p:cNvSpPr/>
+          <p:nvPr/>
+        </p:nvSpPr>
+        <p:spPr>
+          <a:xfrm>
+            <a:off x="6399744" y="3889856"/>
+            <a:ext cx="4878912" cy="504947"/>
+          </a:xfrm>
+          <a:prstGeom prst="roundRect">
+            <a:avLst/>
+          </a:prstGeom>
+          <a:solidFill>
+            <a:schemeClr val="accent1">
+              <a:lumMod val="50000"/>
+            </a:schemeClr>
+          </a:solidFill>
+          <a:ln>
+            <a:noFill/>
+          </a:ln>
+        </p:spPr>
+        <p:style>
+          <a:lnRef idx="2">
+            <a:schemeClr val="accent1">
+              <a:shade val="50000"/>
+            </a:schemeClr>
+          </a:lnRef>
+          <a:fillRef idx="1">
+            <a:schemeClr val="accent1"/>
+          </a:fillRef>
+          <a:effectRef idx="0">
+            <a:schemeClr val="accent1"/>
+          </a:effectRef>
+          <a:fontRef idx="minor">
+            <a:schemeClr val="lt1"/>
+          </a:fontRef>
+        </p:style>
+        <p:txBody>
+          <a:bodyPr rtlCol="0" anchor="ctr"/>
+          <a:lstStyle/>
+          <a:p>
+            <a:pPr algn="ctr"/>
+            <a:endParaRPr lang="en-US" sz="2400" dirty="0">
+              <a:solidFill>
+                <a:schemeClr val="bg1"/>
+              </a:solidFill>
+              <a:latin typeface="Microsoft JhengHei" panose="020B0604030504040204" pitchFamily="34" charset="-120"/>
+              <a:ea typeface="Microsoft JhengHei" panose="020B0604030504040204" pitchFamily="34" charset="-120"/>
+            </a:endParaRPr>
+          </a:p>
+        </p:txBody>
+      </p:sp>
+      <p:sp>
+        <p:nvSpPr>
+          <p:cNvPr id="178" name="TextBox 177"/>
+          <p:cNvSpPr txBox="1"/>
+          <p:nvPr/>
+        </p:nvSpPr>
+        <p:spPr>
+          <a:xfrm>
+            <a:off x="4478771" y="4901034"/>
+            <a:ext cx="1154163" cy="276999"/>
+          </a:xfrm>
+          <a:prstGeom prst="rect">
+            <a:avLst/>
+          </a:prstGeom>
+          <a:noFill/>
+        </p:spPr>
+        <p:txBody>
+          <a:bodyPr wrap="none" lIns="0" tIns="0" rIns="0" bIns="0" rtlCol="0">
+            <a:spAutoFit/>
+          </a:bodyPr>
+          <a:lstStyle/>
+          <a:p>
+            <a:pPr algn="ctr"/>
+            <a:r>
+              <a:rPr lang="zh-TW" altLang="en-US" b="1" dirty="0">
+                <a:solidFill>
+                  <a:schemeClr val="bg1"/>
+                </a:solidFill>
+                <a:latin typeface="Microsoft JhengHei" panose="020B0604030504040204" pitchFamily="34" charset="-120"/>
+                <a:ea typeface="Microsoft JhengHei" panose="020B0604030504040204" pitchFamily="34" charset="-120"/>
+              </a:rPr>
+              <a:t>有消費月份</a:t>
+            </a:r>
+            <a:endParaRPr lang="en-US" b="1" dirty="0">
+              <a:solidFill>
+                <a:schemeClr val="bg1"/>
+              </a:solidFill>
+              <a:latin typeface="Microsoft JhengHei" panose="020B0604030504040204" pitchFamily="34" charset="-120"/>
+              <a:ea typeface="Microsoft JhengHei" panose="020B0604030504040204" pitchFamily="34" charset="-120"/>
+            </a:endParaRPr>
+          </a:p>
+        </p:txBody>
+      </p:sp>
+      <p:sp>
+        <p:nvSpPr>
+          <p:cNvPr id="84" name="Freeform 45"/>
+          <p:cNvSpPr>
+            <a:spLocks noEditPoints="1"/>
+          </p:cNvSpPr>
+          <p:nvPr/>
+        </p:nvSpPr>
+        <p:spPr bwMode="auto">
+          <a:xfrm>
+            <a:off x="1059215" y="4614036"/>
+            <a:ext cx="414624" cy="414624"/>
+          </a:xfrm>
+          <a:custGeom>
+            <a:avLst/>
+            <a:gdLst/>
+            <a:ahLst/>
+            <a:cxnLst>
+              <a:cxn ang="0">
+                <a:pos x="27" y="55"/>
+              </a:cxn>
+              <a:cxn ang="0">
+                <a:pos x="0" y="27"/>
+              </a:cxn>
+              <a:cxn ang="0">
+                <a:pos x="27" y="0"/>
+              </a:cxn>
+              <a:cxn ang="0">
+                <a:pos x="55" y="27"/>
+              </a:cxn>
+              <a:cxn ang="0">
+                <a:pos x="27" y="55"/>
+              </a:cxn>
+              <a:cxn ang="0">
+                <a:pos x="45" y="20"/>
+              </a:cxn>
+              <a:cxn ang="0">
+                <a:pos x="42" y="17"/>
+              </a:cxn>
+              <a:cxn ang="0">
+                <a:pos x="40" y="16"/>
+              </a:cxn>
+              <a:cxn ang="0">
+                <a:pos x="38" y="17"/>
+              </a:cxn>
+              <a:cxn ang="0">
+                <a:pos x="24" y="31"/>
+              </a:cxn>
+              <a:cxn ang="0">
+                <a:pos x="16" y="23"/>
+              </a:cxn>
+              <a:cxn ang="0">
+                <a:pos x="14" y="22"/>
+              </a:cxn>
+              <a:cxn ang="0">
+                <a:pos x="13" y="23"/>
+              </a:cxn>
+              <a:cxn ang="0">
+                <a:pos x="9" y="26"/>
+              </a:cxn>
+              <a:cxn ang="0">
+                <a:pos x="9" y="28"/>
+              </a:cxn>
+              <a:cxn ang="0">
+                <a:pos x="9" y="30"/>
+              </a:cxn>
+              <a:cxn ang="0">
+                <a:pos x="22" y="43"/>
+              </a:cxn>
+              <a:cxn ang="0">
+                <a:pos x="24" y="43"/>
+              </a:cxn>
+              <a:cxn ang="0">
+                <a:pos x="26" y="43"/>
+              </a:cxn>
+              <a:cxn ang="0">
+                <a:pos x="45" y="23"/>
+              </a:cxn>
+              <a:cxn ang="0">
+                <a:pos x="46" y="22"/>
+              </a:cxn>
+              <a:cxn ang="0">
+                <a:pos x="45" y="20"/>
+              </a:cxn>
+            </a:cxnLst>
+            <a:rect l="0" t="0" r="r" b="b"/>
+            <a:pathLst>
+              <a:path w="55" h="55">
+                <a:moveTo>
+                  <a:pt x="27" y="55"/>
+                </a:moveTo>
+                <a:cubicBezTo>
+                  <a:pt x="12" y="55"/>
+                  <a:pt x="0" y="42"/>
+                  <a:pt x="0" y="27"/>
+                </a:cubicBezTo>
+                <a:cubicBezTo>
+                  <a:pt x="0" y="12"/>
+                  <a:pt x="12" y="0"/>
+                  <a:pt x="27" y="0"/>
+                </a:cubicBezTo>
+                <a:cubicBezTo>
+                  <a:pt x="42" y="0"/>
+                  <a:pt x="55" y="12"/>
+                  <a:pt x="55" y="27"/>
+                </a:cubicBezTo>
+                <a:cubicBezTo>
+                  <a:pt x="55" y="42"/>
+                  <a:pt x="42" y="55"/>
+                  <a:pt x="27" y="55"/>
+                </a:cubicBezTo>
+                <a:close/>
+                <a:moveTo>
+                  <a:pt x="45" y="20"/>
+                </a:moveTo>
+                <a:cubicBezTo>
+                  <a:pt x="42" y="17"/>
+                  <a:pt x="42" y="17"/>
+                  <a:pt x="42" y="17"/>
+                </a:cubicBezTo>
+                <a:cubicBezTo>
+                  <a:pt x="41" y="16"/>
+                  <a:pt x="41" y="16"/>
+                  <a:pt x="40" y="16"/>
+                </a:cubicBezTo>
+                <a:cubicBezTo>
+                  <a:pt x="39" y="16"/>
+                  <a:pt x="39" y="16"/>
+                  <a:pt x="38" y="17"/>
+                </a:cubicBezTo>
+                <a:cubicBezTo>
+                  <a:pt x="24" y="31"/>
+                  <a:pt x="24" y="31"/>
+                  <a:pt x="24" y="31"/>
+                </a:cubicBezTo>
+                <a:cubicBezTo>
+                  <a:pt x="16" y="23"/>
+                  <a:pt x="16" y="23"/>
+                  <a:pt x="16" y="23"/>
+                </a:cubicBezTo>
+                <a:cubicBezTo>
+                  <a:pt x="15" y="23"/>
+                  <a:pt x="15" y="22"/>
+                  <a:pt x="14" y="22"/>
+                </a:cubicBezTo>
+                <a:cubicBezTo>
+                  <a:pt x="14" y="22"/>
+                  <a:pt x="13" y="23"/>
+                  <a:pt x="13" y="23"/>
+                </a:cubicBezTo>
+                <a:cubicBezTo>
+                  <a:pt x="9" y="26"/>
+                  <a:pt x="9" y="26"/>
+                  <a:pt x="9" y="26"/>
+                </a:cubicBezTo>
+                <a:cubicBezTo>
+                  <a:pt x="9" y="27"/>
+                  <a:pt x="9" y="27"/>
+                  <a:pt x="9" y="28"/>
+                </a:cubicBezTo>
+                <a:cubicBezTo>
+                  <a:pt x="9" y="29"/>
+                  <a:pt x="9" y="29"/>
+                  <a:pt x="9" y="30"/>
+                </a:cubicBezTo>
+                <a:cubicBezTo>
+                  <a:pt x="22" y="43"/>
+                  <a:pt x="22" y="43"/>
+                  <a:pt x="22" y="43"/>
+                </a:cubicBezTo>
+                <a:cubicBezTo>
+                  <a:pt x="23" y="43"/>
+                  <a:pt x="23" y="43"/>
+                  <a:pt x="24" y="43"/>
+                </a:cubicBezTo>
+                <a:cubicBezTo>
+                  <a:pt x="25" y="43"/>
+                  <a:pt x="25" y="43"/>
+                  <a:pt x="26" y="43"/>
+                </a:cubicBezTo>
+                <a:cubicBezTo>
+                  <a:pt x="45" y="23"/>
+                  <a:pt x="45" y="23"/>
+                  <a:pt x="45" y="23"/>
+                </a:cubicBezTo>
+                <a:cubicBezTo>
+                  <a:pt x="45" y="23"/>
+                  <a:pt x="46" y="22"/>
+                  <a:pt x="46" y="22"/>
+                </a:cubicBezTo>
+                <a:cubicBezTo>
+                  <a:pt x="46" y="21"/>
+                  <a:pt x="45" y="20"/>
+                  <a:pt x="45" y="20"/>
+                </a:cubicBezTo>
+                <a:close/>
+              </a:path>
+            </a:pathLst>
+          </a:custGeom>
+          <a:solidFill>
+            <a:schemeClr val="bg1"/>
+          </a:solidFill>
+          <a:ln w="9525">
+            <a:noFill/>
+            <a:round/>
+            <a:headEnd/>
+            <a:tailEnd/>
+          </a:ln>
+        </p:spPr>
+        <p:txBody>
+          <a:bodyPr vert="horz" wrap="square" lIns="121920" tIns="60960" rIns="121920" bIns="60960" numCol="1" anchor="t" anchorCtr="0" compatLnSpc="1">
+            <a:prstTxWarp prst="textNoShape">
+              <a:avLst/>
+            </a:prstTxWarp>
+          </a:bodyPr>
+          <a:lstStyle/>
+          <a:p>
+            <a:endParaRPr lang="en-US" sz="2400">
+              <a:latin typeface="Microsoft JhengHei" panose="020B0604030504040204" pitchFamily="34" charset="-120"/>
+              <a:ea typeface="Microsoft JhengHei" panose="020B0604030504040204" pitchFamily="34" charset="-120"/>
+            </a:endParaRPr>
+          </a:p>
+        </p:txBody>
+      </p:sp>
+      <p:sp>
+        <p:nvSpPr>
+          <p:cNvPr id="85" name="Freeform 45"/>
+          <p:cNvSpPr>
+            <a:spLocks noEditPoints="1"/>
+          </p:cNvSpPr>
+          <p:nvPr/>
+        </p:nvSpPr>
+        <p:spPr bwMode="auto">
+          <a:xfrm>
+            <a:off x="1063469" y="5198285"/>
+            <a:ext cx="414624" cy="414624"/>
+          </a:xfrm>
+          <a:custGeom>
+            <a:avLst/>
+            <a:gdLst/>
+            <a:ahLst/>
+            <a:cxnLst>
+              <a:cxn ang="0">
+                <a:pos x="27" y="55"/>
+              </a:cxn>
+              <a:cxn ang="0">
+                <a:pos x="0" y="27"/>
+              </a:cxn>
+              <a:cxn ang="0">
+                <a:pos x="27" y="0"/>
+              </a:cxn>
+              <a:cxn ang="0">
+                <a:pos x="55" y="27"/>
+              </a:cxn>
+              <a:cxn ang="0">
+                <a:pos x="27" y="55"/>
+              </a:cxn>
+              <a:cxn ang="0">
+                <a:pos x="45" y="20"/>
+              </a:cxn>
+              <a:cxn ang="0">
+                <a:pos x="42" y="17"/>
+              </a:cxn>
+              <a:cxn ang="0">
+                <a:pos x="40" y="16"/>
+              </a:cxn>
+              <a:cxn ang="0">
+                <a:pos x="38" y="17"/>
+              </a:cxn>
+              <a:cxn ang="0">
+                <a:pos x="24" y="31"/>
+              </a:cxn>
+              <a:cxn ang="0">
+                <a:pos x="16" y="23"/>
+              </a:cxn>
+              <a:cxn ang="0">
+                <a:pos x="14" y="22"/>
+              </a:cxn>
+              <a:cxn ang="0">
+                <a:pos x="13" y="23"/>
+              </a:cxn>
+              <a:cxn ang="0">
+                <a:pos x="9" y="26"/>
+              </a:cxn>
+              <a:cxn ang="0">
+                <a:pos x="9" y="28"/>
+              </a:cxn>
+              <a:cxn ang="0">
+                <a:pos x="9" y="30"/>
+              </a:cxn>
+              <a:cxn ang="0">
+                <a:pos x="22" y="43"/>
+              </a:cxn>
+              <a:cxn ang="0">
+                <a:pos x="24" y="43"/>
+              </a:cxn>
+              <a:cxn ang="0">
+                <a:pos x="26" y="43"/>
+              </a:cxn>
+              <a:cxn ang="0">
+                <a:pos x="45" y="23"/>
+              </a:cxn>
+              <a:cxn ang="0">
+                <a:pos x="46" y="22"/>
+              </a:cxn>
+              <a:cxn ang="0">
+                <a:pos x="45" y="20"/>
+              </a:cxn>
+            </a:cxnLst>
+            <a:rect l="0" t="0" r="r" b="b"/>
+            <a:pathLst>
+              <a:path w="55" h="55">
+                <a:moveTo>
+                  <a:pt x="27" y="55"/>
+                </a:moveTo>
+                <a:cubicBezTo>
+                  <a:pt x="12" y="55"/>
+                  <a:pt x="0" y="42"/>
+                  <a:pt x="0" y="27"/>
+                </a:cubicBezTo>
+                <a:cubicBezTo>
+                  <a:pt x="0" y="12"/>
+                  <a:pt x="12" y="0"/>
+                  <a:pt x="27" y="0"/>
+                </a:cubicBezTo>
+                <a:cubicBezTo>
+                  <a:pt x="42" y="0"/>
+                  <a:pt x="55" y="12"/>
+                  <a:pt x="55" y="27"/>
+                </a:cubicBezTo>
+                <a:cubicBezTo>
+                  <a:pt x="55" y="42"/>
+                  <a:pt x="42" y="55"/>
+                  <a:pt x="27" y="55"/>
+                </a:cubicBezTo>
+                <a:close/>
+                <a:moveTo>
+                  <a:pt x="45" y="20"/>
+                </a:moveTo>
+                <a:cubicBezTo>
+                  <a:pt x="42" y="17"/>
+                  <a:pt x="42" y="17"/>
+                  <a:pt x="42" y="17"/>
+                </a:cubicBezTo>
+                <a:cubicBezTo>
+                  <a:pt x="41" y="16"/>
+                  <a:pt x="41" y="16"/>
+                  <a:pt x="40" y="16"/>
+                </a:cubicBezTo>
+                <a:cubicBezTo>
+                  <a:pt x="39" y="16"/>
+                  <a:pt x="39" y="16"/>
+                  <a:pt x="38" y="17"/>
+                </a:cubicBezTo>
+                <a:cubicBezTo>
+                  <a:pt x="24" y="31"/>
+                  <a:pt x="24" y="31"/>
+                  <a:pt x="24" y="31"/>
+                </a:cubicBezTo>
+                <a:cubicBezTo>
+                  <a:pt x="16" y="23"/>
+                  <a:pt x="16" y="23"/>
+                  <a:pt x="16" y="23"/>
+                </a:cubicBezTo>
+                <a:cubicBezTo>
+                  <a:pt x="15" y="23"/>
+                  <a:pt x="15" y="22"/>
+                  <a:pt x="14" y="22"/>
+                </a:cubicBezTo>
+                <a:cubicBezTo>
+                  <a:pt x="14" y="22"/>
+                  <a:pt x="13" y="23"/>
+                  <a:pt x="13" y="23"/>
+                </a:cubicBezTo>
+                <a:cubicBezTo>
+                  <a:pt x="9" y="26"/>
+                  <a:pt x="9" y="26"/>
+                  <a:pt x="9" y="26"/>
+                </a:cubicBezTo>
+                <a:cubicBezTo>
+                  <a:pt x="9" y="27"/>
+                  <a:pt x="9" y="27"/>
+                  <a:pt x="9" y="28"/>
+                </a:cubicBezTo>
+                <a:cubicBezTo>
+                  <a:pt x="9" y="29"/>
+                  <a:pt x="9" y="29"/>
+                  <a:pt x="9" y="30"/>
+                </a:cubicBezTo>
+                <a:cubicBezTo>
+                  <a:pt x="22" y="43"/>
+                  <a:pt x="22" y="43"/>
+                  <a:pt x="22" y="43"/>
+                </a:cubicBezTo>
+                <a:cubicBezTo>
+                  <a:pt x="23" y="43"/>
+                  <a:pt x="23" y="43"/>
+                  <a:pt x="24" y="43"/>
+                </a:cubicBezTo>
+                <a:cubicBezTo>
+                  <a:pt x="25" y="43"/>
+                  <a:pt x="25" y="43"/>
+                  <a:pt x="26" y="43"/>
+                </a:cubicBezTo>
+                <a:cubicBezTo>
+                  <a:pt x="45" y="23"/>
+                  <a:pt x="45" y="23"/>
+                  <a:pt x="45" y="23"/>
+                </a:cubicBezTo>
+                <a:cubicBezTo>
+                  <a:pt x="45" y="23"/>
+                  <a:pt x="46" y="22"/>
+                  <a:pt x="46" y="22"/>
+                </a:cubicBezTo>
+                <a:cubicBezTo>
+                  <a:pt x="46" y="21"/>
+                  <a:pt x="45" y="20"/>
+                  <a:pt x="45" y="20"/>
+                </a:cubicBezTo>
+                <a:close/>
+              </a:path>
+            </a:pathLst>
+          </a:custGeom>
+          <a:solidFill>
+            <a:schemeClr val="bg1"/>
+          </a:solidFill>
+          <a:ln w="9525">
+            <a:noFill/>
+            <a:round/>
+            <a:headEnd/>
+            <a:tailEnd/>
+          </a:ln>
+        </p:spPr>
+        <p:txBody>
+          <a:bodyPr vert="horz" wrap="square" lIns="121920" tIns="60960" rIns="121920" bIns="60960" numCol="1" anchor="t" anchorCtr="0" compatLnSpc="1">
+            <a:prstTxWarp prst="textNoShape">
+              <a:avLst/>
+            </a:prstTxWarp>
+          </a:bodyPr>
+          <a:lstStyle/>
+          <a:p>
+            <a:endParaRPr lang="en-US" sz="2400">
+              <a:latin typeface="Microsoft JhengHei" panose="020B0604030504040204" pitchFamily="34" charset="-120"/>
+              <a:ea typeface="Microsoft JhengHei" panose="020B0604030504040204" pitchFamily="34" charset="-120"/>
+            </a:endParaRPr>
+          </a:p>
+        </p:txBody>
+      </p:sp>
+      <p:sp>
+        <p:nvSpPr>
+          <p:cNvPr id="86" name="Freeform 45"/>
+          <p:cNvSpPr>
+            <a:spLocks noEditPoints="1"/>
+          </p:cNvSpPr>
+          <p:nvPr/>
+        </p:nvSpPr>
+        <p:spPr bwMode="auto">
+          <a:xfrm>
+            <a:off x="1063469" y="5773920"/>
+            <a:ext cx="414624" cy="414624"/>
+          </a:xfrm>
+          <a:custGeom>
+            <a:avLst/>
+            <a:gdLst/>
+            <a:ahLst/>
+            <a:cxnLst>
+              <a:cxn ang="0">
+                <a:pos x="27" y="55"/>
+              </a:cxn>
+              <a:cxn ang="0">
+                <a:pos x="0" y="27"/>
+              </a:cxn>
+              <a:cxn ang="0">
+                <a:pos x="27" y="0"/>
+              </a:cxn>
+              <a:cxn ang="0">
+                <a:pos x="55" y="27"/>
+              </a:cxn>
+              <a:cxn ang="0">
+                <a:pos x="27" y="55"/>
+              </a:cxn>
+              <a:cxn ang="0">
+                <a:pos x="45" y="20"/>
+              </a:cxn>
+              <a:cxn ang="0">
+                <a:pos x="42" y="17"/>
+              </a:cxn>
+              <a:cxn ang="0">
+                <a:pos x="40" y="16"/>
+              </a:cxn>
+              <a:cxn ang="0">
+                <a:pos x="38" y="17"/>
+              </a:cxn>
+              <a:cxn ang="0">
+                <a:pos x="24" y="31"/>
+              </a:cxn>
+              <a:cxn ang="0">
+                <a:pos x="16" y="23"/>
+              </a:cxn>
+              <a:cxn ang="0">
+                <a:pos x="14" y="22"/>
+              </a:cxn>
+              <a:cxn ang="0">
+                <a:pos x="13" y="23"/>
+              </a:cxn>
+              <a:cxn ang="0">
+                <a:pos x="9" y="26"/>
+              </a:cxn>
+              <a:cxn ang="0">
+                <a:pos x="9" y="28"/>
+              </a:cxn>
+              <a:cxn ang="0">
+                <a:pos x="9" y="30"/>
+              </a:cxn>
+              <a:cxn ang="0">
+                <a:pos x="22" y="43"/>
+              </a:cxn>
+              <a:cxn ang="0">
+                <a:pos x="24" y="43"/>
+              </a:cxn>
+              <a:cxn ang="0">
+                <a:pos x="26" y="43"/>
+              </a:cxn>
+              <a:cxn ang="0">
+                <a:pos x="45" y="23"/>
+              </a:cxn>
+              <a:cxn ang="0">
+                <a:pos x="46" y="22"/>
+              </a:cxn>
+              <a:cxn ang="0">
+                <a:pos x="45" y="20"/>
+              </a:cxn>
+            </a:cxnLst>
+            <a:rect l="0" t="0" r="r" b="b"/>
+            <a:pathLst>
+              <a:path w="55" h="55">
+                <a:moveTo>
+                  <a:pt x="27" y="55"/>
+                </a:moveTo>
+                <a:cubicBezTo>
+                  <a:pt x="12" y="55"/>
+                  <a:pt x="0" y="42"/>
+                  <a:pt x="0" y="27"/>
+                </a:cubicBezTo>
+                <a:cubicBezTo>
+                  <a:pt x="0" y="12"/>
+                  <a:pt x="12" y="0"/>
+                  <a:pt x="27" y="0"/>
+                </a:cubicBezTo>
+                <a:cubicBezTo>
+                  <a:pt x="42" y="0"/>
+                  <a:pt x="55" y="12"/>
+                  <a:pt x="55" y="27"/>
+                </a:cubicBezTo>
+                <a:cubicBezTo>
+                  <a:pt x="55" y="42"/>
+                  <a:pt x="42" y="55"/>
+                  <a:pt x="27" y="55"/>
+                </a:cubicBezTo>
+                <a:close/>
+                <a:moveTo>
+                  <a:pt x="45" y="20"/>
+                </a:moveTo>
+                <a:cubicBezTo>
+                  <a:pt x="42" y="17"/>
+                  <a:pt x="42" y="17"/>
+                  <a:pt x="42" y="17"/>
+                </a:cubicBezTo>
+                <a:cubicBezTo>
+                  <a:pt x="41" y="16"/>
+                  <a:pt x="41" y="16"/>
+                  <a:pt x="40" y="16"/>
+                </a:cubicBezTo>
+                <a:cubicBezTo>
+                  <a:pt x="39" y="16"/>
+                  <a:pt x="39" y="16"/>
+                  <a:pt x="38" y="17"/>
+                </a:cubicBezTo>
+                <a:cubicBezTo>
+                  <a:pt x="24" y="31"/>
+                  <a:pt x="24" y="31"/>
+                  <a:pt x="24" y="31"/>
+                </a:cubicBezTo>
+                <a:cubicBezTo>
+                  <a:pt x="16" y="23"/>
+                  <a:pt x="16" y="23"/>
+                  <a:pt x="16" y="23"/>
+                </a:cubicBezTo>
+                <a:cubicBezTo>
+                  <a:pt x="15" y="23"/>
+                  <a:pt x="15" y="22"/>
+                  <a:pt x="14" y="22"/>
+                </a:cubicBezTo>
+                <a:cubicBezTo>
+                  <a:pt x="14" y="22"/>
+                  <a:pt x="13" y="23"/>
+                  <a:pt x="13" y="23"/>
+                </a:cubicBezTo>
+                <a:cubicBezTo>
+                  <a:pt x="9" y="26"/>
+                  <a:pt x="9" y="26"/>
+                  <a:pt x="9" y="26"/>
+                </a:cubicBezTo>
+                <a:cubicBezTo>
+                  <a:pt x="9" y="27"/>
+                  <a:pt x="9" y="27"/>
+                  <a:pt x="9" y="28"/>
+                </a:cubicBezTo>
+                <a:cubicBezTo>
+                  <a:pt x="9" y="29"/>
+                  <a:pt x="9" y="29"/>
+                  <a:pt x="9" y="30"/>
+                </a:cubicBezTo>
+                <a:cubicBezTo>
+                  <a:pt x="22" y="43"/>
+                  <a:pt x="22" y="43"/>
+                  <a:pt x="22" y="43"/>
+                </a:cubicBezTo>
+                <a:cubicBezTo>
+                  <a:pt x="23" y="43"/>
+                  <a:pt x="23" y="43"/>
+                  <a:pt x="24" y="43"/>
+                </a:cubicBezTo>
+                <a:cubicBezTo>
+                  <a:pt x="25" y="43"/>
+                  <a:pt x="25" y="43"/>
+                  <a:pt x="26" y="43"/>
+                </a:cubicBezTo>
+                <a:cubicBezTo>
+                  <a:pt x="45" y="23"/>
+                  <a:pt x="45" y="23"/>
+                  <a:pt x="45" y="23"/>
+                </a:cubicBezTo>
+                <a:cubicBezTo>
+                  <a:pt x="45" y="23"/>
+                  <a:pt x="46" y="22"/>
+                  <a:pt x="46" y="22"/>
+                </a:cubicBezTo>
+                <a:cubicBezTo>
+                  <a:pt x="46" y="21"/>
+                  <a:pt x="45" y="20"/>
+                  <a:pt x="45" y="20"/>
+                </a:cubicBezTo>
+                <a:close/>
+              </a:path>
+            </a:pathLst>
+          </a:custGeom>
+          <a:solidFill>
+            <a:schemeClr val="bg1"/>
+          </a:solidFill>
+          <a:ln w="9525">
+            <a:noFill/>
+            <a:round/>
+            <a:headEnd/>
+            <a:tailEnd/>
+          </a:ln>
+        </p:spPr>
+        <p:txBody>
+          <a:bodyPr vert="horz" wrap="square" lIns="121920" tIns="60960" rIns="121920" bIns="60960" numCol="1" anchor="t" anchorCtr="0" compatLnSpc="1">
+            <a:prstTxWarp prst="textNoShape">
+              <a:avLst/>
+            </a:prstTxWarp>
+          </a:bodyPr>
+          <a:lstStyle/>
+          <a:p>
+            <a:endParaRPr lang="en-US" sz="2400">
+              <a:latin typeface="Microsoft JhengHei" panose="020B0604030504040204" pitchFamily="34" charset="-120"/>
+              <a:ea typeface="Microsoft JhengHei" panose="020B0604030504040204" pitchFamily="34" charset="-120"/>
+            </a:endParaRPr>
+          </a:p>
+        </p:txBody>
+      </p:sp>
+      <p:sp>
+        <p:nvSpPr>
+          <p:cNvPr id="87" name="Freeform 45"/>
+          <p:cNvSpPr>
+            <a:spLocks noEditPoints="1"/>
+          </p:cNvSpPr>
+          <p:nvPr/>
+        </p:nvSpPr>
+        <p:spPr bwMode="auto">
+          <a:xfrm>
+            <a:off x="10768448" y="4614036"/>
+            <a:ext cx="414624" cy="414624"/>
+          </a:xfrm>
+          <a:custGeom>
+            <a:avLst/>
+            <a:gdLst/>
+            <a:ahLst/>
+            <a:cxnLst>
+              <a:cxn ang="0">
+                <a:pos x="27" y="55"/>
+              </a:cxn>
+              <a:cxn ang="0">
+                <a:pos x="0" y="27"/>
+              </a:cxn>
+              <a:cxn ang="0">
+                <a:pos x="27" y="0"/>
+              </a:cxn>
+              <a:cxn ang="0">
+                <a:pos x="55" y="27"/>
+              </a:cxn>
+              <a:cxn ang="0">
+                <a:pos x="27" y="55"/>
+              </a:cxn>
+              <a:cxn ang="0">
+                <a:pos x="45" y="20"/>
+              </a:cxn>
+              <a:cxn ang="0">
+                <a:pos x="42" y="17"/>
+              </a:cxn>
+              <a:cxn ang="0">
+                <a:pos x="40" y="16"/>
+              </a:cxn>
+              <a:cxn ang="0">
+                <a:pos x="38" y="17"/>
+              </a:cxn>
+              <a:cxn ang="0">
+                <a:pos x="24" y="31"/>
+              </a:cxn>
+              <a:cxn ang="0">
+                <a:pos x="16" y="23"/>
+              </a:cxn>
+              <a:cxn ang="0">
+                <a:pos x="14" y="22"/>
+              </a:cxn>
+              <a:cxn ang="0">
+                <a:pos x="13" y="23"/>
+              </a:cxn>
+              <a:cxn ang="0">
+                <a:pos x="9" y="26"/>
+              </a:cxn>
+              <a:cxn ang="0">
+                <a:pos x="9" y="28"/>
+              </a:cxn>
+              <a:cxn ang="0">
+                <a:pos x="9" y="30"/>
+              </a:cxn>
+              <a:cxn ang="0">
+                <a:pos x="22" y="43"/>
+              </a:cxn>
+              <a:cxn ang="0">
+                <a:pos x="24" y="43"/>
+              </a:cxn>
+              <a:cxn ang="0">
+                <a:pos x="26" y="43"/>
+              </a:cxn>
+              <a:cxn ang="0">
+                <a:pos x="45" y="23"/>
+              </a:cxn>
+              <a:cxn ang="0">
+                <a:pos x="46" y="22"/>
+              </a:cxn>
+              <a:cxn ang="0">
+                <a:pos x="45" y="20"/>
+              </a:cxn>
+            </a:cxnLst>
+            <a:rect l="0" t="0" r="r" b="b"/>
+            <a:pathLst>
+              <a:path w="55" h="55">
+                <a:moveTo>
+                  <a:pt x="27" y="55"/>
+                </a:moveTo>
+                <a:cubicBezTo>
+                  <a:pt x="12" y="55"/>
+                  <a:pt x="0" y="42"/>
+                  <a:pt x="0" y="27"/>
+                </a:cubicBezTo>
+                <a:cubicBezTo>
+                  <a:pt x="0" y="12"/>
+                  <a:pt x="12" y="0"/>
+                  <a:pt x="27" y="0"/>
+                </a:cubicBezTo>
+                <a:cubicBezTo>
+                  <a:pt x="42" y="0"/>
+                  <a:pt x="55" y="12"/>
+                  <a:pt x="55" y="27"/>
+                </a:cubicBezTo>
+                <a:cubicBezTo>
+                  <a:pt x="55" y="42"/>
+                  <a:pt x="42" y="55"/>
+                  <a:pt x="27" y="55"/>
+                </a:cubicBezTo>
+                <a:close/>
+                <a:moveTo>
+                  <a:pt x="45" y="20"/>
+                </a:moveTo>
+                <a:cubicBezTo>
+                  <a:pt x="42" y="17"/>
+                  <a:pt x="42" y="17"/>
+                  <a:pt x="42" y="17"/>
+                </a:cubicBezTo>
+                <a:cubicBezTo>
+                  <a:pt x="41" y="16"/>
+                  <a:pt x="41" y="16"/>
+                  <a:pt x="40" y="16"/>
+                </a:cubicBezTo>
+                <a:cubicBezTo>
+                  <a:pt x="39" y="16"/>
+                  <a:pt x="39" y="16"/>
+                  <a:pt x="38" y="17"/>
+                </a:cubicBezTo>
+                <a:cubicBezTo>
+                  <a:pt x="24" y="31"/>
+                  <a:pt x="24" y="31"/>
+                  <a:pt x="24" y="31"/>
+                </a:cubicBezTo>
+                <a:cubicBezTo>
+                  <a:pt x="16" y="23"/>
+                  <a:pt x="16" y="23"/>
+                  <a:pt x="16" y="23"/>
+                </a:cubicBezTo>
+                <a:cubicBezTo>
+                  <a:pt x="15" y="23"/>
+                  <a:pt x="15" y="22"/>
+                  <a:pt x="14" y="22"/>
+                </a:cubicBezTo>
+                <a:cubicBezTo>
+                  <a:pt x="14" y="22"/>
+                  <a:pt x="13" y="23"/>
+                  <a:pt x="13" y="23"/>
+                </a:cubicBezTo>
+                <a:cubicBezTo>
+                  <a:pt x="9" y="26"/>
+                  <a:pt x="9" y="26"/>
+                  <a:pt x="9" y="26"/>
+                </a:cubicBezTo>
+                <a:cubicBezTo>
+                  <a:pt x="9" y="27"/>
+                  <a:pt x="9" y="27"/>
+                  <a:pt x="9" y="28"/>
+                </a:cubicBezTo>
+                <a:cubicBezTo>
+                  <a:pt x="9" y="29"/>
+                  <a:pt x="9" y="29"/>
+                  <a:pt x="9" y="30"/>
+                </a:cubicBezTo>
+                <a:cubicBezTo>
+                  <a:pt x="22" y="43"/>
+                  <a:pt x="22" y="43"/>
+                  <a:pt x="22" y="43"/>
+                </a:cubicBezTo>
+                <a:cubicBezTo>
+                  <a:pt x="23" y="43"/>
+                  <a:pt x="23" y="43"/>
+                  <a:pt x="24" y="43"/>
+                </a:cubicBezTo>
+                <a:cubicBezTo>
+                  <a:pt x="25" y="43"/>
+                  <a:pt x="25" y="43"/>
+                  <a:pt x="26" y="43"/>
+                </a:cubicBezTo>
+                <a:cubicBezTo>
+                  <a:pt x="45" y="23"/>
+                  <a:pt x="45" y="23"/>
+                  <a:pt x="45" y="23"/>
+                </a:cubicBezTo>
+                <a:cubicBezTo>
+                  <a:pt x="45" y="23"/>
+                  <a:pt x="46" y="22"/>
+                  <a:pt x="46" y="22"/>
+                </a:cubicBezTo>
+                <a:cubicBezTo>
+                  <a:pt x="46" y="21"/>
+                  <a:pt x="45" y="20"/>
+                  <a:pt x="45" y="20"/>
+                </a:cubicBezTo>
+                <a:close/>
+              </a:path>
+            </a:pathLst>
+          </a:custGeom>
+          <a:solidFill>
+            <a:schemeClr val="bg1"/>
+          </a:solidFill>
+          <a:ln w="9525">
+            <a:noFill/>
+            <a:round/>
+            <a:headEnd/>
+            <a:tailEnd/>
+          </a:ln>
+        </p:spPr>
+        <p:txBody>
+          <a:bodyPr vert="horz" wrap="square" lIns="121920" tIns="60960" rIns="121920" bIns="60960" numCol="1" anchor="t" anchorCtr="0" compatLnSpc="1">
+            <a:prstTxWarp prst="textNoShape">
+              <a:avLst/>
+            </a:prstTxWarp>
+          </a:bodyPr>
+          <a:lstStyle/>
+          <a:p>
+            <a:endParaRPr lang="en-US" sz="2400">
+              <a:latin typeface="Microsoft JhengHei" panose="020B0604030504040204" pitchFamily="34" charset="-120"/>
+              <a:ea typeface="Microsoft JhengHei" panose="020B0604030504040204" pitchFamily="34" charset="-120"/>
+            </a:endParaRPr>
+          </a:p>
+        </p:txBody>
+      </p:sp>
+      <p:sp>
+        <p:nvSpPr>
+          <p:cNvPr id="88" name="Freeform 45"/>
+          <p:cNvSpPr>
+            <a:spLocks noEditPoints="1"/>
+          </p:cNvSpPr>
+          <p:nvPr/>
+        </p:nvSpPr>
+        <p:spPr bwMode="auto">
+          <a:xfrm>
+            <a:off x="10772703" y="5198285"/>
+            <a:ext cx="414624" cy="414624"/>
+          </a:xfrm>
+          <a:custGeom>
+            <a:avLst/>
+            <a:gdLst/>
+            <a:ahLst/>
+            <a:cxnLst>
+              <a:cxn ang="0">
+                <a:pos x="27" y="55"/>
+              </a:cxn>
+              <a:cxn ang="0">
+                <a:pos x="0" y="27"/>
+              </a:cxn>
+              <a:cxn ang="0">
+                <a:pos x="27" y="0"/>
+              </a:cxn>
+              <a:cxn ang="0">
+                <a:pos x="55" y="27"/>
+              </a:cxn>
+              <a:cxn ang="0">
+                <a:pos x="27" y="55"/>
+              </a:cxn>
+              <a:cxn ang="0">
+                <a:pos x="45" y="20"/>
+              </a:cxn>
+              <a:cxn ang="0">
+                <a:pos x="42" y="17"/>
+              </a:cxn>
+              <a:cxn ang="0">
+                <a:pos x="40" y="16"/>
+              </a:cxn>
+              <a:cxn ang="0">
+                <a:pos x="38" y="17"/>
+              </a:cxn>
+              <a:cxn ang="0">
+                <a:pos x="24" y="31"/>
+              </a:cxn>
+              <a:cxn ang="0">
+                <a:pos x="16" y="23"/>
+              </a:cxn>
+              <a:cxn ang="0">
+                <a:pos x="14" y="22"/>
+              </a:cxn>
+              <a:cxn ang="0">
+                <a:pos x="13" y="23"/>
+              </a:cxn>
+              <a:cxn ang="0">
+                <a:pos x="9" y="26"/>
+              </a:cxn>
+              <a:cxn ang="0">
+                <a:pos x="9" y="28"/>
+              </a:cxn>
+              <a:cxn ang="0">
+                <a:pos x="9" y="30"/>
+              </a:cxn>
+              <a:cxn ang="0">
+                <a:pos x="22" y="43"/>
+              </a:cxn>
+              <a:cxn ang="0">
+                <a:pos x="24" y="43"/>
+              </a:cxn>
+              <a:cxn ang="0">
+                <a:pos x="26" y="43"/>
+              </a:cxn>
+              <a:cxn ang="0">
+                <a:pos x="45" y="23"/>
+              </a:cxn>
+              <a:cxn ang="0">
+                <a:pos x="46" y="22"/>
+              </a:cxn>
+              <a:cxn ang="0">
+                <a:pos x="45" y="20"/>
+              </a:cxn>
+            </a:cxnLst>
+            <a:rect l="0" t="0" r="r" b="b"/>
+            <a:pathLst>
+              <a:path w="55" h="55">
+                <a:moveTo>
+                  <a:pt x="27" y="55"/>
+                </a:moveTo>
+                <a:cubicBezTo>
+                  <a:pt x="12" y="55"/>
+                  <a:pt x="0" y="42"/>
+                  <a:pt x="0" y="27"/>
+                </a:cubicBezTo>
+                <a:cubicBezTo>
+                  <a:pt x="0" y="12"/>
+                  <a:pt x="12" y="0"/>
+                  <a:pt x="27" y="0"/>
+                </a:cubicBezTo>
+                <a:cubicBezTo>
+                  <a:pt x="42" y="0"/>
+                  <a:pt x="55" y="12"/>
+                  <a:pt x="55" y="27"/>
+                </a:cubicBezTo>
+                <a:cubicBezTo>
+                  <a:pt x="55" y="42"/>
+                  <a:pt x="42" y="55"/>
+                  <a:pt x="27" y="55"/>
+                </a:cubicBezTo>
+                <a:close/>
+                <a:moveTo>
+                  <a:pt x="45" y="20"/>
+                </a:moveTo>
+                <a:cubicBezTo>
+                  <a:pt x="42" y="17"/>
+                  <a:pt x="42" y="17"/>
+                  <a:pt x="42" y="17"/>
+                </a:cubicBezTo>
+                <a:cubicBezTo>
+                  <a:pt x="41" y="16"/>
+                  <a:pt x="41" y="16"/>
+                  <a:pt x="40" y="16"/>
+                </a:cubicBezTo>
+                <a:cubicBezTo>
+                  <a:pt x="39" y="16"/>
+                  <a:pt x="39" y="16"/>
+                  <a:pt x="38" y="17"/>
+                </a:cubicBezTo>
+                <a:cubicBezTo>
+                  <a:pt x="24" y="31"/>
+                  <a:pt x="24" y="31"/>
+                  <a:pt x="24" y="31"/>
+                </a:cubicBezTo>
+                <a:cubicBezTo>
+                  <a:pt x="16" y="23"/>
+                  <a:pt x="16" y="23"/>
+                  <a:pt x="16" y="23"/>
+                </a:cubicBezTo>
+                <a:cubicBezTo>
+                  <a:pt x="15" y="23"/>
+                  <a:pt x="15" y="22"/>
+                  <a:pt x="14" y="22"/>
+                </a:cubicBezTo>
+                <a:cubicBezTo>
+                  <a:pt x="14" y="22"/>
+                  <a:pt x="13" y="23"/>
+                  <a:pt x="13" y="23"/>
+                </a:cubicBezTo>
+                <a:cubicBezTo>
+                  <a:pt x="9" y="26"/>
+                  <a:pt x="9" y="26"/>
+                  <a:pt x="9" y="26"/>
+                </a:cubicBezTo>
+                <a:cubicBezTo>
+                  <a:pt x="9" y="27"/>
+                  <a:pt x="9" y="27"/>
+                  <a:pt x="9" y="28"/>
+                </a:cubicBezTo>
+                <a:cubicBezTo>
+                  <a:pt x="9" y="29"/>
+                  <a:pt x="9" y="29"/>
+                  <a:pt x="9" y="30"/>
+                </a:cubicBezTo>
+                <a:cubicBezTo>
+                  <a:pt x="22" y="43"/>
+                  <a:pt x="22" y="43"/>
+                  <a:pt x="22" y="43"/>
+                </a:cubicBezTo>
+                <a:cubicBezTo>
+                  <a:pt x="23" y="43"/>
+                  <a:pt x="23" y="43"/>
+                  <a:pt x="24" y="43"/>
+                </a:cubicBezTo>
+                <a:cubicBezTo>
+                  <a:pt x="25" y="43"/>
+                  <a:pt x="25" y="43"/>
+                  <a:pt x="26" y="43"/>
+                </a:cubicBezTo>
+                <a:cubicBezTo>
+                  <a:pt x="45" y="23"/>
+                  <a:pt x="45" y="23"/>
+                  <a:pt x="45" y="23"/>
+                </a:cubicBezTo>
+                <a:cubicBezTo>
+                  <a:pt x="45" y="23"/>
+                  <a:pt x="46" y="22"/>
+                  <a:pt x="46" y="22"/>
+                </a:cubicBezTo>
+                <a:cubicBezTo>
+                  <a:pt x="46" y="21"/>
+                  <a:pt x="45" y="20"/>
+                  <a:pt x="45" y="20"/>
+                </a:cubicBezTo>
+                <a:close/>
+              </a:path>
+            </a:pathLst>
+          </a:custGeom>
+          <a:solidFill>
+            <a:schemeClr val="bg1"/>
+          </a:solidFill>
+          <a:ln w="9525">
+            <a:noFill/>
+            <a:round/>
+            <a:headEnd/>
+            <a:tailEnd/>
+          </a:ln>
+        </p:spPr>
+        <p:txBody>
+          <a:bodyPr vert="horz" wrap="square" lIns="121920" tIns="60960" rIns="121920" bIns="60960" numCol="1" anchor="t" anchorCtr="0" compatLnSpc="1">
+            <a:prstTxWarp prst="textNoShape">
+              <a:avLst/>
+            </a:prstTxWarp>
+          </a:bodyPr>
+          <a:lstStyle/>
+          <a:p>
+            <a:endParaRPr lang="en-US" sz="2400">
+              <a:latin typeface="Microsoft JhengHei" panose="020B0604030504040204" pitchFamily="34" charset="-120"/>
+              <a:ea typeface="Microsoft JhengHei" panose="020B0604030504040204" pitchFamily="34" charset="-120"/>
+            </a:endParaRPr>
+          </a:p>
+        </p:txBody>
+      </p:sp>
+      <p:sp>
+        <p:nvSpPr>
+          <p:cNvPr id="89" name="Freeform 45"/>
+          <p:cNvSpPr>
+            <a:spLocks noEditPoints="1"/>
+          </p:cNvSpPr>
+          <p:nvPr/>
+        </p:nvSpPr>
+        <p:spPr bwMode="auto">
+          <a:xfrm>
+            <a:off x="10772703" y="5773920"/>
+            <a:ext cx="414624" cy="414624"/>
+          </a:xfrm>
+          <a:custGeom>
+            <a:avLst/>
+            <a:gdLst/>
+            <a:ahLst/>
+            <a:cxnLst>
+              <a:cxn ang="0">
+                <a:pos x="27" y="55"/>
+              </a:cxn>
+              <a:cxn ang="0">
+                <a:pos x="0" y="27"/>
+              </a:cxn>
+              <a:cxn ang="0">
+                <a:pos x="27" y="0"/>
+              </a:cxn>
+              <a:cxn ang="0">
+                <a:pos x="55" y="27"/>
+              </a:cxn>
+              <a:cxn ang="0">
+                <a:pos x="27" y="55"/>
+              </a:cxn>
+              <a:cxn ang="0">
+                <a:pos x="45" y="20"/>
+              </a:cxn>
+              <a:cxn ang="0">
+                <a:pos x="42" y="17"/>
+              </a:cxn>
+              <a:cxn ang="0">
+                <a:pos x="40" y="16"/>
+              </a:cxn>
+              <a:cxn ang="0">
+                <a:pos x="38" y="17"/>
+              </a:cxn>
+              <a:cxn ang="0">
+                <a:pos x="24" y="31"/>
+              </a:cxn>
+              <a:cxn ang="0">
+                <a:pos x="16" y="23"/>
+              </a:cxn>
+              <a:cxn ang="0">
+                <a:pos x="14" y="22"/>
+              </a:cxn>
+              <a:cxn ang="0">
+                <a:pos x="13" y="23"/>
+              </a:cxn>
+              <a:cxn ang="0">
+                <a:pos x="9" y="26"/>
+              </a:cxn>
+              <a:cxn ang="0">
+                <a:pos x="9" y="28"/>
+              </a:cxn>
+              <a:cxn ang="0">
+                <a:pos x="9" y="30"/>
+              </a:cxn>
+              <a:cxn ang="0">
+                <a:pos x="22" y="43"/>
+              </a:cxn>
+              <a:cxn ang="0">
+                <a:pos x="24" y="43"/>
+              </a:cxn>
+              <a:cxn ang="0">
+                <a:pos x="26" y="43"/>
+              </a:cxn>
+              <a:cxn ang="0">
+                <a:pos x="45" y="23"/>
+              </a:cxn>
+              <a:cxn ang="0">
+                <a:pos x="46" y="22"/>
+              </a:cxn>
+              <a:cxn ang="0">
+                <a:pos x="45" y="20"/>
+              </a:cxn>
+            </a:cxnLst>
+            <a:rect l="0" t="0" r="r" b="b"/>
+            <a:pathLst>
+              <a:path w="55" h="55">
+                <a:moveTo>
+                  <a:pt x="27" y="55"/>
+                </a:moveTo>
+                <a:cubicBezTo>
+                  <a:pt x="12" y="55"/>
+                  <a:pt x="0" y="42"/>
+                  <a:pt x="0" y="27"/>
+                </a:cubicBezTo>
+                <a:cubicBezTo>
+                  <a:pt x="0" y="12"/>
+                  <a:pt x="12" y="0"/>
+                  <a:pt x="27" y="0"/>
+                </a:cubicBezTo>
+                <a:cubicBezTo>
+                  <a:pt x="42" y="0"/>
+                  <a:pt x="55" y="12"/>
+                  <a:pt x="55" y="27"/>
+                </a:cubicBezTo>
+                <a:cubicBezTo>
+                  <a:pt x="55" y="42"/>
+                  <a:pt x="42" y="55"/>
+                  <a:pt x="27" y="55"/>
+                </a:cubicBezTo>
+                <a:close/>
+                <a:moveTo>
+                  <a:pt x="45" y="20"/>
+                </a:moveTo>
+                <a:cubicBezTo>
+                  <a:pt x="42" y="17"/>
+                  <a:pt x="42" y="17"/>
+                  <a:pt x="42" y="17"/>
+                </a:cubicBezTo>
+                <a:cubicBezTo>
+                  <a:pt x="41" y="16"/>
+                  <a:pt x="41" y="16"/>
+                  <a:pt x="40" y="16"/>
+                </a:cubicBezTo>
+                <a:cubicBezTo>
+                  <a:pt x="39" y="16"/>
+                  <a:pt x="39" y="16"/>
+                  <a:pt x="38" y="17"/>
+                </a:cubicBezTo>
+                <a:cubicBezTo>
+                  <a:pt x="24" y="31"/>
+                  <a:pt x="24" y="31"/>
+                  <a:pt x="24" y="31"/>
+                </a:cubicBezTo>
+                <a:cubicBezTo>
+                  <a:pt x="16" y="23"/>
+                  <a:pt x="16" y="23"/>
+                  <a:pt x="16" y="23"/>
+                </a:cubicBezTo>
+                <a:cubicBezTo>
+                  <a:pt x="15" y="23"/>
+                  <a:pt x="15" y="22"/>
+                  <a:pt x="14" y="22"/>
+                </a:cubicBezTo>
+                <a:cubicBezTo>
+                  <a:pt x="14" y="22"/>
+                  <a:pt x="13" y="23"/>
+                  <a:pt x="13" y="23"/>
+                </a:cubicBezTo>
+                <a:cubicBezTo>
+                  <a:pt x="9" y="26"/>
+                  <a:pt x="9" y="26"/>
+                  <a:pt x="9" y="26"/>
+                </a:cubicBezTo>
+                <a:cubicBezTo>
+                  <a:pt x="9" y="27"/>
+                  <a:pt x="9" y="27"/>
+                  <a:pt x="9" y="28"/>
+                </a:cubicBezTo>
+                <a:cubicBezTo>
+                  <a:pt x="9" y="29"/>
+                  <a:pt x="9" y="29"/>
+                  <a:pt x="9" y="30"/>
+                </a:cubicBezTo>
+                <a:cubicBezTo>
+                  <a:pt x="22" y="43"/>
+                  <a:pt x="22" y="43"/>
+                  <a:pt x="22" y="43"/>
+                </a:cubicBezTo>
+                <a:cubicBezTo>
+                  <a:pt x="23" y="43"/>
+                  <a:pt x="23" y="43"/>
+                  <a:pt x="24" y="43"/>
+                </a:cubicBezTo>
+                <a:cubicBezTo>
+                  <a:pt x="25" y="43"/>
+                  <a:pt x="25" y="43"/>
+                  <a:pt x="26" y="43"/>
+                </a:cubicBezTo>
+                <a:cubicBezTo>
+                  <a:pt x="45" y="23"/>
+                  <a:pt x="45" y="23"/>
+                  <a:pt x="45" y="23"/>
+                </a:cubicBezTo>
+                <a:cubicBezTo>
+                  <a:pt x="45" y="23"/>
+                  <a:pt x="46" y="22"/>
+                  <a:pt x="46" y="22"/>
+                </a:cubicBezTo>
+                <a:cubicBezTo>
+                  <a:pt x="46" y="21"/>
+                  <a:pt x="45" y="20"/>
+                  <a:pt x="45" y="20"/>
+                </a:cubicBezTo>
+                <a:close/>
+              </a:path>
+            </a:pathLst>
+          </a:custGeom>
+          <a:solidFill>
+            <a:schemeClr val="bg1"/>
+          </a:solidFill>
+          <a:ln w="9525">
+            <a:noFill/>
+            <a:round/>
+            <a:headEnd/>
+            <a:tailEnd/>
+          </a:ln>
+        </p:spPr>
+        <p:txBody>
+          <a:bodyPr vert="horz" wrap="square" lIns="121920" tIns="60960" rIns="121920" bIns="60960" numCol="1" anchor="t" anchorCtr="0" compatLnSpc="1">
+            <a:prstTxWarp prst="textNoShape">
+              <a:avLst/>
+            </a:prstTxWarp>
+          </a:bodyPr>
+          <a:lstStyle/>
+          <a:p>
+            <a:endParaRPr lang="en-US" sz="2400">
+              <a:latin typeface="Microsoft JhengHei" panose="020B0604030504040204" pitchFamily="34" charset="-120"/>
+              <a:ea typeface="Microsoft JhengHei" panose="020B0604030504040204" pitchFamily="34" charset="-120"/>
+            </a:endParaRPr>
+          </a:p>
+        </p:txBody>
+      </p:sp>
+      <p:pic>
+        <p:nvPicPr>
+          <p:cNvPr id="10" name="圖片 9">
+            <a:extLst>
+              <a:ext uri="{FF2B5EF4-FFF2-40B4-BE49-F238E27FC236}">
+                <a16:creationId xmlns:a16="http://schemas.microsoft.com/office/drawing/2014/main" id="{2A84432D-585B-403C-B974-B0259C34C159}"/>
+              </a:ext>
+            </a:extLst>
+          </p:cNvPr>
+          <p:cNvPicPr>
+            <a:picLocks noChangeAspect="1"/>
+          </p:cNvPicPr>
+          <p:nvPr/>
+        </p:nvPicPr>
+        <p:blipFill>
+          <a:blip r:embed="rId3">
+            <a:extLst>
+              <a:ext uri="{28A0092B-C50C-407E-A947-70E740481C1C}">
+                <a14:useLocalDpi xmlns:a14="http://schemas.microsoft.com/office/drawing/2010/main" val="0"/>
+              </a:ext>
+            </a:extLst>
+          </a:blip>
+          <a:stretch>
+            <a:fillRect/>
+          </a:stretch>
+        </p:blipFill>
+        <p:spPr>
+          <a:xfrm>
+            <a:off x="1373686" y="1630258"/>
+            <a:ext cx="3240000" cy="2209090"/>
+          </a:xfrm>
+          <a:prstGeom prst="rect">
+            <a:avLst/>
+          </a:prstGeom>
+        </p:spPr>
+      </p:pic>
+      <p:grpSp>
+        <p:nvGrpSpPr>
+          <p:cNvPr id="150" name="Group 120"/>
+          <p:cNvGrpSpPr/>
+          <p:nvPr/>
+        </p:nvGrpSpPr>
+        <p:grpSpPr>
+          <a:xfrm>
+            <a:off x="4253033" y="2910182"/>
+            <a:ext cx="1382466" cy="501143"/>
+            <a:chOff x="909893" y="2729428"/>
+            <a:chExt cx="1073812" cy="389257"/>
+          </a:xfrm>
+        </p:grpSpPr>
+        <p:cxnSp>
+          <p:nvCxnSpPr>
+            <p:cNvPr id="151" name="Straight Connector 150"/>
+            <p:cNvCxnSpPr>
+              <a:cxnSpLocks/>
+            </p:cNvCxnSpPr>
+            <p:nvPr/>
+          </p:nvCxnSpPr>
+          <p:spPr>
+            <a:xfrm flipH="1" flipV="1">
+              <a:off x="909893" y="2729428"/>
+              <a:ext cx="323303" cy="389257"/>
+            </a:xfrm>
+            <a:prstGeom prst="line">
+              <a:avLst/>
+            </a:prstGeom>
+            <a:ln w="12700">
+              <a:solidFill>
+                <a:schemeClr val="accent3"/>
+              </a:solidFill>
+              <a:prstDash val="sysDot"/>
+              <a:headEnd type="none"/>
+              <a:tailEnd type="oval"/>
+            </a:ln>
+          </p:spPr>
+          <p:style>
+            <a:lnRef idx="1">
+              <a:schemeClr val="accent1"/>
+            </a:lnRef>
+            <a:fillRef idx="0">
+              <a:schemeClr val="accent1"/>
+            </a:fillRef>
+            <a:effectRef idx="0">
+              <a:schemeClr val="accent1"/>
+            </a:effectRef>
+            <a:fontRef idx="minor">
+              <a:schemeClr val="tx1"/>
+            </a:fontRef>
+          </p:style>
+        </p:cxnSp>
+        <p:cxnSp>
+          <p:nvCxnSpPr>
+            <p:cNvPr id="152" name="Straight Connector 151"/>
+            <p:cNvCxnSpPr/>
+            <p:nvPr/>
+          </p:nvCxnSpPr>
+          <p:spPr>
+            <a:xfrm flipH="1">
+              <a:off x="1233196" y="3118685"/>
+              <a:ext cx="750509" cy="0"/>
+            </a:xfrm>
+            <a:prstGeom prst="line">
+              <a:avLst/>
+            </a:prstGeom>
+            <a:ln w="12700">
+              <a:solidFill>
+                <a:schemeClr val="accent3"/>
+              </a:solidFill>
+              <a:prstDash val="sysDot"/>
+            </a:ln>
+          </p:spPr>
+          <p:style>
+            <a:lnRef idx="1">
+              <a:schemeClr val="accent1"/>
+            </a:lnRef>
+            <a:fillRef idx="0">
+              <a:schemeClr val="accent1"/>
+            </a:fillRef>
+            <a:effectRef idx="0">
+              <a:schemeClr val="accent1"/>
+            </a:effectRef>
+            <a:fontRef idx="minor">
+              <a:schemeClr val="tx1"/>
+            </a:fontRef>
+          </p:style>
+        </p:cxnSp>
+        <p:sp>
+          <p:nvSpPr>
+            <p:cNvPr id="153" name="Text Placeholder 3"/>
+            <p:cNvSpPr txBox="1">
+              <a:spLocks/>
+            </p:cNvSpPr>
+            <p:nvPr/>
+          </p:nvSpPr>
+          <p:spPr>
+            <a:xfrm>
+              <a:off x="1207507" y="2806623"/>
+              <a:ext cx="691037" cy="286874"/>
+            </a:xfrm>
+            <a:prstGeom prst="rect">
+              <a:avLst/>
+            </a:prstGeom>
+          </p:spPr>
+          <p:txBody>
+            <a:bodyPr wrap="none" lIns="0" tIns="0" rIns="0" bIns="0" anchor="ctr" anchorCtr="0">
+              <a:spAutoFit/>
+            </a:bodyPr>
+            <a:lstStyle>
+              <a:lvl1pPr marL="0" indent="0" algn="ctr">
+                <a:buNone/>
+                <a:defRPr sz="1400" baseline="0">
+                  <a:solidFill>
+                    <a:schemeClr val="tx1">
+                      <a:lumMod val="95000"/>
+                      <a:lumOff val="5000"/>
+                    </a:schemeClr>
+                  </a:solidFill>
+                </a:defRPr>
+              </a:lvl1pPr>
+              <a:lvl2pPr marL="457200" indent="0">
+                <a:buNone/>
+                <a:defRPr sz="1200"/>
+              </a:lvl2pPr>
+              <a:lvl3pPr marL="914400" indent="0">
+                <a:buNone/>
+                <a:defRPr sz="1000"/>
+              </a:lvl3pPr>
+              <a:lvl4pPr marL="1371600" indent="0">
+                <a:buNone/>
+                <a:defRPr sz="900"/>
+              </a:lvl4pPr>
+              <a:lvl5pPr marL="1828800" indent="0">
+                <a:buNone/>
+                <a:defRPr sz="900"/>
+              </a:lvl5pPr>
+              <a:lvl6pPr marL="2286000" indent="0">
+                <a:buNone/>
+                <a:defRPr sz="900"/>
+              </a:lvl6pPr>
+              <a:lvl7pPr marL="2743200" indent="0">
+                <a:buNone/>
+                <a:defRPr sz="900"/>
+              </a:lvl7pPr>
+              <a:lvl8pPr marL="3200400" indent="0">
+                <a:buNone/>
+                <a:defRPr sz="900"/>
+              </a:lvl8pPr>
+              <a:lvl9pPr marL="3657600" indent="0">
+                <a:buNone/>
+                <a:defRPr sz="900"/>
+              </a:lvl9pPr>
+            </a:lstStyle>
+            <a:p>
+              <a:pPr defTabSz="1219170">
+                <a:spcBef>
+                  <a:spcPct val="20000"/>
+                </a:spcBef>
+                <a:defRPr/>
+              </a:pPr>
+              <a:r>
+                <a:rPr lang="en-US" sz="2400" b="1" dirty="0">
+                  <a:solidFill>
+                    <a:schemeClr val="accent6">
+                      <a:lumMod val="75000"/>
+                    </a:schemeClr>
+                  </a:solidFill>
+                  <a:latin typeface="Microsoft JhengHei" panose="020B0604030504040204" pitchFamily="34" charset="-120"/>
+                  <a:ea typeface="Microsoft JhengHei" panose="020B0604030504040204" pitchFamily="34" charset="-120"/>
+                </a:rPr>
+                <a:t>Dt≥10</a:t>
+              </a:r>
+            </a:p>
+          </p:txBody>
+        </p:sp>
+        <p:sp>
+          <p:nvSpPr>
+            <p:cNvPr id="154" name="Text Placeholder 3"/>
+            <p:cNvSpPr txBox="1">
+              <a:spLocks/>
+            </p:cNvSpPr>
+            <p:nvPr/>
+          </p:nvSpPr>
+          <p:spPr>
+            <a:xfrm>
+              <a:off x="1655482" y="2893350"/>
+              <a:ext cx="50" cy="191249"/>
+            </a:xfrm>
+            <a:prstGeom prst="rect">
+              <a:avLst/>
+            </a:prstGeom>
+          </p:spPr>
+          <p:txBody>
+            <a:bodyPr wrap="none" lIns="0" tIns="0" rIns="0" bIns="0" anchor="ctr" anchorCtr="0">
+              <a:spAutoFit/>
+            </a:bodyPr>
+            <a:lstStyle>
+              <a:lvl1pPr marL="0" indent="0" algn="ctr">
+                <a:buNone/>
+                <a:defRPr sz="1400" baseline="0">
+                  <a:solidFill>
+                    <a:schemeClr val="tx1">
+                      <a:lumMod val="95000"/>
+                      <a:lumOff val="5000"/>
+                    </a:schemeClr>
+                  </a:solidFill>
+                </a:defRPr>
+              </a:lvl1pPr>
+              <a:lvl2pPr marL="457200" indent="0">
+                <a:buNone/>
+                <a:defRPr sz="1200"/>
+              </a:lvl2pPr>
+              <a:lvl3pPr marL="914400" indent="0">
+                <a:buNone/>
+                <a:defRPr sz="1000"/>
+              </a:lvl3pPr>
+              <a:lvl4pPr marL="1371600" indent="0">
+                <a:buNone/>
+                <a:defRPr sz="900"/>
+              </a:lvl4pPr>
+              <a:lvl5pPr marL="1828800" indent="0">
+                <a:buNone/>
+                <a:defRPr sz="900"/>
+              </a:lvl5pPr>
+              <a:lvl6pPr marL="2286000" indent="0">
+                <a:buNone/>
+                <a:defRPr sz="900"/>
+              </a:lvl6pPr>
+              <a:lvl7pPr marL="2743200" indent="0">
+                <a:buNone/>
+                <a:defRPr sz="900"/>
+              </a:lvl7pPr>
+              <a:lvl8pPr marL="3200400" indent="0">
+                <a:buNone/>
+                <a:defRPr sz="900"/>
+              </a:lvl8pPr>
+              <a:lvl9pPr marL="3657600" indent="0">
+                <a:buNone/>
+                <a:defRPr sz="900"/>
+              </a:lvl9pPr>
+            </a:lstStyle>
+            <a:p>
+              <a:pPr defTabSz="1219170">
+                <a:spcBef>
+                  <a:spcPct val="20000"/>
+                </a:spcBef>
+                <a:defRPr/>
+              </a:pPr>
+              <a:endParaRPr lang="en-US" sz="1600" b="1" dirty="0">
+                <a:solidFill>
+                  <a:schemeClr val="accent3"/>
+                </a:solidFill>
+                <a:latin typeface="Microsoft JhengHei" panose="020B0604030504040204" pitchFamily="34" charset="-120"/>
+                <a:ea typeface="Microsoft JhengHei" panose="020B0604030504040204" pitchFamily="34" charset="-120"/>
+              </a:endParaRPr>
+            </a:p>
+          </p:txBody>
+        </p:sp>
+      </p:grpSp>
+      <p:sp>
+        <p:nvSpPr>
+          <p:cNvPr id="92" name="Text Placeholder 3">
+            <a:extLst>
+              <a:ext uri="{FF2B5EF4-FFF2-40B4-BE49-F238E27FC236}">
+                <a16:creationId xmlns:a16="http://schemas.microsoft.com/office/drawing/2014/main" id="{1343C0BE-B747-4F65-AD04-04A37A52160C}"/>
+              </a:ext>
+            </a:extLst>
+          </p:cNvPr>
+          <p:cNvSpPr txBox="1">
+            <a:spLocks/>
+          </p:cNvSpPr>
+          <p:nvPr/>
+        </p:nvSpPr>
+        <p:spPr>
+          <a:xfrm>
+            <a:off x="1555086" y="5267097"/>
+            <a:ext cx="2894256" cy="246221"/>
+          </a:xfrm>
+          <a:prstGeom prst="rect">
+            <a:avLst/>
+          </a:prstGeom>
+        </p:spPr>
+        <p:txBody>
+          <a:bodyPr wrap="square" lIns="0" tIns="0" rIns="0" bIns="0" anchor="t" anchorCtr="0">
+            <a:spAutoFit/>
+          </a:bodyPr>
+          <a:lstStyle>
+            <a:lvl1pPr marL="0" indent="0" algn="ctr">
+              <a:buNone/>
+              <a:defRPr sz="1600" baseline="0">
+                <a:solidFill>
+                  <a:schemeClr val="tx1">
+                    <a:lumMod val="95000"/>
+                    <a:lumOff val="5000"/>
+                  </a:schemeClr>
+                </a:solidFill>
+              </a:defRPr>
+            </a:lvl1pPr>
+            <a:lvl2pPr marL="457200" indent="0">
+              <a:buNone/>
+              <a:defRPr sz="1200"/>
+            </a:lvl2pPr>
+            <a:lvl3pPr marL="914400" indent="0">
+              <a:buNone/>
+              <a:defRPr sz="1000"/>
+            </a:lvl3pPr>
+            <a:lvl4pPr marL="1371600" indent="0">
+              <a:buNone/>
+              <a:defRPr sz="900"/>
+            </a:lvl4pPr>
+            <a:lvl5pPr marL="1828800" indent="0">
+              <a:buNone/>
+              <a:defRPr sz="900"/>
+            </a:lvl5pPr>
+            <a:lvl6pPr marL="2286000" indent="0">
+              <a:buNone/>
+              <a:defRPr sz="900"/>
+            </a:lvl6pPr>
+            <a:lvl7pPr marL="2743200" indent="0">
+              <a:buNone/>
+              <a:defRPr sz="900"/>
+            </a:lvl7pPr>
+            <a:lvl8pPr marL="3200400" indent="0">
+              <a:buNone/>
+              <a:defRPr sz="900"/>
+            </a:lvl8pPr>
+            <a:lvl9pPr marL="3657600" indent="0">
+              <a:buNone/>
+              <a:defRPr sz="900"/>
+            </a:lvl9pPr>
+          </a:lstStyle>
+          <a:p>
+            <a:pPr algn="l"/>
+            <a:r>
+              <a:rPr lang="zh-TW" altLang="en-US" dirty="0">
+                <a:solidFill>
+                  <a:schemeClr val="bg1"/>
+                </a:solidFill>
+                <a:latin typeface="Microsoft JhengHei" panose="020B0604030504040204" pitchFamily="34" charset="-120"/>
+                <a:ea typeface="Microsoft JhengHei" panose="020B0604030504040204" pitchFamily="34" charset="-120"/>
+              </a:rPr>
+              <a:t>線性 </a:t>
+            </a:r>
+            <a:r>
+              <a:rPr lang="en-US" altLang="zh-TW" dirty="0">
+                <a:solidFill>
+                  <a:schemeClr val="bg1"/>
+                </a:solidFill>
+                <a:latin typeface="Microsoft JhengHei" panose="020B0604030504040204" pitchFamily="34" charset="-120"/>
+                <a:ea typeface="Microsoft JhengHei" panose="020B0604030504040204" pitchFamily="34" charset="-120"/>
+              </a:rPr>
+              <a:t>classifier</a:t>
+            </a:r>
+            <a:r>
+              <a:rPr lang="zh-TW" altLang="en-US" dirty="0">
+                <a:solidFill>
+                  <a:schemeClr val="bg1"/>
+                </a:solidFill>
+                <a:latin typeface="Microsoft JhengHei" panose="020B0604030504040204" pitchFamily="34" charset="-120"/>
+                <a:ea typeface="Microsoft JhengHei" panose="020B0604030504040204" pitchFamily="34" charset="-120"/>
+              </a:rPr>
+              <a:t> 輸出 </a:t>
+            </a:r>
+            <a:r>
+              <a:rPr lang="en-US" altLang="zh-TW" dirty="0">
+                <a:solidFill>
+                  <a:schemeClr val="bg1"/>
+                </a:solidFill>
+                <a:latin typeface="Microsoft JhengHei" panose="020B0604030504040204" pitchFamily="34" charset="-120"/>
+                <a:ea typeface="Microsoft JhengHei" panose="020B0604030504040204" pitchFamily="34" charset="-120"/>
+              </a:rPr>
+              <a:t>16</a:t>
+            </a:r>
+            <a:r>
+              <a:rPr lang="zh-TW" altLang="en-US" dirty="0">
+                <a:solidFill>
+                  <a:schemeClr val="bg1"/>
+                </a:solidFill>
+                <a:latin typeface="Microsoft JhengHei" panose="020B0604030504040204" pitchFamily="34" charset="-120"/>
+                <a:ea typeface="Microsoft JhengHei" panose="020B0604030504040204" pitchFamily="34" charset="-120"/>
+              </a:rPr>
+              <a:t> 維向量</a:t>
+            </a:r>
+            <a:endParaRPr lang="en-US" dirty="0">
+              <a:solidFill>
+                <a:schemeClr val="bg1"/>
+              </a:solidFill>
+              <a:latin typeface="Microsoft JhengHei" panose="020B0604030504040204" pitchFamily="34" charset="-120"/>
+              <a:ea typeface="Microsoft JhengHei" panose="020B0604030504040204" pitchFamily="34" charset="-120"/>
+            </a:endParaRPr>
+          </a:p>
+        </p:txBody>
+      </p:sp>
+      <p:sp>
+        <p:nvSpPr>
+          <p:cNvPr id="93" name="Text Placeholder 3">
+            <a:extLst>
+              <a:ext uri="{FF2B5EF4-FFF2-40B4-BE49-F238E27FC236}">
+                <a16:creationId xmlns:a16="http://schemas.microsoft.com/office/drawing/2014/main" id="{330658EC-860A-4428-B3C5-CFCC8BED0D50}"/>
+              </a:ext>
+            </a:extLst>
+          </p:cNvPr>
+          <p:cNvSpPr txBox="1">
+            <a:spLocks/>
+          </p:cNvSpPr>
+          <p:nvPr/>
+        </p:nvSpPr>
+        <p:spPr>
+          <a:xfrm>
+            <a:off x="1558084" y="5854372"/>
+            <a:ext cx="2894256" cy="246221"/>
+          </a:xfrm>
+          <a:prstGeom prst="rect">
+            <a:avLst/>
+          </a:prstGeom>
+        </p:spPr>
+        <p:txBody>
+          <a:bodyPr wrap="square" lIns="0" tIns="0" rIns="0" bIns="0" anchor="t" anchorCtr="0">
+            <a:spAutoFit/>
+          </a:bodyPr>
+          <a:lstStyle>
+            <a:lvl1pPr marL="0" indent="0" algn="ctr">
+              <a:buNone/>
+              <a:defRPr sz="1600" baseline="0">
+                <a:solidFill>
+                  <a:schemeClr val="tx1">
+                    <a:lumMod val="95000"/>
+                    <a:lumOff val="5000"/>
+                  </a:schemeClr>
+                </a:solidFill>
+              </a:defRPr>
+            </a:lvl1pPr>
+            <a:lvl2pPr marL="457200" indent="0">
+              <a:buNone/>
+              <a:defRPr sz="1200"/>
+            </a:lvl2pPr>
+            <a:lvl3pPr marL="914400" indent="0">
+              <a:buNone/>
+              <a:defRPr sz="1000"/>
+            </a:lvl3pPr>
+            <a:lvl4pPr marL="1371600" indent="0">
+              <a:buNone/>
+              <a:defRPr sz="900"/>
+            </a:lvl4pPr>
+            <a:lvl5pPr marL="1828800" indent="0">
+              <a:buNone/>
+              <a:defRPr sz="900"/>
+            </a:lvl5pPr>
+            <a:lvl6pPr marL="2286000" indent="0">
+              <a:buNone/>
+              <a:defRPr sz="900"/>
+            </a:lvl6pPr>
+            <a:lvl7pPr marL="2743200" indent="0">
+              <a:buNone/>
+              <a:defRPr sz="900"/>
+            </a:lvl7pPr>
+            <a:lvl8pPr marL="3200400" indent="0">
+              <a:buNone/>
+              <a:defRPr sz="900"/>
+            </a:lvl8pPr>
+            <a:lvl9pPr marL="3657600" indent="0">
+              <a:buNone/>
+              <a:defRPr sz="900"/>
+            </a:lvl9pPr>
+          </a:lstStyle>
+          <a:p>
+            <a:pPr algn="l"/>
+            <a:r>
+              <a:rPr lang="zh-TW" altLang="en-US" dirty="0">
+                <a:solidFill>
+                  <a:schemeClr val="bg1"/>
+                </a:solidFill>
+                <a:latin typeface="Microsoft JhengHei" panose="020B0604030504040204" pitchFamily="34" charset="-120"/>
+                <a:ea typeface="Microsoft JhengHei" panose="020B0604030504040204" pitchFamily="34" charset="-120"/>
+              </a:rPr>
+              <a:t>訓練資料集：</a:t>
+            </a:r>
+            <a:r>
+              <a:rPr lang="en-US" altLang="zh-TW" dirty="0">
+                <a:solidFill>
+                  <a:schemeClr val="bg1"/>
+                </a:solidFill>
+                <a:latin typeface="Microsoft JhengHei" panose="020B0604030504040204" pitchFamily="34" charset="-120"/>
+                <a:ea typeface="Microsoft JhengHei" panose="020B0604030504040204" pitchFamily="34" charset="-120"/>
+              </a:rPr>
+              <a:t>dt_all.csv</a:t>
+            </a:r>
+            <a:endParaRPr lang="en-US" dirty="0">
+              <a:solidFill>
+                <a:schemeClr val="bg1"/>
+              </a:solidFill>
+              <a:latin typeface="Microsoft JhengHei" panose="020B0604030504040204" pitchFamily="34" charset="-120"/>
+              <a:ea typeface="Microsoft JhengHei" panose="020B0604030504040204" pitchFamily="34" charset="-120"/>
+            </a:endParaRPr>
+          </a:p>
+        </p:txBody>
+      </p:sp>
+      <p:sp>
+        <p:nvSpPr>
+          <p:cNvPr id="94" name="Rectangle 166">
+            <a:extLst>
+              <a:ext uri="{FF2B5EF4-FFF2-40B4-BE49-F238E27FC236}">
+                <a16:creationId xmlns:a16="http://schemas.microsoft.com/office/drawing/2014/main" id="{B16388AF-2C29-485F-8662-DE3AEBAF4E52}"/>
+              </a:ext>
+            </a:extLst>
+          </p:cNvPr>
+          <p:cNvSpPr/>
+          <p:nvPr/>
+        </p:nvSpPr>
+        <p:spPr>
+          <a:xfrm>
+            <a:off x="6709225" y="3957313"/>
+            <a:ext cx="4259949" cy="369332"/>
+          </a:xfrm>
+          <a:prstGeom prst="rect">
+            <a:avLst/>
+          </a:prstGeom>
+        </p:spPr>
+        <p:txBody>
+          <a:bodyPr wrap="none" lIns="0" tIns="0" rIns="0" bIns="0">
+            <a:spAutoFit/>
+          </a:bodyPr>
+          <a:lstStyle/>
+          <a:p>
+            <a:pPr algn="ctr"/>
+            <a:r>
+              <a:rPr lang="en-US" altLang="zh-TW" sz="2400" b="1" dirty="0">
+                <a:solidFill>
+                  <a:schemeClr val="bg1"/>
+                </a:solidFill>
+                <a:latin typeface="Microsoft JhengHei" panose="020B0604030504040204" pitchFamily="34" charset="-120"/>
+                <a:ea typeface="Microsoft JhengHei" panose="020B0604030504040204" pitchFamily="34" charset="-120"/>
+              </a:rPr>
+              <a:t>Gradient Boosting Regressor</a:t>
+            </a:r>
+            <a:endParaRPr lang="en-US" sz="2400" b="1" dirty="0">
+              <a:solidFill>
+                <a:schemeClr val="bg1"/>
+              </a:solidFill>
+              <a:latin typeface="Microsoft JhengHei" panose="020B0604030504040204" pitchFamily="34" charset="-120"/>
+              <a:ea typeface="Microsoft JhengHei" panose="020B0604030504040204" pitchFamily="34" charset="-120"/>
+            </a:endParaRPr>
+          </a:p>
+        </p:txBody>
+      </p:sp>
+      <p:sp>
+        <p:nvSpPr>
+          <p:cNvPr id="98" name="Text Placeholder 3">
+            <a:extLst>
+              <a:ext uri="{FF2B5EF4-FFF2-40B4-BE49-F238E27FC236}">
+                <a16:creationId xmlns:a16="http://schemas.microsoft.com/office/drawing/2014/main" id="{C0D6FAC0-5472-4EBD-8FE8-435246856656}"/>
+              </a:ext>
+            </a:extLst>
+          </p:cNvPr>
+          <p:cNvSpPr txBox="1">
+            <a:spLocks/>
+          </p:cNvSpPr>
+          <p:nvPr/>
+        </p:nvSpPr>
+        <p:spPr>
+          <a:xfrm>
+            <a:off x="7896304" y="4691237"/>
+            <a:ext cx="3129422" cy="246221"/>
+          </a:xfrm>
+          <a:prstGeom prst="rect">
+            <a:avLst/>
+          </a:prstGeom>
+        </p:spPr>
+        <p:txBody>
+          <a:bodyPr wrap="square" lIns="0" tIns="0" rIns="0" bIns="0" anchor="t" anchorCtr="0">
+            <a:spAutoFit/>
+          </a:bodyPr>
+          <a:lstStyle>
+            <a:lvl1pPr marL="0" indent="0" algn="ctr">
+              <a:buNone/>
+              <a:defRPr sz="1600" baseline="0">
+                <a:solidFill>
+                  <a:schemeClr val="tx1">
+                    <a:lumMod val="95000"/>
+                    <a:lumOff val="5000"/>
+                  </a:schemeClr>
+                </a:solidFill>
+              </a:defRPr>
+            </a:lvl1pPr>
+            <a:lvl2pPr marL="457200" indent="0">
+              <a:buNone/>
+              <a:defRPr sz="1200"/>
+            </a:lvl2pPr>
+            <a:lvl3pPr marL="914400" indent="0">
+              <a:buNone/>
+              <a:defRPr sz="1000"/>
+            </a:lvl3pPr>
+            <a:lvl4pPr marL="1371600" indent="0">
+              <a:buNone/>
+              <a:defRPr sz="900"/>
+            </a:lvl4pPr>
+            <a:lvl5pPr marL="1828800" indent="0">
+              <a:buNone/>
+              <a:defRPr sz="900"/>
+            </a:lvl5pPr>
+            <a:lvl6pPr marL="2286000" indent="0">
+              <a:buNone/>
+              <a:defRPr sz="900"/>
+            </a:lvl6pPr>
+            <a:lvl7pPr marL="2743200" indent="0">
+              <a:buNone/>
+              <a:defRPr sz="900"/>
+            </a:lvl7pPr>
+            <a:lvl8pPr marL="3200400" indent="0">
+              <a:buNone/>
+              <a:defRPr sz="900"/>
+            </a:lvl8pPr>
+            <a:lvl9pPr marL="3657600" indent="0">
+              <a:buNone/>
+              <a:defRPr sz="900"/>
+            </a:lvl9pPr>
+          </a:lstStyle>
+          <a:p>
+            <a:pPr algn="l"/>
+            <a:r>
+              <a:rPr lang="zh-TW" altLang="en-US" dirty="0">
+                <a:solidFill>
+                  <a:schemeClr val="bg1"/>
+                </a:solidFill>
+                <a:latin typeface="Microsoft JhengHei" panose="020B0604030504040204" pitchFamily="34" charset="-120"/>
+                <a:ea typeface="Microsoft JhengHei" panose="020B0604030504040204" pitchFamily="34" charset="-120"/>
+              </a:rPr>
+              <a:t>使用 </a:t>
+            </a:r>
+            <a:r>
+              <a:rPr lang="en-US" altLang="zh-TW" dirty="0" err="1">
+                <a:solidFill>
+                  <a:schemeClr val="bg1"/>
+                </a:solidFill>
+                <a:latin typeface="Microsoft JhengHei" panose="020B0604030504040204" pitchFamily="34" charset="-120"/>
+                <a:ea typeface="Microsoft JhengHei" panose="020B0604030504040204" pitchFamily="34" charset="-120"/>
+              </a:rPr>
+              <a:t>sklearn</a:t>
+            </a:r>
+            <a:r>
+              <a:rPr lang="zh-TW" altLang="en-US" dirty="0">
+                <a:solidFill>
+                  <a:schemeClr val="bg1"/>
+                </a:solidFill>
+                <a:latin typeface="Microsoft JhengHei" panose="020B0604030504040204" pitchFamily="34" charset="-120"/>
+                <a:ea typeface="Microsoft JhengHei" panose="020B0604030504040204" pitchFamily="34" charset="-120"/>
+              </a:rPr>
+              <a:t> 的 </a:t>
+            </a:r>
+            <a:r>
+              <a:rPr lang="en-US" altLang="zh-TW" dirty="0">
+                <a:solidFill>
+                  <a:schemeClr val="bg1"/>
+                </a:solidFill>
+                <a:latin typeface="Microsoft JhengHei" panose="020B0604030504040204" pitchFamily="34" charset="-120"/>
+                <a:ea typeface="Microsoft JhengHei" panose="020B0604030504040204" pitchFamily="34" charset="-120"/>
+              </a:rPr>
+              <a:t>Regressor</a:t>
+            </a:r>
+            <a:r>
+              <a:rPr lang="zh-TW" altLang="en-US" dirty="0">
+                <a:solidFill>
+                  <a:schemeClr val="bg1"/>
+                </a:solidFill>
+                <a:latin typeface="Microsoft JhengHei" panose="020B0604030504040204" pitchFamily="34" charset="-120"/>
+                <a:ea typeface="Microsoft JhengHei" panose="020B0604030504040204" pitchFamily="34" charset="-120"/>
+              </a:rPr>
+              <a:t> 模型</a:t>
+            </a:r>
+            <a:endParaRPr lang="en-US" dirty="0">
+              <a:solidFill>
+                <a:schemeClr val="bg1"/>
+              </a:solidFill>
+              <a:latin typeface="Microsoft JhengHei" panose="020B0604030504040204" pitchFamily="34" charset="-120"/>
+              <a:ea typeface="Microsoft JhengHei" panose="020B0604030504040204" pitchFamily="34" charset="-120"/>
+            </a:endParaRPr>
+          </a:p>
+        </p:txBody>
+      </p:sp>
+      <p:sp>
+        <p:nvSpPr>
+          <p:cNvPr id="99" name="Text Placeholder 3">
+            <a:extLst>
+              <a:ext uri="{FF2B5EF4-FFF2-40B4-BE49-F238E27FC236}">
+                <a16:creationId xmlns:a16="http://schemas.microsoft.com/office/drawing/2014/main" id="{468E4065-4272-427A-9F12-A3B997A2C8B6}"/>
+              </a:ext>
+            </a:extLst>
+          </p:cNvPr>
+          <p:cNvSpPr txBox="1">
+            <a:spLocks/>
+          </p:cNvSpPr>
+          <p:nvPr/>
+        </p:nvSpPr>
+        <p:spPr>
+          <a:xfrm>
+            <a:off x="7950002" y="5277984"/>
+            <a:ext cx="3129422" cy="246221"/>
+          </a:xfrm>
+          <a:prstGeom prst="rect">
+            <a:avLst/>
+          </a:prstGeom>
+        </p:spPr>
+        <p:txBody>
+          <a:bodyPr wrap="square" lIns="0" tIns="0" rIns="0" bIns="0" anchor="t" anchorCtr="0">
+            <a:spAutoFit/>
+          </a:bodyPr>
+          <a:lstStyle>
+            <a:lvl1pPr marL="0" indent="0" algn="ctr">
+              <a:buNone/>
+              <a:defRPr sz="1600" baseline="0">
+                <a:solidFill>
+                  <a:schemeClr val="tx1">
+                    <a:lumMod val="95000"/>
+                    <a:lumOff val="5000"/>
+                  </a:schemeClr>
+                </a:solidFill>
+              </a:defRPr>
+            </a:lvl1pPr>
+            <a:lvl2pPr marL="457200" indent="0">
+              <a:buNone/>
+              <a:defRPr sz="1200"/>
+            </a:lvl2pPr>
+            <a:lvl3pPr marL="914400" indent="0">
+              <a:buNone/>
+              <a:defRPr sz="1000"/>
+            </a:lvl3pPr>
+            <a:lvl4pPr marL="1371600" indent="0">
+              <a:buNone/>
+              <a:defRPr sz="900"/>
+            </a:lvl4pPr>
+            <a:lvl5pPr marL="1828800" indent="0">
+              <a:buNone/>
+              <a:defRPr sz="900"/>
+            </a:lvl5pPr>
+            <a:lvl6pPr marL="2286000" indent="0">
+              <a:buNone/>
+              <a:defRPr sz="900"/>
+            </a:lvl6pPr>
+            <a:lvl7pPr marL="2743200" indent="0">
+              <a:buNone/>
+              <a:defRPr sz="900"/>
+            </a:lvl7pPr>
+            <a:lvl8pPr marL="3200400" indent="0">
+              <a:buNone/>
+              <a:defRPr sz="900"/>
+            </a:lvl8pPr>
+            <a:lvl9pPr marL="3657600" indent="0">
+              <a:buNone/>
+              <a:defRPr sz="900"/>
+            </a:lvl9pPr>
+          </a:lstStyle>
+          <a:p>
+            <a:pPr algn="l"/>
+            <a:r>
+              <a:rPr lang="zh-TW" altLang="en-US" dirty="0">
+                <a:solidFill>
+                  <a:schemeClr val="bg1"/>
+                </a:solidFill>
+                <a:latin typeface="Microsoft JhengHei" panose="020B0604030504040204" pitchFamily="34" charset="-120"/>
+                <a:ea typeface="Microsoft JhengHei" panose="020B0604030504040204" pitchFamily="34" charset="-120"/>
+              </a:rPr>
+              <a:t>用</a:t>
+            </a:r>
+            <a:r>
+              <a:rPr lang="en-US" altLang="zh-TW" dirty="0" err="1">
+                <a:solidFill>
+                  <a:schemeClr val="bg1"/>
+                </a:solidFill>
+                <a:latin typeface="Microsoft JhengHei" panose="020B0604030504040204" pitchFamily="34" charset="-120"/>
+                <a:ea typeface="Microsoft JhengHei" panose="020B0604030504040204" pitchFamily="34" charset="-120"/>
+              </a:rPr>
+              <a:t>MultiOutput</a:t>
+            </a:r>
+            <a:r>
+              <a:rPr lang="zh-TW" altLang="en-US" dirty="0">
+                <a:solidFill>
+                  <a:schemeClr val="bg1"/>
+                </a:solidFill>
+                <a:latin typeface="Microsoft JhengHei" panose="020B0604030504040204" pitchFamily="34" charset="-120"/>
+                <a:ea typeface="Microsoft JhengHei" panose="020B0604030504040204" pitchFamily="34" charset="-120"/>
+              </a:rPr>
+              <a:t>同時回歸 </a:t>
+            </a:r>
+            <a:r>
+              <a:rPr lang="en-US" altLang="zh-TW" dirty="0">
+                <a:solidFill>
+                  <a:schemeClr val="bg1"/>
+                </a:solidFill>
+                <a:latin typeface="Microsoft JhengHei" panose="020B0604030504040204" pitchFamily="34" charset="-120"/>
+                <a:ea typeface="Microsoft JhengHei" panose="020B0604030504040204" pitchFamily="34" charset="-120"/>
+              </a:rPr>
+              <a:t>16</a:t>
+            </a:r>
+            <a:r>
+              <a:rPr lang="zh-TW" altLang="en-US" dirty="0">
+                <a:solidFill>
+                  <a:schemeClr val="bg1"/>
+                </a:solidFill>
+                <a:latin typeface="Microsoft JhengHei" panose="020B0604030504040204" pitchFamily="34" charset="-120"/>
+                <a:ea typeface="Microsoft JhengHei" panose="020B0604030504040204" pitchFamily="34" charset="-120"/>
+              </a:rPr>
+              <a:t> 維</a:t>
+            </a:r>
+            <a:endParaRPr lang="en-US" dirty="0">
+              <a:solidFill>
+                <a:schemeClr val="bg1"/>
+              </a:solidFill>
+              <a:latin typeface="Microsoft JhengHei" panose="020B0604030504040204" pitchFamily="34" charset="-120"/>
+              <a:ea typeface="Microsoft JhengHei" panose="020B0604030504040204" pitchFamily="34" charset="-120"/>
+            </a:endParaRPr>
+          </a:p>
+        </p:txBody>
+      </p:sp>
+      <p:sp>
+        <p:nvSpPr>
+          <p:cNvPr id="100" name="Text Placeholder 3">
+            <a:extLst>
+              <a:ext uri="{FF2B5EF4-FFF2-40B4-BE49-F238E27FC236}">
+                <a16:creationId xmlns:a16="http://schemas.microsoft.com/office/drawing/2014/main" id="{1626C68B-9B82-4416-BB57-A6B0ED88A5CD}"/>
+              </a:ext>
+            </a:extLst>
+          </p:cNvPr>
+          <p:cNvSpPr txBox="1">
+            <a:spLocks/>
+          </p:cNvSpPr>
+          <p:nvPr/>
+        </p:nvSpPr>
+        <p:spPr>
+          <a:xfrm>
+            <a:off x="8479652" y="5862233"/>
+            <a:ext cx="2894256" cy="246221"/>
+          </a:xfrm>
+          <a:prstGeom prst="rect">
+            <a:avLst/>
+          </a:prstGeom>
+        </p:spPr>
+        <p:txBody>
+          <a:bodyPr wrap="square" lIns="0" tIns="0" rIns="0" bIns="0" anchor="t" anchorCtr="0">
+            <a:spAutoFit/>
+          </a:bodyPr>
+          <a:lstStyle>
+            <a:lvl1pPr marL="0" indent="0" algn="ctr">
+              <a:buNone/>
+              <a:defRPr sz="1600" baseline="0">
+                <a:solidFill>
+                  <a:schemeClr val="tx1">
+                    <a:lumMod val="95000"/>
+                    <a:lumOff val="5000"/>
+                  </a:schemeClr>
+                </a:solidFill>
+              </a:defRPr>
+            </a:lvl1pPr>
+            <a:lvl2pPr marL="457200" indent="0">
+              <a:buNone/>
+              <a:defRPr sz="1200"/>
+            </a:lvl2pPr>
+            <a:lvl3pPr marL="914400" indent="0">
+              <a:buNone/>
+              <a:defRPr sz="1000"/>
+            </a:lvl3pPr>
+            <a:lvl4pPr marL="1371600" indent="0">
+              <a:buNone/>
+              <a:defRPr sz="900"/>
+            </a:lvl4pPr>
+            <a:lvl5pPr marL="1828800" indent="0">
+              <a:buNone/>
+              <a:defRPr sz="900"/>
+            </a:lvl5pPr>
+            <a:lvl6pPr marL="2286000" indent="0">
+              <a:buNone/>
+              <a:defRPr sz="900"/>
+            </a:lvl6pPr>
+            <a:lvl7pPr marL="2743200" indent="0">
+              <a:buNone/>
+              <a:defRPr sz="900"/>
+            </a:lvl7pPr>
+            <a:lvl8pPr marL="3200400" indent="0">
+              <a:buNone/>
+              <a:defRPr sz="900"/>
+            </a:lvl8pPr>
+            <a:lvl9pPr marL="3657600" indent="0">
+              <a:buNone/>
+              <a:defRPr sz="900"/>
+            </a:lvl9pPr>
+          </a:lstStyle>
+          <a:p>
+            <a:pPr algn="l"/>
+            <a:r>
+              <a:rPr lang="zh-TW" altLang="en-US" dirty="0">
+                <a:solidFill>
+                  <a:schemeClr val="bg1"/>
+                </a:solidFill>
+                <a:latin typeface="Microsoft JhengHei" panose="020B0604030504040204" pitchFamily="34" charset="-120"/>
+                <a:ea typeface="Microsoft JhengHei" panose="020B0604030504040204" pitchFamily="34" charset="-120"/>
+              </a:rPr>
+              <a:t>訓練資料集：</a:t>
+            </a:r>
+            <a:r>
+              <a:rPr lang="en-US" altLang="zh-TW" dirty="0">
+                <a:solidFill>
+                  <a:schemeClr val="bg1"/>
+                </a:solidFill>
+                <a:latin typeface="Microsoft JhengHei" panose="020B0604030504040204" pitchFamily="34" charset="-120"/>
+                <a:ea typeface="Microsoft JhengHei" panose="020B0604030504040204" pitchFamily="34" charset="-120"/>
+              </a:rPr>
+              <a:t>dt_all.csv</a:t>
+            </a:r>
+            <a:endParaRPr lang="en-US" dirty="0">
+              <a:solidFill>
+                <a:schemeClr val="bg1"/>
+              </a:solidFill>
+              <a:latin typeface="Microsoft JhengHei" panose="020B0604030504040204" pitchFamily="34" charset="-120"/>
+              <a:ea typeface="Microsoft JhengHei" panose="020B0604030504040204" pitchFamily="34" charset="-120"/>
+            </a:endParaRPr>
+          </a:p>
+        </p:txBody>
+      </p:sp>
+      <p:pic>
+        <p:nvPicPr>
+          <p:cNvPr id="50" name="圖片 49">
+            <a:extLst>
+              <a:ext uri="{FF2B5EF4-FFF2-40B4-BE49-F238E27FC236}">
+                <a16:creationId xmlns:a16="http://schemas.microsoft.com/office/drawing/2014/main" id="{784A6637-EBDE-4412-98E8-BA96486FA7AC}"/>
+              </a:ext>
+            </a:extLst>
+          </p:cNvPr>
+          <p:cNvPicPr>
+            <a:picLocks noChangeAspect="1"/>
+          </p:cNvPicPr>
+          <p:nvPr/>
+        </p:nvPicPr>
+        <p:blipFill>
+          <a:blip r:embed="rId4">
+            <a:extLst>
+              <a:ext uri="{28A0092B-C50C-407E-A947-70E740481C1C}">
+                <a14:useLocalDpi xmlns:a14="http://schemas.microsoft.com/office/drawing/2010/main" val="0"/>
+              </a:ext>
+            </a:extLst>
+          </a:blip>
+          <a:stretch>
+            <a:fillRect/>
+          </a:stretch>
+        </p:blipFill>
+        <p:spPr>
+          <a:xfrm>
+            <a:off x="7855558" y="1870764"/>
+            <a:ext cx="3061790" cy="1690363"/>
+          </a:xfrm>
+          <a:prstGeom prst="rect">
+            <a:avLst/>
+          </a:prstGeom>
+        </p:spPr>
+      </p:pic>
+      <p:sp>
+        <p:nvSpPr>
+          <p:cNvPr id="103" name="TextBox 177">
+            <a:extLst>
+              <a:ext uri="{FF2B5EF4-FFF2-40B4-BE49-F238E27FC236}">
+                <a16:creationId xmlns:a16="http://schemas.microsoft.com/office/drawing/2014/main" id="{1C2A6F7F-2DE2-4B9C-92ED-181AEF5194FC}"/>
+              </a:ext>
+            </a:extLst>
+          </p:cNvPr>
+          <p:cNvSpPr txBox="1"/>
+          <p:nvPr/>
+        </p:nvSpPr>
+        <p:spPr>
+          <a:xfrm>
+            <a:off x="4613686" y="5284180"/>
+            <a:ext cx="894476" cy="615553"/>
+          </a:xfrm>
+          <a:prstGeom prst="rect">
+            <a:avLst/>
+          </a:prstGeom>
+          <a:noFill/>
+        </p:spPr>
+        <p:txBody>
+          <a:bodyPr wrap="none" lIns="0" tIns="0" rIns="0" bIns="0" rtlCol="0">
+            <a:spAutoFit/>
+          </a:bodyPr>
+          <a:lstStyle/>
+          <a:p>
+            <a:pPr algn="ctr"/>
+            <a:r>
+              <a:rPr lang="zh-TW" altLang="en-US" sz="4000" b="1" dirty="0">
+                <a:solidFill>
+                  <a:schemeClr val="bg1"/>
+                </a:solidFill>
+                <a:latin typeface="Microsoft JhengHei" panose="020B0604030504040204" pitchFamily="34" charset="-120"/>
+                <a:ea typeface="Microsoft JhengHei" panose="020B0604030504040204" pitchFamily="34" charset="-120"/>
+              </a:rPr>
+              <a:t>≥</a:t>
+            </a:r>
+            <a:r>
+              <a:rPr lang="en-US" altLang="zh-TW" sz="4000" b="1" dirty="0">
+                <a:solidFill>
+                  <a:schemeClr val="bg1"/>
+                </a:solidFill>
+                <a:latin typeface="Microsoft JhengHei" panose="020B0604030504040204" pitchFamily="34" charset="-120"/>
+                <a:ea typeface="Microsoft JhengHei" panose="020B0604030504040204" pitchFamily="34" charset="-120"/>
+              </a:rPr>
+              <a:t>10</a:t>
+            </a:r>
+            <a:endParaRPr lang="en-US" sz="4000" b="1" dirty="0">
+              <a:solidFill>
+                <a:schemeClr val="bg1"/>
+              </a:solidFill>
+              <a:latin typeface="Microsoft JhengHei" panose="020B0604030504040204" pitchFamily="34" charset="-120"/>
+              <a:ea typeface="Microsoft JhengHei" panose="020B0604030504040204" pitchFamily="34" charset="-120"/>
+            </a:endParaRPr>
+          </a:p>
+        </p:txBody>
+      </p:sp>
+      <p:sp>
+        <p:nvSpPr>
+          <p:cNvPr id="104" name="TextBox 177">
+            <a:extLst>
+              <a:ext uri="{FF2B5EF4-FFF2-40B4-BE49-F238E27FC236}">
+                <a16:creationId xmlns:a16="http://schemas.microsoft.com/office/drawing/2014/main" id="{E8B15EF1-F2A5-4D93-BBE5-10153483B561}"/>
+              </a:ext>
+            </a:extLst>
+          </p:cNvPr>
+          <p:cNvSpPr txBox="1"/>
+          <p:nvPr/>
+        </p:nvSpPr>
+        <p:spPr>
+          <a:xfrm>
+            <a:off x="6546350" y="4901034"/>
+            <a:ext cx="1154163" cy="276999"/>
+          </a:xfrm>
+          <a:prstGeom prst="rect">
+            <a:avLst/>
+          </a:prstGeom>
+          <a:noFill/>
+        </p:spPr>
+        <p:txBody>
+          <a:bodyPr wrap="none" lIns="0" tIns="0" rIns="0" bIns="0" rtlCol="0">
+            <a:spAutoFit/>
+          </a:bodyPr>
+          <a:lstStyle/>
+          <a:p>
+            <a:pPr algn="ctr"/>
+            <a:r>
+              <a:rPr lang="zh-TW" altLang="en-US" b="1" dirty="0">
+                <a:solidFill>
+                  <a:schemeClr val="bg1"/>
+                </a:solidFill>
+                <a:latin typeface="Microsoft JhengHei" panose="020B0604030504040204" pitchFamily="34" charset="-120"/>
+                <a:ea typeface="Microsoft JhengHei" panose="020B0604030504040204" pitchFamily="34" charset="-120"/>
+              </a:rPr>
+              <a:t>有消費月份</a:t>
+            </a:r>
+            <a:endParaRPr lang="en-US" b="1" dirty="0">
+              <a:solidFill>
+                <a:schemeClr val="bg1"/>
+              </a:solidFill>
+              <a:latin typeface="Microsoft JhengHei" panose="020B0604030504040204" pitchFamily="34" charset="-120"/>
+              <a:ea typeface="Microsoft JhengHei" panose="020B0604030504040204" pitchFamily="34" charset="-120"/>
+            </a:endParaRPr>
+          </a:p>
+        </p:txBody>
+      </p:sp>
+      <p:sp>
+        <p:nvSpPr>
+          <p:cNvPr id="105" name="TextBox 177">
+            <a:extLst>
+              <a:ext uri="{FF2B5EF4-FFF2-40B4-BE49-F238E27FC236}">
+                <a16:creationId xmlns:a16="http://schemas.microsoft.com/office/drawing/2014/main" id="{7DF864E7-84FE-4B1A-AC18-7F8C0FC55774}"/>
+              </a:ext>
+            </a:extLst>
+          </p:cNvPr>
+          <p:cNvSpPr txBox="1"/>
+          <p:nvPr/>
+        </p:nvSpPr>
+        <p:spPr>
+          <a:xfrm>
+            <a:off x="6595280" y="5284180"/>
+            <a:ext cx="995465" cy="615553"/>
+          </a:xfrm>
+          <a:prstGeom prst="rect">
+            <a:avLst/>
+          </a:prstGeom>
+          <a:noFill/>
+        </p:spPr>
+        <p:txBody>
+          <a:bodyPr wrap="none" lIns="0" tIns="0" rIns="0" bIns="0" rtlCol="0">
+            <a:spAutoFit/>
+          </a:bodyPr>
+          <a:lstStyle/>
+          <a:p>
+            <a:pPr algn="ctr"/>
+            <a:r>
+              <a:rPr lang="en-US" altLang="zh-TW" sz="4000" b="1" dirty="0">
+                <a:solidFill>
+                  <a:schemeClr val="bg1"/>
+                </a:solidFill>
+                <a:latin typeface="Microsoft JhengHei" panose="020B0604030504040204" pitchFamily="34" charset="-120"/>
+                <a:ea typeface="Microsoft JhengHei" panose="020B0604030504040204" pitchFamily="34" charset="-120"/>
+              </a:rPr>
+              <a:t>&lt;10</a:t>
+            </a:r>
+            <a:endParaRPr lang="en-US" sz="4000" b="1" dirty="0">
+              <a:solidFill>
+                <a:schemeClr val="bg1"/>
+              </a:solidFill>
+              <a:latin typeface="Microsoft JhengHei" panose="020B0604030504040204" pitchFamily="34" charset="-120"/>
+              <a:ea typeface="Microsoft JhengHei" panose="020B0604030504040204" pitchFamily="34" charset="-120"/>
+            </a:endParaRPr>
+          </a:p>
+        </p:txBody>
+      </p:sp>
+      <p:sp>
+        <p:nvSpPr>
+          <p:cNvPr id="107" name="Title 1">
+            <a:extLst>
+              <a:ext uri="{FF2B5EF4-FFF2-40B4-BE49-F238E27FC236}">
+                <a16:creationId xmlns:a16="http://schemas.microsoft.com/office/drawing/2014/main" id="{DF51CBE0-A7FE-4E1E-86C7-EEC5A2A85877}"/>
+              </a:ext>
+            </a:extLst>
+          </p:cNvPr>
+          <p:cNvSpPr txBox="1">
+            <a:spLocks/>
+          </p:cNvSpPr>
+          <p:nvPr/>
+        </p:nvSpPr>
+        <p:spPr>
+          <a:xfrm>
+            <a:off x="2489200" y="509028"/>
+            <a:ext cx="1763833" cy="471365"/>
+          </a:xfrm>
+          <a:prstGeom prst="rect">
+            <a:avLst/>
+          </a:prstGeom>
+        </p:spPr>
+        <p:txBody>
+          <a:bodyPr vert="horz" wrap="none" lIns="0" tIns="0" rIns="0" bIns="0" rtlCol="0" anchor="ctr">
+            <a:noAutofit/>
+          </a:bodyPr>
+          <a:lstStyle>
+            <a:lvl1pPr algn="ctr" defTabSz="914400" rtl="0" eaLnBrk="1" latinLnBrk="0" hangingPunct="1">
+              <a:lnSpc>
+                <a:spcPct val="90000"/>
+              </a:lnSpc>
+              <a:spcBef>
+                <a:spcPct val="0"/>
+              </a:spcBef>
+              <a:buNone/>
+              <a:defRPr sz="3200" b="1" kern="1200" baseline="0">
+                <a:solidFill>
+                  <a:schemeClr val="tx1">
+                    <a:lumMod val="90000"/>
+                    <a:lumOff val="10000"/>
+                  </a:schemeClr>
+                </a:solidFill>
+                <a:latin typeface="+mj-lt"/>
+                <a:ea typeface="+mj-ea"/>
+                <a:cs typeface="+mj-cs"/>
+              </a:defRPr>
+            </a:lvl1pPr>
+          </a:lstStyle>
+          <a:p>
+            <a:endParaRPr lang="en-US" dirty="0">
+              <a:latin typeface="Microsoft JhengHei" panose="020B0604030504040204" pitchFamily="34" charset="-120"/>
+              <a:ea typeface="Microsoft JhengHei" panose="020B0604030504040204" pitchFamily="34" charset="-120"/>
+            </a:endParaRPr>
+          </a:p>
+        </p:txBody>
+      </p:sp>
+      <p:sp>
+        <p:nvSpPr>
+          <p:cNvPr id="66" name="對角線條紋 65">
+            <a:extLst>
+              <a:ext uri="{FF2B5EF4-FFF2-40B4-BE49-F238E27FC236}">
+                <a16:creationId xmlns:a16="http://schemas.microsoft.com/office/drawing/2014/main" id="{5F80343D-92B7-4108-A7DB-1BAD12776F2E}"/>
+              </a:ext>
+            </a:extLst>
+          </p:cNvPr>
+          <p:cNvSpPr/>
+          <p:nvPr/>
+        </p:nvSpPr>
+        <p:spPr>
+          <a:xfrm>
+            <a:off x="-10329" y="2703"/>
+            <a:ext cx="959453" cy="876973"/>
+          </a:xfrm>
+          <a:prstGeom prst="diagStripe">
+            <a:avLst>
+              <a:gd name="adj" fmla="val 72062"/>
+            </a:avLst>
+          </a:prstGeom>
+          <a:solidFill>
+            <a:srgbClr val="D4B499"/>
+          </a:solidFill>
+          <a:ln>
+            <a:noFill/>
+          </a:ln>
+        </p:spPr>
+        <p:style>
+          <a:lnRef idx="2">
+            <a:schemeClr val="accent1">
+              <a:shade val="50000"/>
+            </a:schemeClr>
+          </a:lnRef>
+          <a:fillRef idx="1">
+            <a:schemeClr val="accent1"/>
+          </a:fillRef>
+          <a:effectRef idx="0">
+            <a:schemeClr val="accent1"/>
+          </a:effectRef>
+          <a:fontRef idx="minor">
+            <a:schemeClr val="lt1"/>
+          </a:fontRef>
+        </p:style>
+        <p:txBody>
+          <a:bodyPr rtlCol="0" anchor="ctr"/>
+          <a:lstStyle/>
+          <a:p>
+            <a:pPr algn="ctr"/>
+            <a:endParaRPr lang="zh-TW" altLang="en-US">
+              <a:solidFill>
+                <a:schemeClr val="tx1"/>
+              </a:solidFill>
+            </a:endParaRPr>
+          </a:p>
+        </p:txBody>
+      </p:sp>
+      <p:grpSp>
+        <p:nvGrpSpPr>
+          <p:cNvPr id="67" name="群組 66">
+            <a:extLst>
+              <a:ext uri="{FF2B5EF4-FFF2-40B4-BE49-F238E27FC236}">
+                <a16:creationId xmlns:a16="http://schemas.microsoft.com/office/drawing/2014/main" id="{25A24752-50E8-47F4-BA6D-2B2775A07720}"/>
+              </a:ext>
+            </a:extLst>
+          </p:cNvPr>
+          <p:cNvGrpSpPr/>
+          <p:nvPr/>
+        </p:nvGrpSpPr>
+        <p:grpSpPr>
+          <a:xfrm rot="10800000">
+            <a:off x="10580123" y="-4482"/>
+            <a:ext cx="1611877" cy="1604682"/>
+            <a:chOff x="1" y="5260503"/>
+            <a:chExt cx="1611877" cy="1604682"/>
+          </a:xfrm>
+        </p:grpSpPr>
+        <p:sp>
+          <p:nvSpPr>
+            <p:cNvPr id="68" name="對角線條紋 67">
+              <a:extLst>
+                <a:ext uri="{FF2B5EF4-FFF2-40B4-BE49-F238E27FC236}">
+                  <a16:creationId xmlns:a16="http://schemas.microsoft.com/office/drawing/2014/main" id="{AFA58EFE-833B-4960-8459-95233E43DD6F}"/>
+                </a:ext>
+              </a:extLst>
+            </p:cNvPr>
+            <p:cNvSpPr/>
+            <p:nvPr/>
+          </p:nvSpPr>
+          <p:spPr>
+            <a:xfrm rot="16200000">
+              <a:off x="3599" y="5256905"/>
+              <a:ext cx="1604682" cy="1611877"/>
+            </a:xfrm>
+            <a:prstGeom prst="diagStripe">
+              <a:avLst>
+                <a:gd name="adj" fmla="val 81642"/>
+              </a:avLst>
+            </a:prstGeom>
+            <a:solidFill>
+              <a:srgbClr val="F3D5C0"/>
+            </a:solidFill>
+            <a:ln>
+              <a:noFill/>
+            </a:ln>
+          </p:spPr>
+          <p:style>
+            <a:lnRef idx="2">
+              <a:schemeClr val="accent1">
+                <a:shade val="50000"/>
+              </a:schemeClr>
+            </a:lnRef>
+            <a:fillRef idx="1">
+              <a:schemeClr val="accent1"/>
+            </a:fillRef>
+            <a:effectRef idx="0">
+              <a:schemeClr val="accent1"/>
+            </a:effectRef>
+            <a:fontRef idx="minor">
+              <a:schemeClr val="lt1"/>
+            </a:fontRef>
+          </p:style>
+          <p:txBody>
+            <a:bodyPr rtlCol="0" anchor="ctr"/>
+            <a:lstStyle/>
+            <a:p>
+              <a:pPr algn="ctr"/>
+              <a:endParaRPr lang="zh-TW" altLang="en-US" dirty="0">
+                <a:solidFill>
+                  <a:schemeClr val="tx1"/>
+                </a:solidFill>
+              </a:endParaRPr>
+            </a:p>
+          </p:txBody>
+        </p:sp>
+        <p:sp>
+          <p:nvSpPr>
+            <p:cNvPr id="69" name="對角線條紋 68">
+              <a:extLst>
+                <a:ext uri="{FF2B5EF4-FFF2-40B4-BE49-F238E27FC236}">
+                  <a16:creationId xmlns:a16="http://schemas.microsoft.com/office/drawing/2014/main" id="{7E4E6335-0658-4BC5-9282-B624E4A1DEAA}"/>
+                </a:ext>
+              </a:extLst>
+            </p:cNvPr>
+            <p:cNvSpPr/>
+            <p:nvPr/>
+          </p:nvSpPr>
+          <p:spPr>
+            <a:xfrm rot="16200000">
+              <a:off x="-16027" y="6258844"/>
+              <a:ext cx="622369" cy="590310"/>
+            </a:xfrm>
+            <a:prstGeom prst="diagStripe">
+              <a:avLst>
+                <a:gd name="adj" fmla="val 56739"/>
+              </a:avLst>
+            </a:prstGeom>
+            <a:solidFill>
+              <a:srgbClr val="C8C6C6"/>
+            </a:solidFill>
+            <a:ln>
+              <a:noFill/>
+            </a:ln>
+          </p:spPr>
+          <p:style>
+            <a:lnRef idx="2">
+              <a:schemeClr val="accent1">
+                <a:shade val="50000"/>
+              </a:schemeClr>
+            </a:lnRef>
+            <a:fillRef idx="1">
+              <a:schemeClr val="accent1"/>
+            </a:fillRef>
+            <a:effectRef idx="0">
+              <a:schemeClr val="accent1"/>
+            </a:effectRef>
+            <a:fontRef idx="minor">
+              <a:schemeClr val="lt1"/>
+            </a:fontRef>
+          </p:style>
+          <p:txBody>
+            <a:bodyPr rtlCol="0" anchor="ctr"/>
+            <a:lstStyle/>
+            <a:p>
+              <a:pPr algn="ctr"/>
+              <a:endParaRPr lang="zh-TW" altLang="en-US">
+                <a:solidFill>
+                  <a:schemeClr val="tx1"/>
+                </a:solidFill>
+              </a:endParaRPr>
+            </a:p>
+          </p:txBody>
+        </p:sp>
+        <p:sp>
+          <p:nvSpPr>
+            <p:cNvPr id="70" name="對角線條紋 69">
+              <a:extLst>
+                <a:ext uri="{FF2B5EF4-FFF2-40B4-BE49-F238E27FC236}">
+                  <a16:creationId xmlns:a16="http://schemas.microsoft.com/office/drawing/2014/main" id="{8B0118EA-EF81-4999-96F8-3F332C1035EF}"/>
+                </a:ext>
+              </a:extLst>
+            </p:cNvPr>
+            <p:cNvSpPr/>
+            <p:nvPr/>
+          </p:nvSpPr>
+          <p:spPr>
+            <a:xfrm rot="16200000">
+              <a:off x="2459" y="5759970"/>
+              <a:ext cx="1095574" cy="1100486"/>
+            </a:xfrm>
+            <a:prstGeom prst="diagStripe">
+              <a:avLst>
+                <a:gd name="adj" fmla="val 75997"/>
+              </a:avLst>
+            </a:prstGeom>
+            <a:solidFill>
+              <a:srgbClr val="F0E5CF"/>
+            </a:solidFill>
+            <a:ln>
+              <a:noFill/>
+            </a:ln>
+          </p:spPr>
+          <p:style>
+            <a:lnRef idx="2">
+              <a:schemeClr val="accent1">
+                <a:shade val="50000"/>
+              </a:schemeClr>
+            </a:lnRef>
+            <a:fillRef idx="1">
+              <a:schemeClr val="accent1"/>
+            </a:fillRef>
+            <a:effectRef idx="0">
+              <a:schemeClr val="accent1"/>
+            </a:effectRef>
+            <a:fontRef idx="minor">
+              <a:schemeClr val="lt1"/>
+            </a:fontRef>
+          </p:style>
+          <p:txBody>
+            <a:bodyPr rtlCol="0" anchor="ctr"/>
+            <a:lstStyle/>
+            <a:p>
+              <a:pPr algn="ctr"/>
+              <a:endParaRPr lang="zh-TW" altLang="en-US" dirty="0">
+                <a:solidFill>
+                  <a:schemeClr val="tx1"/>
+                </a:solidFill>
+              </a:endParaRPr>
+            </a:p>
+          </p:txBody>
+        </p:sp>
+      </p:grpSp>
+    </p:spTree>
+    <p:extLst>
+      <p:ext uri="{BB962C8B-B14F-4D97-AF65-F5344CB8AC3E}">
+        <p14:creationId xmlns:p14="http://schemas.microsoft.com/office/powerpoint/2010/main" val="371611065"/>
+      </p:ext>
+    </p:extLst>
+  </p:cSld>
+  <p:clrMapOvr>
+    <a:masterClrMapping/>
+  </p:clrMapOvr>
 </p:sld>
 </file>
 
